--- a/Images/Figures_To_Review/Portrait_Final_Figures.pptx
+++ b/Images/Figures_To_Review/Portrait_Final_Figures.pptx
@@ -247,7 +247,7 @@
           <a:p>
             <a:fld id="{9F63612E-C667-4B87-BE21-CEDCDFE9BED7}" type="datetimeFigureOut">
               <a:rPr lang="en-US" smtClean="0"/>
-              <a:t>7/24/2025</a:t>
+              <a:t>7/29/2025</a:t>
             </a:fld>
             <a:endParaRPr lang="en-US"/>
           </a:p>
@@ -417,7 +417,7 @@
           <a:p>
             <a:fld id="{9F63612E-C667-4B87-BE21-CEDCDFE9BED7}" type="datetimeFigureOut">
               <a:rPr lang="en-US" smtClean="0"/>
-              <a:t>7/24/2025</a:t>
+              <a:t>7/29/2025</a:t>
             </a:fld>
             <a:endParaRPr lang="en-US"/>
           </a:p>
@@ -597,7 +597,7 @@
           <a:p>
             <a:fld id="{9F63612E-C667-4B87-BE21-CEDCDFE9BED7}" type="datetimeFigureOut">
               <a:rPr lang="en-US" smtClean="0"/>
-              <a:t>7/24/2025</a:t>
+              <a:t>7/29/2025</a:t>
             </a:fld>
             <a:endParaRPr lang="en-US"/>
           </a:p>
@@ -767,7 +767,7 @@
           <a:p>
             <a:fld id="{9F63612E-C667-4B87-BE21-CEDCDFE9BED7}" type="datetimeFigureOut">
               <a:rPr lang="en-US" smtClean="0"/>
-              <a:t>7/24/2025</a:t>
+              <a:t>7/29/2025</a:t>
             </a:fld>
             <a:endParaRPr lang="en-US"/>
           </a:p>
@@ -1013,7 +1013,7 @@
           <a:p>
             <a:fld id="{9F63612E-C667-4B87-BE21-CEDCDFE9BED7}" type="datetimeFigureOut">
               <a:rPr lang="en-US" smtClean="0"/>
-              <a:t>7/24/2025</a:t>
+              <a:t>7/29/2025</a:t>
             </a:fld>
             <a:endParaRPr lang="en-US"/>
           </a:p>
@@ -1245,7 +1245,7 @@
           <a:p>
             <a:fld id="{9F63612E-C667-4B87-BE21-CEDCDFE9BED7}" type="datetimeFigureOut">
               <a:rPr lang="en-US" smtClean="0"/>
-              <a:t>7/24/2025</a:t>
+              <a:t>7/29/2025</a:t>
             </a:fld>
             <a:endParaRPr lang="en-US"/>
           </a:p>
@@ -1612,7 +1612,7 @@
           <a:p>
             <a:fld id="{9F63612E-C667-4B87-BE21-CEDCDFE9BED7}" type="datetimeFigureOut">
               <a:rPr lang="en-US" smtClean="0"/>
-              <a:t>7/24/2025</a:t>
+              <a:t>7/29/2025</a:t>
             </a:fld>
             <a:endParaRPr lang="en-US"/>
           </a:p>
@@ -1730,7 +1730,7 @@
           <a:p>
             <a:fld id="{9F63612E-C667-4B87-BE21-CEDCDFE9BED7}" type="datetimeFigureOut">
               <a:rPr lang="en-US" smtClean="0"/>
-              <a:t>7/24/2025</a:t>
+              <a:t>7/29/2025</a:t>
             </a:fld>
             <a:endParaRPr lang="en-US"/>
           </a:p>
@@ -1825,7 +1825,7 @@
           <a:p>
             <a:fld id="{9F63612E-C667-4B87-BE21-CEDCDFE9BED7}" type="datetimeFigureOut">
               <a:rPr lang="en-US" smtClean="0"/>
-              <a:t>7/24/2025</a:t>
+              <a:t>7/29/2025</a:t>
             </a:fld>
             <a:endParaRPr lang="en-US"/>
           </a:p>
@@ -2102,7 +2102,7 @@
           <a:p>
             <a:fld id="{9F63612E-C667-4B87-BE21-CEDCDFE9BED7}" type="datetimeFigureOut">
               <a:rPr lang="en-US" smtClean="0"/>
-              <a:t>7/24/2025</a:t>
+              <a:t>7/29/2025</a:t>
             </a:fld>
             <a:endParaRPr lang="en-US"/>
           </a:p>
@@ -2359,7 +2359,7 @@
           <a:p>
             <a:fld id="{9F63612E-C667-4B87-BE21-CEDCDFE9BED7}" type="datetimeFigureOut">
               <a:rPr lang="en-US" smtClean="0"/>
-              <a:t>7/24/2025</a:t>
+              <a:t>7/29/2025</a:t>
             </a:fld>
             <a:endParaRPr lang="en-US"/>
           </a:p>
@@ -2572,7 +2572,7 @@
           <a:p>
             <a:fld id="{9F63612E-C667-4B87-BE21-CEDCDFE9BED7}" type="datetimeFigureOut">
               <a:rPr lang="en-US" smtClean="0"/>
-              <a:t>7/24/2025</a:t>
+              <a:t>7/29/2025</a:t>
             </a:fld>
             <a:endParaRPr lang="en-US"/>
           </a:p>
@@ -3079,7 +3079,7 @@
         </p:blipFill>
         <p:spPr>
           <a:xfrm>
-            <a:off x="816314" y="909183"/>
+            <a:off x="816314" y="1301072"/>
             <a:ext cx="5041056" cy="2835594"/>
           </a:xfrm>
           <a:prstGeom prst="rect">
@@ -3101,7 +3101,7 @@
         </p:nvGrpSpPr>
         <p:grpSpPr>
           <a:xfrm>
-            <a:off x="361261" y="9478820"/>
+            <a:off x="361261" y="8015779"/>
             <a:ext cx="6496739" cy="2632730"/>
             <a:chOff x="5695263" y="1054348"/>
             <a:chExt cx="6496739" cy="2632730"/>
@@ -4519,7 +4519,7 @@
         </p:nvSpPr>
         <p:spPr>
           <a:xfrm>
-            <a:off x="347730" y="919019"/>
+            <a:off x="347730" y="1310908"/>
             <a:ext cx="610368" cy="369332"/>
           </a:xfrm>
           <a:prstGeom prst="rect">
@@ -4589,7 +4589,7 @@
         </p:nvSpPr>
         <p:spPr>
           <a:xfrm>
-            <a:off x="347730" y="8775883"/>
+            <a:off x="347730" y="7312842"/>
             <a:ext cx="610368" cy="369332"/>
           </a:xfrm>
           <a:prstGeom prst="rect">
@@ -4642,10 +4642,10 @@
       </p:grpSpPr>
       <p:grpSp>
         <p:nvGrpSpPr>
-          <p:cNvPr id="4" name="Group 3">
+          <p:cNvPr id="5" name="Group 4">
             <a:extLst>
               <a:ext uri="{FF2B5EF4-FFF2-40B4-BE49-F238E27FC236}">
-                <a16:creationId xmlns:a16="http://schemas.microsoft.com/office/drawing/2014/main" id="{FCF6F215-B40A-8E48-8E6C-FE468E24232C}"/>
+                <a16:creationId xmlns:a16="http://schemas.microsoft.com/office/drawing/2014/main" id="{B018DC44-A06B-B7B0-32B7-4698205B6C60}"/>
               </a:ext>
             </a:extLst>
           </p:cNvPr>
@@ -4656,1754 +4656,1444 @@
           <a:xfrm>
             <a:off x="16196" y="1134894"/>
             <a:ext cx="6841805" cy="2589461"/>
-            <a:chOff x="2221456" y="1689706"/>
-            <a:chExt cx="7822135" cy="3156845"/>
+            <a:chOff x="205240" y="2797186"/>
+            <a:chExt cx="11615412" cy="4060814"/>
           </a:xfrm>
         </p:grpSpPr>
-        <p:grpSp>
-          <p:nvGrpSpPr>
-            <p:cNvPr id="5" name="Group 4">
+        <p:sp>
+          <p:nvSpPr>
+            <p:cNvPr id="15" name="Oval 14">
               <a:extLst>
                 <a:ext uri="{FF2B5EF4-FFF2-40B4-BE49-F238E27FC236}">
-                  <a16:creationId xmlns:a16="http://schemas.microsoft.com/office/drawing/2014/main" id="{B018DC44-A06B-B7B0-32B7-4698205B6C60}"/>
+                  <a16:creationId xmlns:a16="http://schemas.microsoft.com/office/drawing/2014/main" id="{B5DACE83-7B1B-0FB5-9DDE-2B09E16F5B68}"/>
                 </a:ext>
               </a:extLst>
             </p:cNvPr>
-            <p:cNvGrpSpPr/>
+            <p:cNvSpPr/>
             <p:nvPr/>
-          </p:nvGrpSpPr>
-          <p:grpSpPr>
+          </p:nvSpPr>
+          <p:spPr>
             <a:xfrm>
-              <a:off x="2221456" y="1689706"/>
-              <a:ext cx="7822135" cy="3156845"/>
-              <a:chOff x="205240" y="2797186"/>
-              <a:chExt cx="11615412" cy="4060814"/>
+              <a:off x="205240" y="4610438"/>
+              <a:ext cx="1281715" cy="921835"/>
             </a:xfrm>
-          </p:grpSpPr>
-          <p:sp>
-            <p:nvSpPr>
-              <p:cNvPr id="15" name="Oval 14">
-                <a:extLst>
-                  <a:ext uri="{FF2B5EF4-FFF2-40B4-BE49-F238E27FC236}">
-                    <a16:creationId xmlns:a16="http://schemas.microsoft.com/office/drawing/2014/main" id="{B5DACE83-7B1B-0FB5-9DDE-2B09E16F5B68}"/>
-                  </a:ext>
-                </a:extLst>
-              </p:cNvPr>
-              <p:cNvSpPr/>
-              <p:nvPr/>
-            </p:nvSpPr>
-            <p:spPr>
-              <a:xfrm>
-                <a:off x="205240" y="4610438"/>
-                <a:ext cx="1281715" cy="921835"/>
-              </a:xfrm>
-              <a:prstGeom prst="ellipse">
-                <a:avLst/>
-              </a:prstGeom>
-              <a:solidFill>
-                <a:schemeClr val="tx2">
-                  <a:lumMod val="75000"/>
-                  <a:lumOff val="25000"/>
-                </a:schemeClr>
-              </a:solidFill>
-            </p:spPr>
-            <p:style>
-              <a:lnRef idx="2">
-                <a:schemeClr val="accent1">
-                  <a:shade val="15000"/>
-                </a:schemeClr>
-              </a:lnRef>
-              <a:fillRef idx="1">
-                <a:schemeClr val="accent1"/>
-              </a:fillRef>
-              <a:effectRef idx="0">
-                <a:schemeClr val="accent1"/>
-              </a:effectRef>
-              <a:fontRef idx="minor">
-                <a:schemeClr val="lt1"/>
-              </a:fontRef>
-            </p:style>
-            <p:txBody>
-              <a:bodyPr rtlCol="0" anchor="ctr"/>
-              <a:lstStyle/>
-              <a:p>
-                <a:pPr algn="ctr"/>
-                <a:r>
-                  <a:rPr lang="en-US" sz="500" b="1" i="1" dirty="0">
-                    <a:ln w="0"/>
-                    <a:solidFill>
-                      <a:schemeClr val="tx1"/>
-                    </a:solidFill>
-                    <a:effectLst>
-                      <a:outerShdw blurRad="38100" dist="19050" dir="2700000" algn="tl" rotWithShape="0">
-                        <a:schemeClr val="dk1">
-                          <a:alpha val="40000"/>
-                        </a:schemeClr>
-                      </a:outerShdw>
-                    </a:effectLst>
-                    <a:cs typeface="Times New Roman" panose="02020603050405020304" pitchFamily="18" charset="0"/>
-                  </a:rPr>
-                  <a:t>LECA</a:t>
-                </a:r>
-                <a:endParaRPr lang="en-US" sz="500" b="1" i="1" dirty="0">
-                  <a:cs typeface="Times New Roman" panose="02020603050405020304" pitchFamily="18" charset="0"/>
-                </a:endParaRPr>
-              </a:p>
-            </p:txBody>
-          </p:sp>
-          <p:sp>
-            <p:nvSpPr>
-              <p:cNvPr id="16" name="Oval 15">
-                <a:extLst>
-                  <a:ext uri="{FF2B5EF4-FFF2-40B4-BE49-F238E27FC236}">
-                    <a16:creationId xmlns:a16="http://schemas.microsoft.com/office/drawing/2014/main" id="{B383B572-47F6-3577-8328-94A3DEF014DA}"/>
-                  </a:ext>
-                </a:extLst>
-              </p:cNvPr>
-              <p:cNvSpPr/>
-              <p:nvPr/>
-            </p:nvSpPr>
-            <p:spPr>
-              <a:xfrm>
-                <a:off x="2661566" y="3284714"/>
-                <a:ext cx="1854125" cy="921835"/>
-              </a:xfrm>
-              <a:prstGeom prst="ellipse">
-                <a:avLst/>
-              </a:prstGeom>
-              <a:solidFill>
-                <a:srgbClr val="29B95C"/>
-              </a:solidFill>
-            </p:spPr>
-            <p:style>
-              <a:lnRef idx="2">
-                <a:schemeClr val="accent1">
-                  <a:shade val="15000"/>
-                </a:schemeClr>
-              </a:lnRef>
-              <a:fillRef idx="1">
-                <a:schemeClr val="accent1"/>
-              </a:fillRef>
-              <a:effectRef idx="0">
-                <a:schemeClr val="accent1"/>
-              </a:effectRef>
-              <a:fontRef idx="minor">
-                <a:schemeClr val="lt1"/>
-              </a:fontRef>
-            </p:style>
-            <p:txBody>
-              <a:bodyPr rtlCol="0" anchor="ctr"/>
-              <a:lstStyle/>
-              <a:p>
-                <a:pPr algn="ctr"/>
-                <a:r>
-                  <a:rPr lang="en-US" sz="600" b="1" dirty="0">
-                    <a:ln w="0"/>
-                    <a:solidFill>
-                      <a:schemeClr val="tx1"/>
-                    </a:solidFill>
-                    <a:effectLst>
-                      <a:outerShdw blurRad="38100" dist="19050" dir="2700000" algn="tl" rotWithShape="0">
-                        <a:schemeClr val="dk1">
-                          <a:alpha val="40000"/>
-                        </a:schemeClr>
-                      </a:outerShdw>
-                    </a:effectLst>
-                    <a:cs typeface="Times New Roman" panose="02020603050405020304" pitchFamily="18" charset="0"/>
-                  </a:rPr>
-                  <a:t>Archaeplastida</a:t>
-                </a:r>
-              </a:p>
-            </p:txBody>
-          </p:sp>
-          <p:sp>
-            <p:nvSpPr>
-              <p:cNvPr id="17" name="Oval 16">
-                <a:extLst>
-                  <a:ext uri="{FF2B5EF4-FFF2-40B4-BE49-F238E27FC236}">
-                    <a16:creationId xmlns:a16="http://schemas.microsoft.com/office/drawing/2014/main" id="{52060349-AD15-19A7-F957-08409E41E33E}"/>
-                  </a:ext>
-                </a:extLst>
-              </p:cNvPr>
-              <p:cNvSpPr/>
-              <p:nvPr/>
-            </p:nvSpPr>
-            <p:spPr>
-              <a:xfrm>
-                <a:off x="2661567" y="4610439"/>
-                <a:ext cx="1854125" cy="921835"/>
-              </a:xfrm>
-              <a:prstGeom prst="ellipse">
-                <a:avLst/>
-              </a:prstGeom>
-              <a:solidFill>
-                <a:schemeClr val="accent2">
-                  <a:lumMod val="50000"/>
-                </a:schemeClr>
-              </a:solidFill>
-            </p:spPr>
-            <p:style>
-              <a:lnRef idx="2">
-                <a:schemeClr val="accent1">
-                  <a:shade val="15000"/>
-                </a:schemeClr>
-              </a:lnRef>
-              <a:fillRef idx="1">
-                <a:schemeClr val="accent1"/>
-              </a:fillRef>
-              <a:effectRef idx="0">
-                <a:schemeClr val="accent1"/>
-              </a:effectRef>
-              <a:fontRef idx="minor">
-                <a:schemeClr val="lt1"/>
-              </a:fontRef>
-            </p:style>
-            <p:txBody>
-              <a:bodyPr rtlCol="0" anchor="ctr"/>
-              <a:lstStyle/>
-              <a:p>
-                <a:pPr algn="ctr"/>
-                <a:r>
-                  <a:rPr lang="en-US" sz="1200" b="1" dirty="0">
-                    <a:ln w="0"/>
-                    <a:solidFill>
-                      <a:schemeClr val="tx1"/>
-                    </a:solidFill>
-                    <a:effectLst>
-                      <a:outerShdw blurRad="38100" dist="19050" dir="2700000" algn="tl" rotWithShape="0">
-                        <a:schemeClr val="dk1">
-                          <a:alpha val="40000"/>
-                        </a:schemeClr>
-                      </a:outerShdw>
-                    </a:effectLst>
-                    <a:cs typeface="Times New Roman" panose="02020603050405020304" pitchFamily="18" charset="0"/>
-                  </a:rPr>
-                  <a:t>SAR</a:t>
-                </a:r>
-                <a:endParaRPr lang="en-US" sz="1200" b="1" dirty="0">
-                  <a:cs typeface="Times New Roman" panose="02020603050405020304" pitchFamily="18" charset="0"/>
-                </a:endParaRPr>
-              </a:p>
-            </p:txBody>
-          </p:sp>
-          <p:sp>
-            <p:nvSpPr>
-              <p:cNvPr id="18" name="Oval 17">
-                <a:extLst>
-                  <a:ext uri="{FF2B5EF4-FFF2-40B4-BE49-F238E27FC236}">
-                    <a16:creationId xmlns:a16="http://schemas.microsoft.com/office/drawing/2014/main" id="{1A7AA5BC-494B-39A8-2677-16C15DCFD528}"/>
-                  </a:ext>
-                </a:extLst>
-              </p:cNvPr>
-              <p:cNvSpPr/>
-              <p:nvPr/>
-            </p:nvSpPr>
-            <p:spPr>
-              <a:xfrm>
-                <a:off x="2661567" y="5936165"/>
-                <a:ext cx="1854125" cy="921835"/>
-              </a:xfrm>
-              <a:prstGeom prst="ellipse">
-                <a:avLst/>
-              </a:prstGeom>
-              <a:solidFill>
-                <a:schemeClr val="accent5">
-                  <a:lumMod val="75000"/>
-                </a:schemeClr>
-              </a:solidFill>
-            </p:spPr>
-            <p:style>
-              <a:lnRef idx="2">
-                <a:schemeClr val="accent1">
-                  <a:shade val="15000"/>
-                </a:schemeClr>
-              </a:lnRef>
-              <a:fillRef idx="1">
-                <a:schemeClr val="accent1"/>
-              </a:fillRef>
-              <a:effectRef idx="0">
-                <a:schemeClr val="accent1"/>
-              </a:effectRef>
-              <a:fontRef idx="minor">
-                <a:schemeClr val="lt1"/>
-              </a:fontRef>
-            </p:style>
-            <p:txBody>
-              <a:bodyPr rtlCol="0" anchor="ctr"/>
-              <a:lstStyle/>
-              <a:p>
-                <a:pPr algn="ctr"/>
-                <a:r>
-                  <a:rPr lang="en-US" sz="600" b="1" dirty="0">
-                    <a:ln w="0"/>
-                    <a:solidFill>
-                      <a:schemeClr val="tx1"/>
-                    </a:solidFill>
-                    <a:effectLst>
-                      <a:outerShdw blurRad="38100" dist="19050" dir="2700000" algn="tl" rotWithShape="0">
-                        <a:schemeClr val="dk1">
-                          <a:alpha val="40000"/>
-                        </a:schemeClr>
-                      </a:outerShdw>
-                    </a:effectLst>
-                    <a:cs typeface="Times New Roman" panose="02020603050405020304" pitchFamily="18" charset="0"/>
-                  </a:rPr>
-                  <a:t>Excavates</a:t>
-                </a:r>
-                <a:endParaRPr lang="en-US" sz="600" b="1" dirty="0">
-                  <a:cs typeface="Times New Roman" panose="02020603050405020304" pitchFamily="18" charset="0"/>
-                </a:endParaRPr>
-              </a:p>
-            </p:txBody>
-          </p:sp>
-          <p:sp>
-            <p:nvSpPr>
-              <p:cNvPr id="19" name="Oval 18">
-                <a:extLst>
-                  <a:ext uri="{FF2B5EF4-FFF2-40B4-BE49-F238E27FC236}">
-                    <a16:creationId xmlns:a16="http://schemas.microsoft.com/office/drawing/2014/main" id="{4BE3839C-5CB2-9369-A61F-7237BFC27056}"/>
-                  </a:ext>
-                </a:extLst>
-              </p:cNvPr>
-              <p:cNvSpPr/>
-              <p:nvPr/>
-            </p:nvSpPr>
-            <p:spPr>
-              <a:xfrm>
-                <a:off x="8372605" y="4839627"/>
-                <a:ext cx="1459056" cy="431181"/>
-              </a:xfrm>
-              <a:prstGeom prst="ellipse">
-                <a:avLst/>
-              </a:prstGeom>
-              <a:solidFill>
-                <a:srgbClr val="F7DC88"/>
-              </a:solidFill>
-            </p:spPr>
-            <p:style>
-              <a:lnRef idx="2">
-                <a:schemeClr val="accent1">
-                  <a:shade val="15000"/>
-                </a:schemeClr>
-              </a:lnRef>
-              <a:fillRef idx="1">
-                <a:schemeClr val="accent1"/>
-              </a:fillRef>
-              <a:effectRef idx="0">
-                <a:schemeClr val="accent1"/>
-              </a:effectRef>
-              <a:fontRef idx="minor">
-                <a:schemeClr val="lt1"/>
-              </a:fontRef>
-            </p:style>
-            <p:txBody>
-              <a:bodyPr rtlCol="0" anchor="ctr"/>
-              <a:lstStyle/>
-              <a:p>
-                <a:pPr algn="ctr"/>
-                <a:r>
-                  <a:rPr lang="en-US" sz="500" b="1" dirty="0" err="1">
-                    <a:ln w="0"/>
-                    <a:solidFill>
-                      <a:schemeClr val="tx1"/>
-                    </a:solidFill>
-                    <a:effectLst>
-                      <a:outerShdw blurRad="38100" dist="19050" dir="2700000" algn="tl" rotWithShape="0">
-                        <a:schemeClr val="dk1">
-                          <a:alpha val="40000"/>
-                        </a:schemeClr>
-                      </a:outerShdw>
-                    </a:effectLst>
-                    <a:cs typeface="Times New Roman" panose="02020603050405020304" pitchFamily="18" charset="0"/>
-                  </a:rPr>
-                  <a:t>Alveolata</a:t>
-                </a:r>
-                <a:endParaRPr lang="en-US" sz="500" b="1" dirty="0">
-                  <a:cs typeface="Times New Roman" panose="02020603050405020304" pitchFamily="18" charset="0"/>
-                </a:endParaRPr>
-              </a:p>
-            </p:txBody>
-          </p:sp>
-          <p:sp>
-            <p:nvSpPr>
-              <p:cNvPr id="20" name="Oval 19">
-                <a:extLst>
-                  <a:ext uri="{FF2B5EF4-FFF2-40B4-BE49-F238E27FC236}">
-                    <a16:creationId xmlns:a16="http://schemas.microsoft.com/office/drawing/2014/main" id="{836513AA-E349-9435-5873-61BBA6998E93}"/>
-                  </a:ext>
-                </a:extLst>
-              </p:cNvPr>
-              <p:cNvSpPr/>
-              <p:nvPr/>
-            </p:nvSpPr>
-            <p:spPr>
-              <a:xfrm>
-                <a:off x="5186160" y="2797186"/>
-                <a:ext cx="1390185" cy="431181"/>
-              </a:xfrm>
-              <a:prstGeom prst="ellipse">
-                <a:avLst/>
-              </a:prstGeom>
-              <a:solidFill>
-                <a:srgbClr val="B38889"/>
-              </a:solidFill>
-            </p:spPr>
-            <p:style>
-              <a:lnRef idx="2">
-                <a:schemeClr val="accent1">
-                  <a:shade val="15000"/>
-                </a:schemeClr>
-              </a:lnRef>
-              <a:fillRef idx="1">
-                <a:schemeClr val="accent1"/>
-              </a:fillRef>
-              <a:effectRef idx="0">
-                <a:schemeClr val="accent1"/>
-              </a:effectRef>
-              <a:fontRef idx="minor">
-                <a:schemeClr val="lt1"/>
-              </a:fontRef>
-            </p:style>
-            <p:txBody>
-              <a:bodyPr rtlCol="0" anchor="ctr"/>
-              <a:lstStyle/>
-              <a:p>
-                <a:pPr algn="ctr"/>
-                <a:r>
-                  <a:rPr lang="en-US" sz="500" b="1" dirty="0">
-                    <a:ln w="0"/>
-                    <a:solidFill>
-                      <a:schemeClr val="tx1"/>
-                    </a:solidFill>
-                    <a:effectLst>
-                      <a:outerShdw blurRad="38100" dist="19050" dir="2700000" algn="tl" rotWithShape="0">
-                        <a:schemeClr val="dk1">
-                          <a:alpha val="40000"/>
-                        </a:schemeClr>
-                      </a:outerShdw>
-                    </a:effectLst>
-                    <a:cs typeface="Times New Roman" panose="02020603050405020304" pitchFamily="18" charset="0"/>
-                  </a:rPr>
-                  <a:t>Rhodophyta</a:t>
-                </a:r>
-                <a:endParaRPr lang="en-US" sz="500" b="1" dirty="0">
-                  <a:cs typeface="Times New Roman" panose="02020603050405020304" pitchFamily="18" charset="0"/>
-                </a:endParaRPr>
-              </a:p>
-            </p:txBody>
-          </p:sp>
-          <p:sp>
-            <p:nvSpPr>
-              <p:cNvPr id="21" name="Oval 20">
-                <a:extLst>
-                  <a:ext uri="{FF2B5EF4-FFF2-40B4-BE49-F238E27FC236}">
-                    <a16:creationId xmlns:a16="http://schemas.microsoft.com/office/drawing/2014/main" id="{AEBC220C-AB99-DF58-ED6E-9C4F7D40DA51}"/>
-                  </a:ext>
-                </a:extLst>
-              </p:cNvPr>
-              <p:cNvSpPr/>
-              <p:nvPr/>
-            </p:nvSpPr>
-            <p:spPr>
-              <a:xfrm>
-                <a:off x="5186160" y="3406831"/>
-                <a:ext cx="1390185" cy="431181"/>
-              </a:xfrm>
-              <a:prstGeom prst="ellipse">
-                <a:avLst/>
-              </a:prstGeom>
-              <a:solidFill>
-                <a:srgbClr val="A8AA80"/>
-              </a:solidFill>
-            </p:spPr>
-            <p:style>
-              <a:lnRef idx="2">
-                <a:schemeClr val="accent1">
-                  <a:shade val="15000"/>
-                </a:schemeClr>
-              </a:lnRef>
-              <a:fillRef idx="1">
-                <a:schemeClr val="accent1"/>
-              </a:fillRef>
-              <a:effectRef idx="0">
-                <a:schemeClr val="accent1"/>
-              </a:effectRef>
-              <a:fontRef idx="minor">
-                <a:schemeClr val="lt1"/>
-              </a:fontRef>
-            </p:style>
-            <p:txBody>
-              <a:bodyPr rtlCol="0" anchor="ctr"/>
-              <a:lstStyle/>
-              <a:p>
-                <a:pPr algn="ctr"/>
-                <a:r>
-                  <a:rPr lang="en-US" sz="500" b="1" dirty="0">
-                    <a:ln w="0"/>
-                    <a:solidFill>
-                      <a:schemeClr val="tx1"/>
-                    </a:solidFill>
-                    <a:effectLst>
-                      <a:outerShdw blurRad="38100" dist="19050" dir="2700000" algn="tl" rotWithShape="0">
-                        <a:schemeClr val="dk1">
-                          <a:alpha val="40000"/>
-                        </a:schemeClr>
-                      </a:outerShdw>
-                    </a:effectLst>
-                    <a:cs typeface="Times New Roman" panose="02020603050405020304" pitchFamily="18" charset="0"/>
-                  </a:rPr>
-                  <a:t>Chlorophyta</a:t>
-                </a:r>
-                <a:endParaRPr lang="en-US" sz="500" b="1" dirty="0">
-                  <a:cs typeface="Times New Roman" panose="02020603050405020304" pitchFamily="18" charset="0"/>
-                </a:endParaRPr>
-              </a:p>
-            </p:txBody>
-          </p:sp>
-          <p:sp>
-            <p:nvSpPr>
-              <p:cNvPr id="22" name="Oval 21">
-                <a:extLst>
-                  <a:ext uri="{FF2B5EF4-FFF2-40B4-BE49-F238E27FC236}">
-                    <a16:creationId xmlns:a16="http://schemas.microsoft.com/office/drawing/2014/main" id="{34225CFE-BF57-A7E0-673D-45AF6BED78D4}"/>
-                  </a:ext>
-                </a:extLst>
-              </p:cNvPr>
-              <p:cNvSpPr/>
-              <p:nvPr/>
-            </p:nvSpPr>
-            <p:spPr>
-              <a:xfrm>
-                <a:off x="5186160" y="4016476"/>
-                <a:ext cx="1390185" cy="431181"/>
-              </a:xfrm>
-              <a:prstGeom prst="ellipse">
-                <a:avLst/>
-              </a:prstGeom>
-              <a:solidFill>
-                <a:srgbClr val="B3C28A"/>
-              </a:solidFill>
-            </p:spPr>
-            <p:style>
-              <a:lnRef idx="2">
-                <a:schemeClr val="accent1">
-                  <a:shade val="15000"/>
-                </a:schemeClr>
-              </a:lnRef>
-              <a:fillRef idx="1">
-                <a:schemeClr val="accent1"/>
-              </a:fillRef>
-              <a:effectRef idx="0">
-                <a:schemeClr val="accent1"/>
-              </a:effectRef>
-              <a:fontRef idx="minor">
-                <a:schemeClr val="lt1"/>
-              </a:fontRef>
-            </p:style>
-            <p:txBody>
-              <a:bodyPr rtlCol="0" anchor="ctr"/>
-              <a:lstStyle/>
-              <a:p>
-                <a:pPr algn="ctr"/>
-                <a:r>
-                  <a:rPr lang="en-US" sz="500" b="1" dirty="0" err="1">
-                    <a:ln w="0"/>
-                    <a:solidFill>
-                      <a:schemeClr val="tx1"/>
-                    </a:solidFill>
-                    <a:effectLst>
-                      <a:outerShdw blurRad="38100" dist="19050" dir="2700000" algn="tl" rotWithShape="0">
-                        <a:schemeClr val="dk1">
-                          <a:alpha val="40000"/>
-                        </a:schemeClr>
-                      </a:outerShdw>
-                    </a:effectLst>
-                    <a:cs typeface="Times New Roman" panose="02020603050405020304" pitchFamily="18" charset="0"/>
-                  </a:rPr>
-                  <a:t>Streptophyta</a:t>
-                </a:r>
-                <a:endParaRPr lang="en-US" sz="500" b="1" dirty="0">
-                  <a:cs typeface="Times New Roman" panose="02020603050405020304" pitchFamily="18" charset="0"/>
-                </a:endParaRPr>
-              </a:p>
-            </p:txBody>
-          </p:sp>
-          <p:cxnSp>
-            <p:nvCxnSpPr>
-              <p:cNvPr id="23" name="Connector: Elbow 22">
-                <a:extLst>
-                  <a:ext uri="{FF2B5EF4-FFF2-40B4-BE49-F238E27FC236}">
-                    <a16:creationId xmlns:a16="http://schemas.microsoft.com/office/drawing/2014/main" id="{B9C327E4-99F4-8A1A-56DF-ED81819F800E}"/>
-                  </a:ext>
-                </a:extLst>
-              </p:cNvPr>
-              <p:cNvCxnSpPr>
-                <a:cxnSpLocks/>
-                <a:stCxn id="16" idx="6"/>
-                <a:endCxn id="20" idx="2"/>
-              </p:cNvCxnSpPr>
-              <p:nvPr/>
-            </p:nvCxnSpPr>
-            <p:spPr>
-              <a:xfrm flipV="1">
-                <a:off x="4515691" y="3012777"/>
-                <a:ext cx="670469" cy="732855"/>
-              </a:xfrm>
-              <a:prstGeom prst="bentConnector3">
-                <a:avLst>
-                  <a:gd name="adj1" fmla="val 50000"/>
-                </a:avLst>
-              </a:prstGeom>
-            </p:spPr>
-            <p:style>
-              <a:lnRef idx="2">
-                <a:schemeClr val="dk1"/>
-              </a:lnRef>
-              <a:fillRef idx="0">
-                <a:schemeClr val="dk1"/>
-              </a:fillRef>
-              <a:effectRef idx="1">
-                <a:schemeClr val="dk1"/>
-              </a:effectRef>
-              <a:fontRef idx="minor">
-                <a:schemeClr val="tx1"/>
-              </a:fontRef>
-            </p:style>
-          </p:cxnSp>
-          <p:cxnSp>
-            <p:nvCxnSpPr>
-              <p:cNvPr id="24" name="Connector: Elbow 23">
-                <a:extLst>
-                  <a:ext uri="{FF2B5EF4-FFF2-40B4-BE49-F238E27FC236}">
-                    <a16:creationId xmlns:a16="http://schemas.microsoft.com/office/drawing/2014/main" id="{428663A0-AD24-4B05-3BF3-27F215D4450B}"/>
-                  </a:ext>
-                </a:extLst>
-              </p:cNvPr>
-              <p:cNvCxnSpPr>
-                <a:cxnSpLocks/>
-                <a:stCxn id="16" idx="6"/>
-              </p:cNvCxnSpPr>
-              <p:nvPr/>
-            </p:nvCxnSpPr>
-            <p:spPr>
-              <a:xfrm flipV="1">
-                <a:off x="4515691" y="3622423"/>
-                <a:ext cx="670470" cy="123209"/>
-              </a:xfrm>
-              <a:prstGeom prst="bentConnector3">
-                <a:avLst>
-                  <a:gd name="adj1" fmla="val 50000"/>
-                </a:avLst>
-              </a:prstGeom>
-            </p:spPr>
-            <p:style>
-              <a:lnRef idx="2">
-                <a:schemeClr val="dk1"/>
-              </a:lnRef>
-              <a:fillRef idx="0">
-                <a:schemeClr val="dk1"/>
-              </a:fillRef>
-              <a:effectRef idx="1">
-                <a:schemeClr val="dk1"/>
-              </a:effectRef>
-              <a:fontRef idx="minor">
-                <a:schemeClr val="tx1"/>
-              </a:fontRef>
-            </p:style>
-          </p:cxnSp>
-          <p:cxnSp>
-            <p:nvCxnSpPr>
-              <p:cNvPr id="25" name="Connector: Elbow 24">
-                <a:extLst>
-                  <a:ext uri="{FF2B5EF4-FFF2-40B4-BE49-F238E27FC236}">
-                    <a16:creationId xmlns:a16="http://schemas.microsoft.com/office/drawing/2014/main" id="{FA2DE75A-AC62-2145-2E38-56177F1F7515}"/>
-                  </a:ext>
-                </a:extLst>
-              </p:cNvPr>
-              <p:cNvCxnSpPr>
-                <a:cxnSpLocks/>
-                <a:stCxn id="16" idx="6"/>
-              </p:cNvCxnSpPr>
-              <p:nvPr/>
-            </p:nvCxnSpPr>
-            <p:spPr>
-              <a:xfrm>
-                <a:off x="4515691" y="3745632"/>
-                <a:ext cx="670470" cy="486435"/>
-              </a:xfrm>
-              <a:prstGeom prst="bentConnector3">
-                <a:avLst/>
-              </a:prstGeom>
-            </p:spPr>
-            <p:style>
-              <a:lnRef idx="2">
-                <a:schemeClr val="dk1"/>
-              </a:lnRef>
-              <a:fillRef idx="0">
-                <a:schemeClr val="dk1"/>
-              </a:fillRef>
-              <a:effectRef idx="1">
-                <a:schemeClr val="dk1"/>
-              </a:effectRef>
-              <a:fontRef idx="minor">
-                <a:schemeClr val="tx1"/>
-              </a:fontRef>
-            </p:style>
-          </p:cxnSp>
-          <p:sp>
-            <p:nvSpPr>
-              <p:cNvPr id="26" name="Oval 25">
-                <a:extLst>
-                  <a:ext uri="{FF2B5EF4-FFF2-40B4-BE49-F238E27FC236}">
-                    <a16:creationId xmlns:a16="http://schemas.microsoft.com/office/drawing/2014/main" id="{82F32569-8C3C-1AF9-B6B1-787FCBD747B4}"/>
-                  </a:ext>
-                </a:extLst>
-              </p:cNvPr>
-              <p:cNvSpPr/>
-              <p:nvPr/>
-            </p:nvSpPr>
-            <p:spPr>
-              <a:xfrm>
-                <a:off x="8372605" y="5425066"/>
-                <a:ext cx="1459056" cy="431181"/>
-              </a:xfrm>
-              <a:prstGeom prst="ellipse">
-                <a:avLst/>
-              </a:prstGeom>
-              <a:solidFill>
-                <a:srgbClr val="9780A3"/>
-              </a:solidFill>
-            </p:spPr>
-            <p:style>
-              <a:lnRef idx="2">
-                <a:schemeClr val="accent1">
-                  <a:shade val="15000"/>
-                </a:schemeClr>
-              </a:lnRef>
-              <a:fillRef idx="1">
-                <a:schemeClr val="accent1"/>
-              </a:fillRef>
-              <a:effectRef idx="0">
-                <a:schemeClr val="accent1"/>
-              </a:effectRef>
-              <a:fontRef idx="minor">
-                <a:schemeClr val="lt1"/>
-              </a:fontRef>
-            </p:style>
-            <p:txBody>
-              <a:bodyPr rtlCol="0" anchor="ctr"/>
-              <a:lstStyle/>
-              <a:p>
-                <a:pPr algn="ctr"/>
-                <a:r>
-                  <a:rPr lang="en-US" sz="500" b="1" dirty="0" err="1">
-                    <a:ln w="0"/>
-                    <a:solidFill>
-                      <a:schemeClr val="tx1"/>
-                    </a:solidFill>
-                    <a:effectLst>
-                      <a:outerShdw blurRad="38100" dist="19050" dir="2700000" algn="tl" rotWithShape="0">
-                        <a:schemeClr val="dk1">
-                          <a:alpha val="40000"/>
-                        </a:schemeClr>
-                      </a:outerShdw>
-                    </a:effectLst>
-                    <a:cs typeface="Times New Roman" panose="02020603050405020304" pitchFamily="18" charset="0"/>
-                  </a:rPr>
-                  <a:t>Rhizaria</a:t>
-                </a:r>
-                <a:endParaRPr lang="en-US" sz="500" b="1" dirty="0">
-                  <a:cs typeface="Times New Roman" panose="02020603050405020304" pitchFamily="18" charset="0"/>
-                </a:endParaRPr>
-              </a:p>
-            </p:txBody>
-          </p:sp>
-          <p:sp>
-            <p:nvSpPr>
-              <p:cNvPr id="27" name="Oval 26">
-                <a:extLst>
-                  <a:ext uri="{FF2B5EF4-FFF2-40B4-BE49-F238E27FC236}">
-                    <a16:creationId xmlns:a16="http://schemas.microsoft.com/office/drawing/2014/main" id="{161BD629-588E-6AA5-D7EC-B76FC8A12DA6}"/>
-                  </a:ext>
-                </a:extLst>
-              </p:cNvPr>
-              <p:cNvSpPr/>
-              <p:nvPr/>
-            </p:nvSpPr>
-            <p:spPr>
-              <a:xfrm>
-                <a:off x="8345107" y="4253688"/>
-                <a:ext cx="1500302" cy="431180"/>
-              </a:xfrm>
-              <a:prstGeom prst="ellipse">
-                <a:avLst/>
-              </a:prstGeom>
-              <a:solidFill>
-                <a:srgbClr val="AB9080"/>
-              </a:solidFill>
-            </p:spPr>
-            <p:style>
-              <a:lnRef idx="2">
-                <a:schemeClr val="accent1">
-                  <a:shade val="15000"/>
-                </a:schemeClr>
-              </a:lnRef>
-              <a:fillRef idx="1">
-                <a:schemeClr val="accent1"/>
-              </a:fillRef>
-              <a:effectRef idx="0">
-                <a:schemeClr val="accent1"/>
-              </a:effectRef>
-              <a:fontRef idx="minor">
-                <a:schemeClr val="lt1"/>
-              </a:fontRef>
-            </p:style>
-            <p:txBody>
-              <a:bodyPr rtlCol="0" anchor="ctr"/>
-              <a:lstStyle/>
-              <a:p>
-                <a:pPr algn="ctr"/>
-                <a:r>
-                  <a:rPr lang="en-US" sz="500" b="1" dirty="0" err="1">
-                    <a:ln w="0"/>
-                    <a:solidFill>
-                      <a:schemeClr val="tx1"/>
-                    </a:solidFill>
-                    <a:effectLst>
-                      <a:outerShdw blurRad="38100" dist="19050" dir="2700000" algn="tl" rotWithShape="0">
-                        <a:schemeClr val="dk1">
-                          <a:alpha val="40000"/>
-                        </a:schemeClr>
-                      </a:outerShdw>
-                    </a:effectLst>
-                    <a:cs typeface="Times New Roman" panose="02020603050405020304" pitchFamily="18" charset="0"/>
-                  </a:rPr>
-                  <a:t>Stramenopiles</a:t>
-                </a:r>
-                <a:endParaRPr lang="en-US" sz="500" b="1" dirty="0">
-                  <a:cs typeface="Times New Roman" panose="02020603050405020304" pitchFamily="18" charset="0"/>
-                </a:endParaRPr>
-              </a:p>
-            </p:txBody>
-          </p:sp>
-          <p:sp>
-            <p:nvSpPr>
-              <p:cNvPr id="28" name="Oval 27">
-                <a:extLst>
-                  <a:ext uri="{FF2B5EF4-FFF2-40B4-BE49-F238E27FC236}">
-                    <a16:creationId xmlns:a16="http://schemas.microsoft.com/office/drawing/2014/main" id="{7AE994FF-D39E-BECF-E939-563D98347CCE}"/>
-                  </a:ext>
-                </a:extLst>
-              </p:cNvPr>
-              <p:cNvSpPr/>
-              <p:nvPr/>
-            </p:nvSpPr>
-            <p:spPr>
-              <a:xfrm>
-                <a:off x="5186160" y="6426819"/>
-                <a:ext cx="1390185" cy="431181"/>
-              </a:xfrm>
-              <a:prstGeom prst="ellipse">
-                <a:avLst/>
-              </a:prstGeom>
-              <a:solidFill>
-                <a:srgbClr val="8B82BE"/>
-              </a:solidFill>
-            </p:spPr>
-            <p:style>
-              <a:lnRef idx="2">
-                <a:schemeClr val="accent1">
-                  <a:shade val="15000"/>
-                </a:schemeClr>
-              </a:lnRef>
-              <a:fillRef idx="1">
-                <a:schemeClr val="accent1"/>
-              </a:fillRef>
-              <a:effectRef idx="0">
-                <a:schemeClr val="accent1"/>
-              </a:effectRef>
-              <a:fontRef idx="minor">
-                <a:schemeClr val="lt1"/>
-              </a:fontRef>
-            </p:style>
-            <p:txBody>
-              <a:bodyPr rtlCol="0" anchor="ctr"/>
-              <a:lstStyle/>
-              <a:p>
-                <a:pPr algn="ctr"/>
-                <a:r>
-                  <a:rPr lang="en-US" sz="500" b="1" dirty="0" err="1">
-                    <a:ln w="0"/>
-                    <a:solidFill>
-                      <a:schemeClr val="tx1"/>
-                    </a:solidFill>
-                    <a:effectLst>
-                      <a:outerShdw blurRad="38100" dist="19050" dir="2700000" algn="tl" rotWithShape="0">
-                        <a:schemeClr val="dk1">
-                          <a:alpha val="40000"/>
-                        </a:schemeClr>
-                      </a:outerShdw>
-                    </a:effectLst>
-                    <a:cs typeface="Times New Roman" panose="02020603050405020304" pitchFamily="18" charset="0"/>
-                  </a:rPr>
-                  <a:t>Metamonada</a:t>
-                </a:r>
-                <a:endParaRPr lang="en-US" sz="500" b="1" dirty="0">
-                  <a:cs typeface="Times New Roman" panose="02020603050405020304" pitchFamily="18" charset="0"/>
-                </a:endParaRPr>
-              </a:p>
-            </p:txBody>
-          </p:sp>
-          <p:sp>
-            <p:nvSpPr>
-              <p:cNvPr id="29" name="Oval 28">
-                <a:extLst>
-                  <a:ext uri="{FF2B5EF4-FFF2-40B4-BE49-F238E27FC236}">
-                    <a16:creationId xmlns:a16="http://schemas.microsoft.com/office/drawing/2014/main" id="{48EF37E3-BB8D-CA19-681B-09133F090E5F}"/>
-                  </a:ext>
-                </a:extLst>
-              </p:cNvPr>
-              <p:cNvSpPr/>
-              <p:nvPr/>
-            </p:nvSpPr>
-            <p:spPr>
-              <a:xfrm>
-                <a:off x="5186160" y="5811054"/>
-                <a:ext cx="1390185" cy="431181"/>
-              </a:xfrm>
-              <a:prstGeom prst="ellipse">
-                <a:avLst/>
-              </a:prstGeom>
-              <a:solidFill>
-                <a:srgbClr val="C9C0F1"/>
-              </a:solidFill>
-            </p:spPr>
-            <p:style>
-              <a:lnRef idx="2">
-                <a:schemeClr val="accent1">
-                  <a:shade val="15000"/>
-                </a:schemeClr>
-              </a:lnRef>
-              <a:fillRef idx="1">
-                <a:schemeClr val="accent1"/>
-              </a:fillRef>
-              <a:effectRef idx="0">
-                <a:schemeClr val="accent1"/>
-              </a:effectRef>
-              <a:fontRef idx="minor">
-                <a:schemeClr val="lt1"/>
-              </a:fontRef>
-            </p:style>
-            <p:txBody>
-              <a:bodyPr rtlCol="0" anchor="ctr"/>
-              <a:lstStyle/>
-              <a:p>
-                <a:pPr algn="ctr"/>
-                <a:r>
-                  <a:rPr lang="en-US" sz="500" b="1" dirty="0" err="1">
-                    <a:ln w="0"/>
-                    <a:solidFill>
-                      <a:schemeClr val="tx1"/>
-                    </a:solidFill>
-                    <a:effectLst>
-                      <a:outerShdw blurRad="38100" dist="19050" dir="2700000" algn="tl" rotWithShape="0">
-                        <a:schemeClr val="dk1">
-                          <a:alpha val="40000"/>
-                        </a:schemeClr>
-                      </a:outerShdw>
-                    </a:effectLst>
-                    <a:cs typeface="Times New Roman" panose="02020603050405020304" pitchFamily="18" charset="0"/>
-                  </a:rPr>
-                  <a:t>Discoba</a:t>
-                </a:r>
-                <a:endParaRPr lang="en-US" sz="500" b="1" dirty="0">
-                  <a:cs typeface="Times New Roman" panose="02020603050405020304" pitchFamily="18" charset="0"/>
-                </a:endParaRPr>
-              </a:p>
-            </p:txBody>
-          </p:sp>
-          <p:cxnSp>
-            <p:nvCxnSpPr>
-              <p:cNvPr id="30" name="Connector: Elbow 29">
-                <a:extLst>
-                  <a:ext uri="{FF2B5EF4-FFF2-40B4-BE49-F238E27FC236}">
-                    <a16:creationId xmlns:a16="http://schemas.microsoft.com/office/drawing/2014/main" id="{D5579CB8-690F-FEB0-DBA2-E611359C00AD}"/>
-                  </a:ext>
-                </a:extLst>
-              </p:cNvPr>
-              <p:cNvCxnSpPr>
-                <a:cxnSpLocks/>
-                <a:stCxn id="15" idx="6"/>
-                <a:endCxn id="16" idx="2"/>
-              </p:cNvCxnSpPr>
-              <p:nvPr/>
-            </p:nvCxnSpPr>
-            <p:spPr>
-              <a:xfrm flipV="1">
-                <a:off x="1486955" y="3745632"/>
-                <a:ext cx="1174611" cy="1325724"/>
-              </a:xfrm>
-              <a:prstGeom prst="bentConnector3">
-                <a:avLst/>
-              </a:prstGeom>
-            </p:spPr>
-            <p:style>
-              <a:lnRef idx="2">
-                <a:schemeClr val="dk1"/>
-              </a:lnRef>
-              <a:fillRef idx="0">
-                <a:schemeClr val="dk1"/>
-              </a:fillRef>
-              <a:effectRef idx="1">
-                <a:schemeClr val="dk1"/>
-              </a:effectRef>
-              <a:fontRef idx="minor">
-                <a:schemeClr val="tx1"/>
-              </a:fontRef>
-            </p:style>
-          </p:cxnSp>
-          <p:cxnSp>
-            <p:nvCxnSpPr>
-              <p:cNvPr id="31" name="Connector: Elbow 30">
-                <a:extLst>
-                  <a:ext uri="{FF2B5EF4-FFF2-40B4-BE49-F238E27FC236}">
-                    <a16:creationId xmlns:a16="http://schemas.microsoft.com/office/drawing/2014/main" id="{B27F79C3-C38E-576F-C4C3-87E526B8CFAC}"/>
-                  </a:ext>
-                </a:extLst>
-              </p:cNvPr>
-              <p:cNvCxnSpPr>
-                <a:cxnSpLocks/>
-                <a:stCxn id="15" idx="6"/>
-                <a:endCxn id="18" idx="2"/>
-              </p:cNvCxnSpPr>
-              <p:nvPr/>
-            </p:nvCxnSpPr>
-            <p:spPr>
-              <a:xfrm>
-                <a:off x="1486955" y="5071356"/>
-                <a:ext cx="1174613" cy="1325727"/>
-              </a:xfrm>
-              <a:prstGeom prst="bentConnector3">
-                <a:avLst>
-                  <a:gd name="adj1" fmla="val 50000"/>
-                </a:avLst>
-              </a:prstGeom>
-            </p:spPr>
-            <p:style>
-              <a:lnRef idx="2">
-                <a:schemeClr val="dk1"/>
-              </a:lnRef>
-              <a:fillRef idx="0">
-                <a:schemeClr val="dk1"/>
-              </a:fillRef>
-              <a:effectRef idx="1">
-                <a:schemeClr val="dk1"/>
-              </a:effectRef>
-              <a:fontRef idx="minor">
-                <a:schemeClr val="tx1"/>
-              </a:fontRef>
-            </p:style>
-          </p:cxnSp>
-          <p:cxnSp>
-            <p:nvCxnSpPr>
-              <p:cNvPr id="32" name="Connector: Elbow 31">
-                <a:extLst>
-                  <a:ext uri="{FF2B5EF4-FFF2-40B4-BE49-F238E27FC236}">
-                    <a16:creationId xmlns:a16="http://schemas.microsoft.com/office/drawing/2014/main" id="{FD8A198F-BDE1-71CE-B883-88B5FF59BE35}"/>
-                  </a:ext>
-                </a:extLst>
-              </p:cNvPr>
-              <p:cNvCxnSpPr>
-                <a:cxnSpLocks/>
-                <a:stCxn id="15" idx="6"/>
-                <a:endCxn id="17" idx="2"/>
-              </p:cNvCxnSpPr>
-              <p:nvPr/>
-            </p:nvCxnSpPr>
-            <p:spPr>
-              <a:xfrm>
-                <a:off x="1486955" y="5071356"/>
-                <a:ext cx="1174613" cy="2"/>
-              </a:xfrm>
-              <a:prstGeom prst="bentConnector3">
-                <a:avLst/>
-              </a:prstGeom>
-            </p:spPr>
-            <p:style>
-              <a:lnRef idx="2">
-                <a:schemeClr val="dk1"/>
-              </a:lnRef>
-              <a:fillRef idx="0">
-                <a:schemeClr val="dk1"/>
-              </a:fillRef>
-              <a:effectRef idx="1">
-                <a:schemeClr val="dk1"/>
-              </a:effectRef>
-              <a:fontRef idx="minor">
-                <a:schemeClr val="tx1"/>
-              </a:fontRef>
-            </p:style>
-          </p:cxnSp>
-          <p:cxnSp>
-            <p:nvCxnSpPr>
-              <p:cNvPr id="33" name="Connector: Elbow 32">
-                <a:extLst>
-                  <a:ext uri="{FF2B5EF4-FFF2-40B4-BE49-F238E27FC236}">
-                    <a16:creationId xmlns:a16="http://schemas.microsoft.com/office/drawing/2014/main" id="{4253D5F3-EF80-8A69-4826-06876DEC0DA6}"/>
-                  </a:ext>
-                </a:extLst>
-              </p:cNvPr>
-              <p:cNvCxnSpPr>
-                <a:cxnSpLocks/>
-                <a:stCxn id="18" idx="6"/>
-              </p:cNvCxnSpPr>
-              <p:nvPr/>
-            </p:nvCxnSpPr>
-            <p:spPr>
-              <a:xfrm flipV="1">
-                <a:off x="4515693" y="6026644"/>
-                <a:ext cx="670469" cy="370439"/>
-              </a:xfrm>
-              <a:prstGeom prst="bentConnector3">
-                <a:avLst/>
-              </a:prstGeom>
-            </p:spPr>
-            <p:style>
-              <a:lnRef idx="2">
-                <a:schemeClr val="dk1"/>
-              </a:lnRef>
-              <a:fillRef idx="0">
-                <a:schemeClr val="dk1"/>
-              </a:fillRef>
-              <a:effectRef idx="1">
-                <a:schemeClr val="dk1"/>
-              </a:effectRef>
-              <a:fontRef idx="minor">
-                <a:schemeClr val="tx1"/>
-              </a:fontRef>
-            </p:style>
-          </p:cxnSp>
-          <p:cxnSp>
-            <p:nvCxnSpPr>
-              <p:cNvPr id="34" name="Connector: Elbow 33">
-                <a:extLst>
-                  <a:ext uri="{FF2B5EF4-FFF2-40B4-BE49-F238E27FC236}">
-                    <a16:creationId xmlns:a16="http://schemas.microsoft.com/office/drawing/2014/main" id="{60E0DA9F-DF56-382E-BD65-086518E7BAC2}"/>
-                  </a:ext>
-                </a:extLst>
-              </p:cNvPr>
-              <p:cNvCxnSpPr>
-                <a:cxnSpLocks/>
-                <a:stCxn id="18" idx="6"/>
-              </p:cNvCxnSpPr>
-              <p:nvPr/>
-            </p:nvCxnSpPr>
-            <p:spPr>
-              <a:xfrm>
-                <a:off x="4515693" y="6397083"/>
-                <a:ext cx="670469" cy="245327"/>
-              </a:xfrm>
-              <a:prstGeom prst="bentConnector3">
-                <a:avLst/>
-              </a:prstGeom>
-            </p:spPr>
-            <p:style>
-              <a:lnRef idx="2">
-                <a:schemeClr val="dk1"/>
-              </a:lnRef>
-              <a:fillRef idx="0">
-                <a:schemeClr val="dk1"/>
-              </a:fillRef>
-              <a:effectRef idx="1">
-                <a:schemeClr val="dk1"/>
-              </a:effectRef>
-              <a:fontRef idx="minor">
-                <a:schemeClr val="tx1"/>
-              </a:fontRef>
-            </p:style>
-          </p:cxnSp>
-          <p:cxnSp>
-            <p:nvCxnSpPr>
-              <p:cNvPr id="35" name="Straight Connector 34">
-                <a:extLst>
-                  <a:ext uri="{FF2B5EF4-FFF2-40B4-BE49-F238E27FC236}">
-                    <a16:creationId xmlns:a16="http://schemas.microsoft.com/office/drawing/2014/main" id="{61875880-AE99-60E6-B8B0-ACADA40CC2F6}"/>
-                  </a:ext>
-                </a:extLst>
-              </p:cNvPr>
-              <p:cNvCxnSpPr>
-                <a:cxnSpLocks/>
-                <a:stCxn id="17" idx="6"/>
-                <a:endCxn id="19" idx="2"/>
-              </p:cNvCxnSpPr>
-              <p:nvPr/>
-            </p:nvCxnSpPr>
-            <p:spPr>
-              <a:xfrm flipV="1">
-                <a:off x="4515693" y="5055218"/>
-                <a:ext cx="3856912" cy="16140"/>
-              </a:xfrm>
-              <a:prstGeom prst="line">
-                <a:avLst/>
-              </a:prstGeom>
-            </p:spPr>
-            <p:style>
-              <a:lnRef idx="2">
-                <a:schemeClr val="dk1"/>
-              </a:lnRef>
-              <a:fillRef idx="0">
-                <a:schemeClr val="dk1"/>
-              </a:fillRef>
-              <a:effectRef idx="1">
-                <a:schemeClr val="dk1"/>
-              </a:effectRef>
-              <a:fontRef idx="minor">
-                <a:schemeClr val="tx1"/>
-              </a:fontRef>
-            </p:style>
-          </p:cxnSp>
-          <p:cxnSp>
-            <p:nvCxnSpPr>
-              <p:cNvPr id="36" name="Connector: Elbow 35">
-                <a:extLst>
-                  <a:ext uri="{FF2B5EF4-FFF2-40B4-BE49-F238E27FC236}">
-                    <a16:creationId xmlns:a16="http://schemas.microsoft.com/office/drawing/2014/main" id="{805B4670-8669-954C-77EE-F0E9F1ADB3FB}"/>
-                  </a:ext>
-                </a:extLst>
-              </p:cNvPr>
-              <p:cNvCxnSpPr>
-                <a:cxnSpLocks/>
-                <a:stCxn id="17" idx="6"/>
-                <a:endCxn id="27" idx="2"/>
-              </p:cNvCxnSpPr>
-              <p:nvPr/>
-            </p:nvCxnSpPr>
-            <p:spPr>
-              <a:xfrm flipV="1">
-                <a:off x="4515693" y="4469279"/>
-                <a:ext cx="3829414" cy="602079"/>
-              </a:xfrm>
-              <a:prstGeom prst="bentConnector3">
-                <a:avLst>
-                  <a:gd name="adj1" fmla="val 50000"/>
-                </a:avLst>
-              </a:prstGeom>
-            </p:spPr>
-            <p:style>
-              <a:lnRef idx="2">
-                <a:schemeClr val="dk1"/>
-              </a:lnRef>
-              <a:fillRef idx="0">
-                <a:schemeClr val="dk1"/>
-              </a:fillRef>
-              <a:effectRef idx="1">
-                <a:schemeClr val="dk1"/>
-              </a:effectRef>
-              <a:fontRef idx="minor">
-                <a:schemeClr val="tx1"/>
-              </a:fontRef>
-            </p:style>
-          </p:cxnSp>
-          <p:cxnSp>
-            <p:nvCxnSpPr>
-              <p:cNvPr id="37" name="Connector: Elbow 36">
-                <a:extLst>
-                  <a:ext uri="{FF2B5EF4-FFF2-40B4-BE49-F238E27FC236}">
-                    <a16:creationId xmlns:a16="http://schemas.microsoft.com/office/drawing/2014/main" id="{D4D5FC4F-4380-DDB7-5F92-36107409BD1F}"/>
-                  </a:ext>
-                </a:extLst>
-              </p:cNvPr>
-              <p:cNvCxnSpPr>
-                <a:cxnSpLocks/>
-                <a:stCxn id="17" idx="6"/>
-                <a:endCxn id="26" idx="2"/>
-              </p:cNvCxnSpPr>
-              <p:nvPr/>
-            </p:nvCxnSpPr>
-            <p:spPr>
-              <a:xfrm>
-                <a:off x="4515693" y="5071358"/>
-                <a:ext cx="3856912" cy="569299"/>
-              </a:xfrm>
-              <a:prstGeom prst="bentConnector3">
-                <a:avLst>
-                  <a:gd name="adj1" fmla="val 50000"/>
-                </a:avLst>
-              </a:prstGeom>
-            </p:spPr>
-            <p:style>
-              <a:lnRef idx="2">
-                <a:schemeClr val="dk1"/>
-              </a:lnRef>
-              <a:fillRef idx="0">
-                <a:schemeClr val="dk1"/>
-              </a:fillRef>
-              <a:effectRef idx="1">
-                <a:schemeClr val="dk1"/>
-              </a:effectRef>
-              <a:fontRef idx="minor">
-                <a:schemeClr val="tx1"/>
-              </a:fontRef>
-            </p:style>
-          </p:cxnSp>
-          <p:sp>
-            <p:nvSpPr>
-              <p:cNvPr id="38" name="TextBox 37">
-                <a:extLst>
-                  <a:ext uri="{FF2B5EF4-FFF2-40B4-BE49-F238E27FC236}">
-                    <a16:creationId xmlns:a16="http://schemas.microsoft.com/office/drawing/2014/main" id="{973669C4-B9E5-07FB-A505-02A23F032EDB}"/>
-                  </a:ext>
-                </a:extLst>
-              </p:cNvPr>
-              <p:cNvSpPr txBox="1"/>
-              <p:nvPr/>
-            </p:nvSpPr>
-            <p:spPr>
-              <a:xfrm>
-                <a:off x="10306600" y="3744091"/>
-                <a:ext cx="1486554" cy="345050"/>
-              </a:xfrm>
-              <a:prstGeom prst="plaque">
-                <a:avLst/>
-              </a:prstGeom>
-              <a:solidFill>
-                <a:srgbClr val="586D3D"/>
-              </a:solidFill>
-              <a:ln>
+            <a:prstGeom prst="ellipse">
+              <a:avLst/>
+            </a:prstGeom>
+            <a:solidFill>
+              <a:schemeClr val="accent1">
+                <a:lumMod val="20000"/>
+                <a:lumOff val="80000"/>
+              </a:schemeClr>
+            </a:solidFill>
+          </p:spPr>
+          <p:style>
+            <a:lnRef idx="2">
+              <a:schemeClr val="accent1">
+                <a:shade val="15000"/>
+              </a:schemeClr>
+            </a:lnRef>
+            <a:fillRef idx="1">
+              <a:schemeClr val="accent1"/>
+            </a:fillRef>
+            <a:effectRef idx="0">
+              <a:schemeClr val="accent1"/>
+            </a:effectRef>
+            <a:fontRef idx="minor">
+              <a:schemeClr val="lt1"/>
+            </a:fontRef>
+          </p:style>
+          <p:txBody>
+            <a:bodyPr rtlCol="0" anchor="ctr"/>
+            <a:lstStyle/>
+            <a:p>
+              <a:pPr algn="ctr"/>
+              <a:endParaRPr lang="en-US" sz="500" b="1" i="1" dirty="0">
+                <a:cs typeface="Times New Roman" panose="02020603050405020304" pitchFamily="18" charset="0"/>
+              </a:endParaRPr>
+            </a:p>
+          </p:txBody>
+        </p:sp>
+        <p:sp>
+          <p:nvSpPr>
+            <p:cNvPr id="16" name="Oval 15">
+              <a:extLst>
+                <a:ext uri="{FF2B5EF4-FFF2-40B4-BE49-F238E27FC236}">
+                  <a16:creationId xmlns:a16="http://schemas.microsoft.com/office/drawing/2014/main" id="{B383B572-47F6-3577-8328-94A3DEF014DA}"/>
+                </a:ext>
+              </a:extLst>
+            </p:cNvPr>
+            <p:cNvSpPr/>
+            <p:nvPr/>
+          </p:nvSpPr>
+          <p:spPr>
+            <a:xfrm>
+              <a:off x="2661566" y="3284714"/>
+              <a:ext cx="1854125" cy="921835"/>
+            </a:xfrm>
+            <a:prstGeom prst="ellipse">
+              <a:avLst/>
+            </a:prstGeom>
+            <a:solidFill>
+              <a:srgbClr val="29B95C"/>
+            </a:solidFill>
+          </p:spPr>
+          <p:style>
+            <a:lnRef idx="2">
+              <a:schemeClr val="accent1">
+                <a:shade val="15000"/>
+              </a:schemeClr>
+            </a:lnRef>
+            <a:fillRef idx="1">
+              <a:schemeClr val="accent1"/>
+            </a:fillRef>
+            <a:effectRef idx="0">
+              <a:schemeClr val="accent1"/>
+            </a:effectRef>
+            <a:fontRef idx="minor">
+              <a:schemeClr val="lt1"/>
+            </a:fontRef>
+          </p:style>
+          <p:txBody>
+            <a:bodyPr rtlCol="0" anchor="ctr"/>
+            <a:lstStyle/>
+            <a:p>
+              <a:pPr algn="ctr"/>
+              <a:endParaRPr lang="en-US" sz="800" b="1" dirty="0">
+                <a:ln w="0"/>
                 <a:solidFill>
                   <a:schemeClr val="tx1"/>
                 </a:solidFill>
-              </a:ln>
-            </p:spPr>
-            <p:txBody>
-              <a:bodyPr wrap="square" rtlCol="0">
-                <a:spAutoFit/>
-              </a:bodyPr>
-              <a:lstStyle/>
-              <a:p>
-                <a:pPr algn="ctr"/>
-                <a:r>
-                  <a:rPr lang="en-US" sz="500" b="1" dirty="0">
-                    <a:cs typeface="Times New Roman" panose="02020603050405020304" pitchFamily="18" charset="0"/>
-                  </a:rPr>
-                  <a:t>TORC1</a:t>
-                </a:r>
-              </a:p>
-            </p:txBody>
-          </p:sp>
-          <p:sp>
-            <p:nvSpPr>
-              <p:cNvPr id="39" name="TextBox 38">
-                <a:extLst>
-                  <a:ext uri="{FF2B5EF4-FFF2-40B4-BE49-F238E27FC236}">
-                    <a16:creationId xmlns:a16="http://schemas.microsoft.com/office/drawing/2014/main" id="{FCE48FEB-EF6B-C23A-2CFF-46820CA22BF2}"/>
-                  </a:ext>
-                </a:extLst>
-              </p:cNvPr>
-              <p:cNvSpPr txBox="1"/>
-              <p:nvPr/>
-            </p:nvSpPr>
-            <p:spPr>
-              <a:xfrm>
-                <a:off x="10306600" y="4056057"/>
-                <a:ext cx="1486554" cy="345050"/>
-              </a:xfrm>
-              <a:prstGeom prst="plaque">
-                <a:avLst/>
-              </a:prstGeom>
-              <a:solidFill>
-                <a:srgbClr val="DACC3E"/>
-              </a:solidFill>
-              <a:ln>
-                <a:solidFill>
-                  <a:schemeClr val="tx1"/>
-                </a:solidFill>
-              </a:ln>
-            </p:spPr>
-            <p:txBody>
-              <a:bodyPr wrap="square" rtlCol="0">
-                <a:spAutoFit/>
-              </a:bodyPr>
-              <a:lstStyle/>
-              <a:p>
-                <a:pPr algn="ctr"/>
-                <a:r>
-                  <a:rPr lang="en-US" sz="500" b="1" dirty="0">
-                    <a:cs typeface="Times New Roman" panose="02020603050405020304" pitchFamily="18" charset="0"/>
-                  </a:rPr>
-                  <a:t>TORC1 &amp; TORC2</a:t>
-                </a:r>
-              </a:p>
-            </p:txBody>
-          </p:sp>
-          <p:sp>
-            <p:nvSpPr>
-              <p:cNvPr id="40" name="TextBox 39">
-                <a:extLst>
-                  <a:ext uri="{FF2B5EF4-FFF2-40B4-BE49-F238E27FC236}">
-                    <a16:creationId xmlns:a16="http://schemas.microsoft.com/office/drawing/2014/main" id="{87468DCB-4CE1-DA18-935B-06405138ED31}"/>
-                  </a:ext>
-                </a:extLst>
-              </p:cNvPr>
-              <p:cNvSpPr txBox="1"/>
-              <p:nvPr/>
-            </p:nvSpPr>
-            <p:spPr>
-              <a:xfrm>
-                <a:off x="10306600" y="5687314"/>
-                <a:ext cx="1486554" cy="345050"/>
-              </a:xfrm>
-              <a:prstGeom prst="plaque">
-                <a:avLst/>
-              </a:prstGeom>
-              <a:solidFill>
-                <a:srgbClr val="DACC3E"/>
-              </a:solidFill>
-              <a:ln>
-                <a:solidFill>
-                  <a:schemeClr val="tx1"/>
-                </a:solidFill>
-              </a:ln>
-            </p:spPr>
-            <p:txBody>
-              <a:bodyPr wrap="square" rtlCol="0">
-                <a:spAutoFit/>
-              </a:bodyPr>
-              <a:lstStyle/>
-              <a:p>
-                <a:pPr algn="ctr"/>
-                <a:r>
-                  <a:rPr lang="en-US" sz="500" b="1" dirty="0">
-                    <a:cs typeface="Times New Roman" panose="02020603050405020304" pitchFamily="18" charset="0"/>
-                  </a:rPr>
-                  <a:t>TORC1 &amp; TORC2</a:t>
-                </a:r>
-              </a:p>
-            </p:txBody>
-          </p:sp>
-          <p:sp>
-            <p:nvSpPr>
-              <p:cNvPr id="41" name="TextBox 40">
-                <a:extLst>
-                  <a:ext uri="{FF2B5EF4-FFF2-40B4-BE49-F238E27FC236}">
-                    <a16:creationId xmlns:a16="http://schemas.microsoft.com/office/drawing/2014/main" id="{EB7B5116-123B-021D-7FC0-00950BFF8AB4}"/>
-                  </a:ext>
-                </a:extLst>
-              </p:cNvPr>
-              <p:cNvSpPr txBox="1"/>
-              <p:nvPr/>
-            </p:nvSpPr>
-            <p:spPr>
-              <a:xfrm>
-                <a:off x="10334098" y="4510987"/>
-                <a:ext cx="1486554" cy="345050"/>
-              </a:xfrm>
-              <a:prstGeom prst="plaque">
-                <a:avLst/>
-              </a:prstGeom>
-              <a:solidFill>
-                <a:srgbClr val="586D3D"/>
-              </a:solidFill>
-              <a:ln>
-                <a:solidFill>
-                  <a:schemeClr val="tx1"/>
-                </a:solidFill>
-              </a:ln>
-            </p:spPr>
-            <p:txBody>
-              <a:bodyPr wrap="square" rtlCol="0">
-                <a:spAutoFit/>
-              </a:bodyPr>
-              <a:lstStyle/>
-              <a:p>
-                <a:pPr algn="ctr"/>
-                <a:r>
-                  <a:rPr lang="en-US" sz="500" b="1" dirty="0">
-                    <a:cs typeface="Times New Roman" panose="02020603050405020304" pitchFamily="18" charset="0"/>
-                  </a:rPr>
-                  <a:t>TORC1</a:t>
-                </a:r>
-              </a:p>
-            </p:txBody>
-          </p:sp>
-          <p:sp>
-            <p:nvSpPr>
-              <p:cNvPr id="42" name="TextBox 41">
-                <a:extLst>
-                  <a:ext uri="{FF2B5EF4-FFF2-40B4-BE49-F238E27FC236}">
-                    <a16:creationId xmlns:a16="http://schemas.microsoft.com/office/drawing/2014/main" id="{F6E73AB4-1E15-B489-1B53-F39A0768A265}"/>
-                  </a:ext>
-                </a:extLst>
-              </p:cNvPr>
-              <p:cNvSpPr txBox="1"/>
-              <p:nvPr/>
-            </p:nvSpPr>
-            <p:spPr>
-              <a:xfrm>
-                <a:off x="10334098" y="4816003"/>
-                <a:ext cx="1486554" cy="345050"/>
-              </a:xfrm>
-              <a:prstGeom prst="plaque">
-                <a:avLst/>
-              </a:prstGeom>
-              <a:solidFill>
-                <a:srgbClr val="DACC3E"/>
-              </a:solidFill>
-              <a:ln>
-                <a:solidFill>
-                  <a:schemeClr val="tx1"/>
-                </a:solidFill>
-              </a:ln>
-            </p:spPr>
-            <p:txBody>
-              <a:bodyPr wrap="square" rtlCol="0">
-                <a:spAutoFit/>
-              </a:bodyPr>
-              <a:lstStyle/>
-              <a:p>
-                <a:pPr algn="ctr"/>
-                <a:r>
-                  <a:rPr lang="en-US" sz="500" b="1" dirty="0">
-                    <a:cs typeface="Times New Roman" panose="02020603050405020304" pitchFamily="18" charset="0"/>
-                  </a:rPr>
-                  <a:t>TORC1 &amp; TORC2</a:t>
-                </a:r>
-              </a:p>
-            </p:txBody>
-          </p:sp>
-          <p:sp>
-            <p:nvSpPr>
-              <p:cNvPr id="43" name="TextBox 42">
-                <a:extLst>
-                  <a:ext uri="{FF2B5EF4-FFF2-40B4-BE49-F238E27FC236}">
-                    <a16:creationId xmlns:a16="http://schemas.microsoft.com/office/drawing/2014/main" id="{A3C101C0-D6A7-4C81-0079-75BC6FAF75B1}"/>
-                  </a:ext>
-                </a:extLst>
-              </p:cNvPr>
-              <p:cNvSpPr txBox="1"/>
-              <p:nvPr/>
-            </p:nvSpPr>
-            <p:spPr>
-              <a:xfrm>
-                <a:off x="10334098" y="5176842"/>
-                <a:ext cx="1486554" cy="345050"/>
-              </a:xfrm>
-              <a:prstGeom prst="plaque">
-                <a:avLst/>
-              </a:prstGeom>
-              <a:solidFill>
-                <a:srgbClr val="BCA469"/>
-              </a:solidFill>
-              <a:ln>
-                <a:solidFill>
-                  <a:schemeClr val="tx1"/>
-                </a:solidFill>
-              </a:ln>
-            </p:spPr>
-            <p:txBody>
-              <a:bodyPr wrap="square" rtlCol="0">
-                <a:spAutoFit/>
-              </a:bodyPr>
-              <a:lstStyle/>
-              <a:p>
-                <a:pPr algn="ctr"/>
-                <a:r>
-                  <a:rPr lang="en-US" sz="500" b="1" dirty="0">
-                    <a:cs typeface="Times New Roman" panose="02020603050405020304" pitchFamily="18" charset="0"/>
-                  </a:rPr>
-                  <a:t>TORC2</a:t>
-                </a:r>
-              </a:p>
-            </p:txBody>
-          </p:sp>
-          <p:sp>
-            <p:nvSpPr>
-              <p:cNvPr id="44" name="TextBox 43">
-                <a:extLst>
-                  <a:ext uri="{FF2B5EF4-FFF2-40B4-BE49-F238E27FC236}">
-                    <a16:creationId xmlns:a16="http://schemas.microsoft.com/office/drawing/2014/main" id="{D7A1521A-099F-3FB7-FB0D-4ACB2AF265FD}"/>
-                  </a:ext>
-                </a:extLst>
-              </p:cNvPr>
-              <p:cNvSpPr txBox="1"/>
-              <p:nvPr/>
-            </p:nvSpPr>
-            <p:spPr>
-              <a:xfrm>
-                <a:off x="6968668" y="3493605"/>
-                <a:ext cx="1486554" cy="345050"/>
-              </a:xfrm>
-              <a:prstGeom prst="plaque">
-                <a:avLst/>
-              </a:prstGeom>
-              <a:solidFill>
-                <a:srgbClr val="586D3D"/>
-              </a:solidFill>
-              <a:ln>
-                <a:solidFill>
-                  <a:schemeClr val="tx1"/>
-                </a:solidFill>
-              </a:ln>
-            </p:spPr>
-            <p:txBody>
-              <a:bodyPr wrap="square" rtlCol="0">
-                <a:spAutoFit/>
-              </a:bodyPr>
-              <a:lstStyle/>
-              <a:p>
-                <a:pPr algn="ctr"/>
-                <a:r>
-                  <a:rPr lang="en-US" sz="500" b="1" dirty="0">
-                    <a:cs typeface="Times New Roman" panose="02020603050405020304" pitchFamily="18" charset="0"/>
-                  </a:rPr>
-                  <a:t>TORC1</a:t>
-                </a:r>
-              </a:p>
-            </p:txBody>
-          </p:sp>
-          <p:sp>
-            <p:nvSpPr>
-              <p:cNvPr id="45" name="TextBox 44">
-                <a:extLst>
-                  <a:ext uri="{FF2B5EF4-FFF2-40B4-BE49-F238E27FC236}">
-                    <a16:creationId xmlns:a16="http://schemas.microsoft.com/office/drawing/2014/main" id="{0E19A3FC-2697-2E33-746A-9D0E0271EEEF}"/>
-                  </a:ext>
-                </a:extLst>
-              </p:cNvPr>
-              <p:cNvSpPr txBox="1"/>
-              <p:nvPr/>
-            </p:nvSpPr>
-            <p:spPr>
-              <a:xfrm>
-                <a:off x="6968668" y="6195161"/>
-                <a:ext cx="1486554" cy="345050"/>
-              </a:xfrm>
-              <a:prstGeom prst="plaque">
-                <a:avLst/>
-              </a:prstGeom>
-              <a:solidFill>
-                <a:srgbClr val="DACC3E"/>
-              </a:solidFill>
-              <a:ln>
-                <a:solidFill>
-                  <a:schemeClr val="tx1"/>
-                </a:solidFill>
-              </a:ln>
-            </p:spPr>
-            <p:txBody>
-              <a:bodyPr wrap="square" rtlCol="0">
-                <a:spAutoFit/>
-              </a:bodyPr>
-              <a:lstStyle/>
-              <a:p>
-                <a:pPr algn="ctr"/>
-                <a:r>
-                  <a:rPr lang="en-US" sz="500" b="1" dirty="0">
-                    <a:cs typeface="Times New Roman" panose="02020603050405020304" pitchFamily="18" charset="0"/>
-                  </a:rPr>
-                  <a:t>TORC1 &amp; TORC2</a:t>
-                </a:r>
-              </a:p>
-            </p:txBody>
-          </p:sp>
-          <p:cxnSp>
-            <p:nvCxnSpPr>
-              <p:cNvPr id="46" name="Connector: Elbow 45">
-                <a:extLst>
-                  <a:ext uri="{FF2B5EF4-FFF2-40B4-BE49-F238E27FC236}">
-                    <a16:creationId xmlns:a16="http://schemas.microsoft.com/office/drawing/2014/main" id="{3F506219-C864-C25D-C495-62746E63A34C}"/>
-                  </a:ext>
-                </a:extLst>
-              </p:cNvPr>
-              <p:cNvCxnSpPr/>
-              <p:nvPr/>
-            </p:nvCxnSpPr>
-            <p:spPr>
-              <a:xfrm>
-                <a:off x="6576346" y="6026644"/>
-                <a:ext cx="392322" cy="337794"/>
-              </a:xfrm>
-              <a:prstGeom prst="bentConnector3">
-                <a:avLst/>
-              </a:prstGeom>
-              <a:ln>
-                <a:tailEnd type="triangle"/>
-              </a:ln>
-            </p:spPr>
-            <p:style>
-              <a:lnRef idx="2">
-                <a:schemeClr val="dk1"/>
-              </a:lnRef>
-              <a:fillRef idx="0">
-                <a:schemeClr val="dk1"/>
-              </a:fillRef>
-              <a:effectRef idx="1">
-                <a:schemeClr val="dk1"/>
-              </a:effectRef>
-              <a:fontRef idx="minor">
-                <a:schemeClr val="tx1"/>
-              </a:fontRef>
-            </p:style>
-          </p:cxnSp>
-          <p:cxnSp>
-            <p:nvCxnSpPr>
-              <p:cNvPr id="47" name="Connector: Elbow 46">
-                <a:extLst>
-                  <a:ext uri="{FF2B5EF4-FFF2-40B4-BE49-F238E27FC236}">
-                    <a16:creationId xmlns:a16="http://schemas.microsoft.com/office/drawing/2014/main" id="{479964FF-5144-B44A-E7DB-12CE08400F63}"/>
-                  </a:ext>
-                </a:extLst>
-              </p:cNvPr>
-              <p:cNvCxnSpPr/>
-              <p:nvPr/>
-            </p:nvCxnSpPr>
-            <p:spPr>
-              <a:xfrm flipV="1">
-                <a:off x="6576346" y="6364438"/>
-                <a:ext cx="392322" cy="277972"/>
-              </a:xfrm>
-              <a:prstGeom prst="bentConnector3">
-                <a:avLst/>
-              </a:prstGeom>
-              <a:ln>
-                <a:tailEnd type="triangle"/>
-              </a:ln>
-            </p:spPr>
-            <p:style>
-              <a:lnRef idx="2">
-                <a:schemeClr val="dk1"/>
-              </a:lnRef>
-              <a:fillRef idx="0">
-                <a:schemeClr val="dk1"/>
-              </a:fillRef>
-              <a:effectRef idx="1">
-                <a:schemeClr val="dk1"/>
-              </a:effectRef>
-              <a:fontRef idx="minor">
-                <a:schemeClr val="tx1"/>
-              </a:fontRef>
-            </p:style>
-          </p:cxnSp>
-        </p:grpSp>
+                <a:effectLst>
+                  <a:outerShdw blurRad="38100" dist="19050" dir="2700000" algn="tl" rotWithShape="0">
+                    <a:schemeClr val="dk1">
+                      <a:alpha val="40000"/>
+                    </a:schemeClr>
+                  </a:outerShdw>
+                </a:effectLst>
+                <a:cs typeface="Times New Roman" panose="02020603050405020304" pitchFamily="18" charset="0"/>
+              </a:endParaRPr>
+            </a:p>
+          </p:txBody>
+        </p:sp>
+        <p:sp>
+          <p:nvSpPr>
+            <p:cNvPr id="17" name="Oval 16">
+              <a:extLst>
+                <a:ext uri="{FF2B5EF4-FFF2-40B4-BE49-F238E27FC236}">
+                  <a16:creationId xmlns:a16="http://schemas.microsoft.com/office/drawing/2014/main" id="{52060349-AD15-19A7-F957-08409E41E33E}"/>
+                </a:ext>
+              </a:extLst>
+            </p:cNvPr>
+            <p:cNvSpPr/>
+            <p:nvPr/>
+          </p:nvSpPr>
+          <p:spPr>
+            <a:xfrm>
+              <a:off x="2661567" y="4610439"/>
+              <a:ext cx="1854125" cy="921835"/>
+            </a:xfrm>
+            <a:prstGeom prst="ellipse">
+              <a:avLst/>
+            </a:prstGeom>
+            <a:solidFill>
+              <a:schemeClr val="accent2">
+                <a:lumMod val="50000"/>
+              </a:schemeClr>
+            </a:solidFill>
+          </p:spPr>
+          <p:style>
+            <a:lnRef idx="2">
+              <a:schemeClr val="accent1">
+                <a:shade val="15000"/>
+              </a:schemeClr>
+            </a:lnRef>
+            <a:fillRef idx="1">
+              <a:schemeClr val="accent1"/>
+            </a:fillRef>
+            <a:effectRef idx="0">
+              <a:schemeClr val="accent1"/>
+            </a:effectRef>
+            <a:fontRef idx="minor">
+              <a:schemeClr val="lt1"/>
+            </a:fontRef>
+          </p:style>
+          <p:txBody>
+            <a:bodyPr rtlCol="0" anchor="ctr"/>
+            <a:lstStyle/>
+            <a:p>
+              <a:pPr algn="ctr"/>
+              <a:endParaRPr lang="en-US" sz="1200" b="1" dirty="0">
+                <a:cs typeface="Times New Roman" panose="02020603050405020304" pitchFamily="18" charset="0"/>
+              </a:endParaRPr>
+            </a:p>
+          </p:txBody>
+        </p:sp>
+        <p:sp>
+          <p:nvSpPr>
+            <p:cNvPr id="18" name="Oval 17">
+              <a:extLst>
+                <a:ext uri="{FF2B5EF4-FFF2-40B4-BE49-F238E27FC236}">
+                  <a16:creationId xmlns:a16="http://schemas.microsoft.com/office/drawing/2014/main" id="{1A7AA5BC-494B-39A8-2677-16C15DCFD528}"/>
+                </a:ext>
+              </a:extLst>
+            </p:cNvPr>
+            <p:cNvSpPr/>
+            <p:nvPr/>
+          </p:nvSpPr>
+          <p:spPr>
+            <a:xfrm>
+              <a:off x="2661567" y="5936165"/>
+              <a:ext cx="1854125" cy="921835"/>
+            </a:xfrm>
+            <a:prstGeom prst="ellipse">
+              <a:avLst/>
+            </a:prstGeom>
+            <a:solidFill>
+              <a:schemeClr val="accent5">
+                <a:lumMod val="75000"/>
+              </a:schemeClr>
+            </a:solidFill>
+          </p:spPr>
+          <p:style>
+            <a:lnRef idx="2">
+              <a:schemeClr val="accent1">
+                <a:shade val="15000"/>
+              </a:schemeClr>
+            </a:lnRef>
+            <a:fillRef idx="1">
+              <a:schemeClr val="accent1"/>
+            </a:fillRef>
+            <a:effectRef idx="0">
+              <a:schemeClr val="accent1"/>
+            </a:effectRef>
+            <a:fontRef idx="minor">
+              <a:schemeClr val="lt1"/>
+            </a:fontRef>
+          </p:style>
+          <p:txBody>
+            <a:bodyPr rtlCol="0" anchor="ctr"/>
+            <a:lstStyle/>
+            <a:p>
+              <a:pPr algn="ctr"/>
+              <a:endParaRPr lang="en-US" sz="600" b="1" dirty="0">
+                <a:cs typeface="Times New Roman" panose="02020603050405020304" pitchFamily="18" charset="0"/>
+              </a:endParaRPr>
+            </a:p>
+          </p:txBody>
+        </p:sp>
+        <p:sp>
+          <p:nvSpPr>
+            <p:cNvPr id="19" name="Oval 18">
+              <a:extLst>
+                <a:ext uri="{FF2B5EF4-FFF2-40B4-BE49-F238E27FC236}">
+                  <a16:creationId xmlns:a16="http://schemas.microsoft.com/office/drawing/2014/main" id="{4BE3839C-5CB2-9369-A61F-7237BFC27056}"/>
+                </a:ext>
+              </a:extLst>
+            </p:cNvPr>
+            <p:cNvSpPr/>
+            <p:nvPr/>
+          </p:nvSpPr>
+          <p:spPr>
+            <a:xfrm>
+              <a:off x="8070522" y="4839627"/>
+              <a:ext cx="1761140" cy="431180"/>
+            </a:xfrm>
+            <a:prstGeom prst="ellipse">
+              <a:avLst/>
+            </a:prstGeom>
+            <a:solidFill>
+              <a:srgbClr val="F7DC88"/>
+            </a:solidFill>
+          </p:spPr>
+          <p:style>
+            <a:lnRef idx="2">
+              <a:schemeClr val="accent1">
+                <a:shade val="15000"/>
+              </a:schemeClr>
+            </a:lnRef>
+            <a:fillRef idx="1">
+              <a:schemeClr val="accent1"/>
+            </a:fillRef>
+            <a:effectRef idx="0">
+              <a:schemeClr val="accent1"/>
+            </a:effectRef>
+            <a:fontRef idx="minor">
+              <a:schemeClr val="lt1"/>
+            </a:fontRef>
+          </p:style>
+          <p:txBody>
+            <a:bodyPr rtlCol="0" anchor="ctr"/>
+            <a:lstStyle/>
+            <a:p>
+              <a:pPr algn="ctr"/>
+              <a:endParaRPr lang="en-US" sz="500" b="1" dirty="0">
+                <a:cs typeface="Times New Roman" panose="02020603050405020304" pitchFamily="18" charset="0"/>
+              </a:endParaRPr>
+            </a:p>
+          </p:txBody>
+        </p:sp>
+        <p:sp>
+          <p:nvSpPr>
+            <p:cNvPr id="20" name="Oval 19">
+              <a:extLst>
+                <a:ext uri="{FF2B5EF4-FFF2-40B4-BE49-F238E27FC236}">
+                  <a16:creationId xmlns:a16="http://schemas.microsoft.com/office/drawing/2014/main" id="{836513AA-E349-9435-5873-61BBA6998E93}"/>
+                </a:ext>
+              </a:extLst>
+            </p:cNvPr>
+            <p:cNvSpPr/>
+            <p:nvPr/>
+          </p:nvSpPr>
+          <p:spPr>
+            <a:xfrm>
+              <a:off x="5074613" y="2797186"/>
+              <a:ext cx="1501731" cy="431180"/>
+            </a:xfrm>
+            <a:prstGeom prst="ellipse">
+              <a:avLst/>
+            </a:prstGeom>
+            <a:solidFill>
+              <a:srgbClr val="B38889"/>
+            </a:solidFill>
+          </p:spPr>
+          <p:style>
+            <a:lnRef idx="2">
+              <a:schemeClr val="accent1">
+                <a:shade val="15000"/>
+              </a:schemeClr>
+            </a:lnRef>
+            <a:fillRef idx="1">
+              <a:schemeClr val="accent1"/>
+            </a:fillRef>
+            <a:effectRef idx="0">
+              <a:schemeClr val="accent1"/>
+            </a:effectRef>
+            <a:fontRef idx="minor">
+              <a:schemeClr val="lt1"/>
+            </a:fontRef>
+          </p:style>
+          <p:txBody>
+            <a:bodyPr rtlCol="0" anchor="ctr"/>
+            <a:lstStyle/>
+            <a:p>
+              <a:pPr algn="ctr"/>
+              <a:endParaRPr lang="en-US" sz="500" b="1" dirty="0">
+                <a:cs typeface="Times New Roman" panose="02020603050405020304" pitchFamily="18" charset="0"/>
+              </a:endParaRPr>
+            </a:p>
+          </p:txBody>
+        </p:sp>
+        <p:sp>
+          <p:nvSpPr>
+            <p:cNvPr id="21" name="Oval 20">
+              <a:extLst>
+                <a:ext uri="{FF2B5EF4-FFF2-40B4-BE49-F238E27FC236}">
+                  <a16:creationId xmlns:a16="http://schemas.microsoft.com/office/drawing/2014/main" id="{AEBC220C-AB99-DF58-ED6E-9C4F7D40DA51}"/>
+                </a:ext>
+              </a:extLst>
+            </p:cNvPr>
+            <p:cNvSpPr/>
+            <p:nvPr/>
+          </p:nvSpPr>
+          <p:spPr>
+            <a:xfrm>
+              <a:off x="5074613" y="3406832"/>
+              <a:ext cx="1501731" cy="431180"/>
+            </a:xfrm>
+            <a:prstGeom prst="ellipse">
+              <a:avLst/>
+            </a:prstGeom>
+            <a:solidFill>
+              <a:srgbClr val="A8AA80"/>
+            </a:solidFill>
+          </p:spPr>
+          <p:style>
+            <a:lnRef idx="2">
+              <a:schemeClr val="accent1">
+                <a:shade val="15000"/>
+              </a:schemeClr>
+            </a:lnRef>
+            <a:fillRef idx="1">
+              <a:schemeClr val="accent1"/>
+            </a:fillRef>
+            <a:effectRef idx="0">
+              <a:schemeClr val="accent1"/>
+            </a:effectRef>
+            <a:fontRef idx="minor">
+              <a:schemeClr val="lt1"/>
+            </a:fontRef>
+          </p:style>
+          <p:txBody>
+            <a:bodyPr rtlCol="0" anchor="ctr"/>
+            <a:lstStyle/>
+            <a:p>
+              <a:pPr algn="ctr"/>
+              <a:endParaRPr lang="en-US" sz="500" b="1" dirty="0">
+                <a:cs typeface="Times New Roman" panose="02020603050405020304" pitchFamily="18" charset="0"/>
+              </a:endParaRPr>
+            </a:p>
+          </p:txBody>
+        </p:sp>
+        <p:sp>
+          <p:nvSpPr>
+            <p:cNvPr id="22" name="Oval 21">
+              <a:extLst>
+                <a:ext uri="{FF2B5EF4-FFF2-40B4-BE49-F238E27FC236}">
+                  <a16:creationId xmlns:a16="http://schemas.microsoft.com/office/drawing/2014/main" id="{34225CFE-BF57-A7E0-673D-45AF6BED78D4}"/>
+                </a:ext>
+              </a:extLst>
+            </p:cNvPr>
+            <p:cNvSpPr/>
+            <p:nvPr/>
+          </p:nvSpPr>
+          <p:spPr>
+            <a:xfrm>
+              <a:off x="5074613" y="4016476"/>
+              <a:ext cx="1501731" cy="431180"/>
+            </a:xfrm>
+            <a:prstGeom prst="ellipse">
+              <a:avLst/>
+            </a:prstGeom>
+            <a:solidFill>
+              <a:srgbClr val="B3C28A"/>
+            </a:solidFill>
+          </p:spPr>
+          <p:style>
+            <a:lnRef idx="2">
+              <a:schemeClr val="accent1">
+                <a:shade val="15000"/>
+              </a:schemeClr>
+            </a:lnRef>
+            <a:fillRef idx="1">
+              <a:schemeClr val="accent1"/>
+            </a:fillRef>
+            <a:effectRef idx="0">
+              <a:schemeClr val="accent1"/>
+            </a:effectRef>
+            <a:fontRef idx="minor">
+              <a:schemeClr val="lt1"/>
+            </a:fontRef>
+          </p:style>
+          <p:txBody>
+            <a:bodyPr rtlCol="0" anchor="ctr"/>
+            <a:lstStyle/>
+            <a:p>
+              <a:pPr algn="ctr"/>
+              <a:endParaRPr lang="en-US" sz="500" b="1" dirty="0">
+                <a:cs typeface="Times New Roman" panose="02020603050405020304" pitchFamily="18" charset="0"/>
+              </a:endParaRPr>
+            </a:p>
+          </p:txBody>
+        </p:sp>
         <p:cxnSp>
           <p:nvCxnSpPr>
-            <p:cNvPr id="6" name="Connector: Elbow 5">
+            <p:cNvPr id="23" name="Connector: Elbow 22">
               <a:extLst>
                 <a:ext uri="{FF2B5EF4-FFF2-40B4-BE49-F238E27FC236}">
-                  <a16:creationId xmlns:a16="http://schemas.microsoft.com/office/drawing/2014/main" id="{25680596-8994-531E-F5D2-05682215E671}"/>
+                  <a16:creationId xmlns:a16="http://schemas.microsoft.com/office/drawing/2014/main" id="{B9C327E4-99F4-8A1A-56DF-ED81819F800E}"/>
                 </a:ext>
               </a:extLst>
             </p:cNvPr>
             <p:cNvCxnSpPr>
-              <a:stCxn id="20" idx="6"/>
-              <a:endCxn id="44" idx="1"/>
+              <a:cxnSpLocks/>
+              <a:stCxn id="16" idx="6"/>
+              <a:endCxn id="20" idx="2"/>
+            </p:cNvCxnSpPr>
+            <p:nvPr/>
+          </p:nvCxnSpPr>
+          <p:spPr>
+            <a:xfrm flipV="1">
+              <a:off x="4515691" y="3012777"/>
+              <a:ext cx="558922" cy="732855"/>
+            </a:xfrm>
+            <a:prstGeom prst="bentConnector3">
+              <a:avLst>
+                <a:gd name="adj1" fmla="val 50000"/>
+              </a:avLst>
+            </a:prstGeom>
+          </p:spPr>
+          <p:style>
+            <a:lnRef idx="2">
+              <a:schemeClr val="dk1"/>
+            </a:lnRef>
+            <a:fillRef idx="0">
+              <a:schemeClr val="dk1"/>
+            </a:fillRef>
+            <a:effectRef idx="1">
+              <a:schemeClr val="dk1"/>
+            </a:effectRef>
+            <a:fontRef idx="minor">
+              <a:schemeClr val="tx1"/>
+            </a:fontRef>
+          </p:style>
+        </p:cxnSp>
+        <p:cxnSp>
+          <p:nvCxnSpPr>
+            <p:cNvPr id="24" name="Connector: Elbow 23">
+              <a:extLst>
+                <a:ext uri="{FF2B5EF4-FFF2-40B4-BE49-F238E27FC236}">
+                  <a16:creationId xmlns:a16="http://schemas.microsoft.com/office/drawing/2014/main" id="{428663A0-AD24-4B05-3BF3-27F215D4450B}"/>
+                </a:ext>
+              </a:extLst>
+            </p:cNvPr>
+            <p:cNvCxnSpPr>
+              <a:cxnSpLocks/>
+              <a:stCxn id="16" idx="6"/>
+              <a:endCxn id="21" idx="2"/>
+            </p:cNvCxnSpPr>
+            <p:nvPr/>
+          </p:nvCxnSpPr>
+          <p:spPr>
+            <a:xfrm flipV="1">
+              <a:off x="4515691" y="3622423"/>
+              <a:ext cx="558922" cy="123209"/>
+            </a:xfrm>
+            <a:prstGeom prst="bentConnector3">
+              <a:avLst>
+                <a:gd name="adj1" fmla="val 50000"/>
+              </a:avLst>
+            </a:prstGeom>
+          </p:spPr>
+          <p:style>
+            <a:lnRef idx="2">
+              <a:schemeClr val="dk1"/>
+            </a:lnRef>
+            <a:fillRef idx="0">
+              <a:schemeClr val="dk1"/>
+            </a:fillRef>
+            <a:effectRef idx="1">
+              <a:schemeClr val="dk1"/>
+            </a:effectRef>
+            <a:fontRef idx="minor">
+              <a:schemeClr val="tx1"/>
+            </a:fontRef>
+          </p:style>
+        </p:cxnSp>
+        <p:cxnSp>
+          <p:nvCxnSpPr>
+            <p:cNvPr id="25" name="Connector: Elbow 24">
+              <a:extLst>
+                <a:ext uri="{FF2B5EF4-FFF2-40B4-BE49-F238E27FC236}">
+                  <a16:creationId xmlns:a16="http://schemas.microsoft.com/office/drawing/2014/main" id="{FA2DE75A-AC62-2145-2E38-56177F1F7515}"/>
+                </a:ext>
+              </a:extLst>
+            </p:cNvPr>
+            <p:cNvCxnSpPr>
+              <a:cxnSpLocks/>
+              <a:stCxn id="16" idx="6"/>
+              <a:endCxn id="22" idx="2"/>
             </p:cNvCxnSpPr>
             <p:nvPr/>
           </p:nvCxnSpPr>
           <p:spPr>
             <a:xfrm>
-              <a:off x="6511931" y="1857305"/>
-              <a:ext cx="264202" cy="507912"/>
+              <a:off x="4515691" y="3745632"/>
+              <a:ext cx="558922" cy="486435"/>
+            </a:xfrm>
+            <a:prstGeom prst="bentConnector3">
+              <a:avLst>
+                <a:gd name="adj1" fmla="val 50000"/>
+              </a:avLst>
+            </a:prstGeom>
+          </p:spPr>
+          <p:style>
+            <a:lnRef idx="2">
+              <a:schemeClr val="dk1"/>
+            </a:lnRef>
+            <a:fillRef idx="0">
+              <a:schemeClr val="dk1"/>
+            </a:fillRef>
+            <a:effectRef idx="1">
+              <a:schemeClr val="dk1"/>
+            </a:effectRef>
+            <a:fontRef idx="minor">
+              <a:schemeClr val="tx1"/>
+            </a:fontRef>
+          </p:style>
+        </p:cxnSp>
+        <p:sp>
+          <p:nvSpPr>
+            <p:cNvPr id="26" name="Oval 25">
+              <a:extLst>
+                <a:ext uri="{FF2B5EF4-FFF2-40B4-BE49-F238E27FC236}">
+                  <a16:creationId xmlns:a16="http://schemas.microsoft.com/office/drawing/2014/main" id="{82F32569-8C3C-1AF9-B6B1-787FCBD747B4}"/>
+                </a:ext>
+              </a:extLst>
+            </p:cNvPr>
+            <p:cNvSpPr/>
+            <p:nvPr/>
+          </p:nvSpPr>
+          <p:spPr>
+            <a:xfrm>
+              <a:off x="8099749" y="5425065"/>
+              <a:ext cx="1731914" cy="431180"/>
+            </a:xfrm>
+            <a:prstGeom prst="ellipse">
+              <a:avLst/>
+            </a:prstGeom>
+            <a:solidFill>
+              <a:srgbClr val="9780A3"/>
+            </a:solidFill>
+          </p:spPr>
+          <p:style>
+            <a:lnRef idx="2">
+              <a:schemeClr val="accent1">
+                <a:shade val="15000"/>
+              </a:schemeClr>
+            </a:lnRef>
+            <a:fillRef idx="1">
+              <a:schemeClr val="accent1"/>
+            </a:fillRef>
+            <a:effectRef idx="0">
+              <a:schemeClr val="accent1"/>
+            </a:effectRef>
+            <a:fontRef idx="minor">
+              <a:schemeClr val="lt1"/>
+            </a:fontRef>
+          </p:style>
+          <p:txBody>
+            <a:bodyPr rtlCol="0" anchor="ctr"/>
+            <a:lstStyle/>
+            <a:p>
+              <a:pPr algn="ctr"/>
+              <a:endParaRPr lang="en-US" sz="500" b="1" dirty="0">
+                <a:cs typeface="Times New Roman" panose="02020603050405020304" pitchFamily="18" charset="0"/>
+              </a:endParaRPr>
+            </a:p>
+          </p:txBody>
+        </p:sp>
+        <p:sp>
+          <p:nvSpPr>
+            <p:cNvPr id="27" name="Oval 26">
+              <a:extLst>
+                <a:ext uri="{FF2B5EF4-FFF2-40B4-BE49-F238E27FC236}">
+                  <a16:creationId xmlns:a16="http://schemas.microsoft.com/office/drawing/2014/main" id="{161BD629-588E-6AA5-D7EC-B76FC8A12DA6}"/>
+                </a:ext>
+              </a:extLst>
+            </p:cNvPr>
+            <p:cNvSpPr/>
+            <p:nvPr/>
+          </p:nvSpPr>
+          <p:spPr>
+            <a:xfrm>
+              <a:off x="8070522" y="4253688"/>
+              <a:ext cx="1774886" cy="431180"/>
+            </a:xfrm>
+            <a:prstGeom prst="ellipse">
+              <a:avLst/>
+            </a:prstGeom>
+            <a:solidFill>
+              <a:srgbClr val="AB9080"/>
+            </a:solidFill>
+          </p:spPr>
+          <p:style>
+            <a:lnRef idx="2">
+              <a:schemeClr val="accent1">
+                <a:shade val="15000"/>
+              </a:schemeClr>
+            </a:lnRef>
+            <a:fillRef idx="1">
+              <a:schemeClr val="accent1"/>
+            </a:fillRef>
+            <a:effectRef idx="0">
+              <a:schemeClr val="accent1"/>
+            </a:effectRef>
+            <a:fontRef idx="minor">
+              <a:schemeClr val="lt1"/>
+            </a:fontRef>
+          </p:style>
+          <p:txBody>
+            <a:bodyPr rtlCol="0" anchor="ctr"/>
+            <a:lstStyle/>
+            <a:p>
+              <a:pPr algn="ctr"/>
+              <a:endParaRPr lang="en-US" sz="600" b="1" dirty="0">
+                <a:cs typeface="Times New Roman" panose="02020603050405020304" pitchFamily="18" charset="0"/>
+              </a:endParaRPr>
+            </a:p>
+          </p:txBody>
+        </p:sp>
+        <p:sp>
+          <p:nvSpPr>
+            <p:cNvPr id="28" name="Oval 27">
+              <a:extLst>
+                <a:ext uri="{FF2B5EF4-FFF2-40B4-BE49-F238E27FC236}">
+                  <a16:creationId xmlns:a16="http://schemas.microsoft.com/office/drawing/2014/main" id="{7AE994FF-D39E-BECF-E939-563D98347CCE}"/>
+                </a:ext>
+              </a:extLst>
+            </p:cNvPr>
+            <p:cNvSpPr/>
+            <p:nvPr/>
+          </p:nvSpPr>
+          <p:spPr>
+            <a:xfrm>
+              <a:off x="5027631" y="6426820"/>
+              <a:ext cx="1548714" cy="431180"/>
+            </a:xfrm>
+            <a:prstGeom prst="ellipse">
+              <a:avLst/>
+            </a:prstGeom>
+            <a:solidFill>
+              <a:srgbClr val="8B82BE"/>
+            </a:solidFill>
+          </p:spPr>
+          <p:style>
+            <a:lnRef idx="2">
+              <a:schemeClr val="accent1">
+                <a:shade val="15000"/>
+              </a:schemeClr>
+            </a:lnRef>
+            <a:fillRef idx="1">
+              <a:schemeClr val="accent1"/>
+            </a:fillRef>
+            <a:effectRef idx="0">
+              <a:schemeClr val="accent1"/>
+            </a:effectRef>
+            <a:fontRef idx="minor">
+              <a:schemeClr val="lt1"/>
+            </a:fontRef>
+          </p:style>
+          <p:txBody>
+            <a:bodyPr rtlCol="0" anchor="ctr"/>
+            <a:lstStyle/>
+            <a:p>
+              <a:pPr algn="ctr"/>
+              <a:endParaRPr lang="en-US" sz="500" b="1" dirty="0">
+                <a:cs typeface="Times New Roman" panose="02020603050405020304" pitchFamily="18" charset="0"/>
+              </a:endParaRPr>
+            </a:p>
+          </p:txBody>
+        </p:sp>
+        <p:sp>
+          <p:nvSpPr>
+            <p:cNvPr id="29" name="Oval 28">
+              <a:extLst>
+                <a:ext uri="{FF2B5EF4-FFF2-40B4-BE49-F238E27FC236}">
+                  <a16:creationId xmlns:a16="http://schemas.microsoft.com/office/drawing/2014/main" id="{48EF37E3-BB8D-CA19-681B-09133F090E5F}"/>
+                </a:ext>
+              </a:extLst>
+            </p:cNvPr>
+            <p:cNvSpPr/>
+            <p:nvPr/>
+          </p:nvSpPr>
+          <p:spPr>
+            <a:xfrm>
+              <a:off x="5027631" y="5811053"/>
+              <a:ext cx="1548714" cy="431180"/>
+            </a:xfrm>
+            <a:prstGeom prst="ellipse">
+              <a:avLst/>
+            </a:prstGeom>
+            <a:solidFill>
+              <a:srgbClr val="C9C0F1"/>
+            </a:solidFill>
+          </p:spPr>
+          <p:style>
+            <a:lnRef idx="2">
+              <a:schemeClr val="accent1">
+                <a:shade val="15000"/>
+              </a:schemeClr>
+            </a:lnRef>
+            <a:fillRef idx="1">
+              <a:schemeClr val="accent1"/>
+            </a:fillRef>
+            <a:effectRef idx="0">
+              <a:schemeClr val="accent1"/>
+            </a:effectRef>
+            <a:fontRef idx="minor">
+              <a:schemeClr val="lt1"/>
+            </a:fontRef>
+          </p:style>
+          <p:txBody>
+            <a:bodyPr rtlCol="0" anchor="ctr"/>
+            <a:lstStyle/>
+            <a:p>
+              <a:pPr algn="ctr"/>
+              <a:endParaRPr lang="en-US" sz="500" b="1" dirty="0">
+                <a:cs typeface="Times New Roman" panose="02020603050405020304" pitchFamily="18" charset="0"/>
+              </a:endParaRPr>
+            </a:p>
+          </p:txBody>
+        </p:sp>
+        <p:cxnSp>
+          <p:nvCxnSpPr>
+            <p:cNvPr id="30" name="Connector: Elbow 29">
+              <a:extLst>
+                <a:ext uri="{FF2B5EF4-FFF2-40B4-BE49-F238E27FC236}">
+                  <a16:creationId xmlns:a16="http://schemas.microsoft.com/office/drawing/2014/main" id="{D5579CB8-690F-FEB0-DBA2-E611359C00AD}"/>
+                </a:ext>
+              </a:extLst>
+            </p:cNvPr>
+            <p:cNvCxnSpPr>
+              <a:cxnSpLocks/>
+              <a:stCxn id="15" idx="6"/>
+              <a:endCxn id="16" idx="2"/>
+            </p:cNvCxnSpPr>
+            <p:nvPr/>
+          </p:nvCxnSpPr>
+          <p:spPr>
+            <a:xfrm flipV="1">
+              <a:off x="1486955" y="3745632"/>
+              <a:ext cx="1174611" cy="1325724"/>
+            </a:xfrm>
+            <a:prstGeom prst="bentConnector3">
+              <a:avLst/>
+            </a:prstGeom>
+          </p:spPr>
+          <p:style>
+            <a:lnRef idx="2">
+              <a:schemeClr val="dk1"/>
+            </a:lnRef>
+            <a:fillRef idx="0">
+              <a:schemeClr val="dk1"/>
+            </a:fillRef>
+            <a:effectRef idx="1">
+              <a:schemeClr val="dk1"/>
+            </a:effectRef>
+            <a:fontRef idx="minor">
+              <a:schemeClr val="tx1"/>
+            </a:fontRef>
+          </p:style>
+        </p:cxnSp>
+        <p:cxnSp>
+          <p:nvCxnSpPr>
+            <p:cNvPr id="31" name="Connector: Elbow 30">
+              <a:extLst>
+                <a:ext uri="{FF2B5EF4-FFF2-40B4-BE49-F238E27FC236}">
+                  <a16:creationId xmlns:a16="http://schemas.microsoft.com/office/drawing/2014/main" id="{B27F79C3-C38E-576F-C4C3-87E526B8CFAC}"/>
+                </a:ext>
+              </a:extLst>
+            </p:cNvPr>
+            <p:cNvCxnSpPr>
+              <a:cxnSpLocks/>
+              <a:stCxn id="15" idx="6"/>
+              <a:endCxn id="18" idx="2"/>
+            </p:cNvCxnSpPr>
+            <p:nvPr/>
+          </p:nvCxnSpPr>
+          <p:spPr>
+            <a:xfrm>
+              <a:off x="1486955" y="5071356"/>
+              <a:ext cx="1174613" cy="1325727"/>
+            </a:xfrm>
+            <a:prstGeom prst="bentConnector3">
+              <a:avLst>
+                <a:gd name="adj1" fmla="val 50000"/>
+              </a:avLst>
+            </a:prstGeom>
+          </p:spPr>
+          <p:style>
+            <a:lnRef idx="2">
+              <a:schemeClr val="dk1"/>
+            </a:lnRef>
+            <a:fillRef idx="0">
+              <a:schemeClr val="dk1"/>
+            </a:fillRef>
+            <a:effectRef idx="1">
+              <a:schemeClr val="dk1"/>
+            </a:effectRef>
+            <a:fontRef idx="minor">
+              <a:schemeClr val="tx1"/>
+            </a:fontRef>
+          </p:style>
+        </p:cxnSp>
+        <p:cxnSp>
+          <p:nvCxnSpPr>
+            <p:cNvPr id="32" name="Connector: Elbow 31">
+              <a:extLst>
+                <a:ext uri="{FF2B5EF4-FFF2-40B4-BE49-F238E27FC236}">
+                  <a16:creationId xmlns:a16="http://schemas.microsoft.com/office/drawing/2014/main" id="{FD8A198F-BDE1-71CE-B883-88B5FF59BE35}"/>
+                </a:ext>
+              </a:extLst>
+            </p:cNvPr>
+            <p:cNvCxnSpPr>
+              <a:cxnSpLocks/>
+              <a:stCxn id="15" idx="6"/>
+              <a:endCxn id="17" idx="2"/>
+            </p:cNvCxnSpPr>
+            <p:nvPr/>
+          </p:nvCxnSpPr>
+          <p:spPr>
+            <a:xfrm>
+              <a:off x="1486955" y="5071356"/>
+              <a:ext cx="1174613" cy="2"/>
+            </a:xfrm>
+            <a:prstGeom prst="bentConnector3">
+              <a:avLst/>
+            </a:prstGeom>
+          </p:spPr>
+          <p:style>
+            <a:lnRef idx="2">
+              <a:schemeClr val="dk1"/>
+            </a:lnRef>
+            <a:fillRef idx="0">
+              <a:schemeClr val="dk1"/>
+            </a:fillRef>
+            <a:effectRef idx="1">
+              <a:schemeClr val="dk1"/>
+            </a:effectRef>
+            <a:fontRef idx="minor">
+              <a:schemeClr val="tx1"/>
+            </a:fontRef>
+          </p:style>
+        </p:cxnSp>
+        <p:cxnSp>
+          <p:nvCxnSpPr>
+            <p:cNvPr id="33" name="Connector: Elbow 32">
+              <a:extLst>
+                <a:ext uri="{FF2B5EF4-FFF2-40B4-BE49-F238E27FC236}">
+                  <a16:creationId xmlns:a16="http://schemas.microsoft.com/office/drawing/2014/main" id="{4253D5F3-EF80-8A69-4826-06876DEC0DA6}"/>
+                </a:ext>
+              </a:extLst>
+            </p:cNvPr>
+            <p:cNvCxnSpPr>
+              <a:cxnSpLocks/>
+              <a:stCxn id="18" idx="6"/>
+              <a:endCxn id="29" idx="2"/>
+            </p:cNvCxnSpPr>
+            <p:nvPr/>
+          </p:nvCxnSpPr>
+          <p:spPr>
+            <a:xfrm flipV="1">
+              <a:off x="4515693" y="6026644"/>
+              <a:ext cx="511938" cy="370439"/>
+            </a:xfrm>
+            <a:prstGeom prst="bentConnector3">
+              <a:avLst/>
+            </a:prstGeom>
+          </p:spPr>
+          <p:style>
+            <a:lnRef idx="2">
+              <a:schemeClr val="dk1"/>
+            </a:lnRef>
+            <a:fillRef idx="0">
+              <a:schemeClr val="dk1"/>
+            </a:fillRef>
+            <a:effectRef idx="1">
+              <a:schemeClr val="dk1"/>
+            </a:effectRef>
+            <a:fontRef idx="minor">
+              <a:schemeClr val="tx1"/>
+            </a:fontRef>
+          </p:style>
+        </p:cxnSp>
+        <p:cxnSp>
+          <p:nvCxnSpPr>
+            <p:cNvPr id="34" name="Connector: Elbow 33">
+              <a:extLst>
+                <a:ext uri="{FF2B5EF4-FFF2-40B4-BE49-F238E27FC236}">
+                  <a16:creationId xmlns:a16="http://schemas.microsoft.com/office/drawing/2014/main" id="{60E0DA9F-DF56-382E-BD65-086518E7BAC2}"/>
+                </a:ext>
+              </a:extLst>
+            </p:cNvPr>
+            <p:cNvCxnSpPr>
+              <a:cxnSpLocks/>
+              <a:stCxn id="18" idx="6"/>
+              <a:endCxn id="28" idx="2"/>
+            </p:cNvCxnSpPr>
+            <p:nvPr/>
+          </p:nvCxnSpPr>
+          <p:spPr>
+            <a:xfrm>
+              <a:off x="4515693" y="6397083"/>
+              <a:ext cx="511938" cy="245327"/>
+            </a:xfrm>
+            <a:prstGeom prst="bentConnector3">
+              <a:avLst/>
+            </a:prstGeom>
+          </p:spPr>
+          <p:style>
+            <a:lnRef idx="2">
+              <a:schemeClr val="dk1"/>
+            </a:lnRef>
+            <a:fillRef idx="0">
+              <a:schemeClr val="dk1"/>
+            </a:fillRef>
+            <a:effectRef idx="1">
+              <a:schemeClr val="dk1"/>
+            </a:effectRef>
+            <a:fontRef idx="minor">
+              <a:schemeClr val="tx1"/>
+            </a:fontRef>
+          </p:style>
+        </p:cxnSp>
+        <p:cxnSp>
+          <p:nvCxnSpPr>
+            <p:cNvPr id="35" name="Straight Connector 34">
+              <a:extLst>
+                <a:ext uri="{FF2B5EF4-FFF2-40B4-BE49-F238E27FC236}">
+                  <a16:creationId xmlns:a16="http://schemas.microsoft.com/office/drawing/2014/main" id="{61875880-AE99-60E6-B8B0-ACADA40CC2F6}"/>
+                </a:ext>
+              </a:extLst>
+            </p:cNvPr>
+            <p:cNvCxnSpPr>
+              <a:cxnSpLocks/>
+              <a:stCxn id="17" idx="6"/>
+              <a:endCxn id="19" idx="2"/>
+            </p:cNvCxnSpPr>
+            <p:nvPr/>
+          </p:nvCxnSpPr>
+          <p:spPr>
+            <a:xfrm flipV="1">
+              <a:off x="4515693" y="5055218"/>
+              <a:ext cx="3554830" cy="16140"/>
+            </a:xfrm>
+            <a:prstGeom prst="line">
+              <a:avLst/>
+            </a:prstGeom>
+          </p:spPr>
+          <p:style>
+            <a:lnRef idx="2">
+              <a:schemeClr val="dk1"/>
+            </a:lnRef>
+            <a:fillRef idx="0">
+              <a:schemeClr val="dk1"/>
+            </a:fillRef>
+            <a:effectRef idx="1">
+              <a:schemeClr val="dk1"/>
+            </a:effectRef>
+            <a:fontRef idx="minor">
+              <a:schemeClr val="tx1"/>
+            </a:fontRef>
+          </p:style>
+        </p:cxnSp>
+        <p:cxnSp>
+          <p:nvCxnSpPr>
+            <p:cNvPr id="36" name="Connector: Elbow 35">
+              <a:extLst>
+                <a:ext uri="{FF2B5EF4-FFF2-40B4-BE49-F238E27FC236}">
+                  <a16:creationId xmlns:a16="http://schemas.microsoft.com/office/drawing/2014/main" id="{805B4670-8669-954C-77EE-F0E9F1ADB3FB}"/>
+                </a:ext>
+              </a:extLst>
+            </p:cNvPr>
+            <p:cNvCxnSpPr>
+              <a:cxnSpLocks/>
+              <a:stCxn id="17" idx="6"/>
+              <a:endCxn id="27" idx="2"/>
+            </p:cNvCxnSpPr>
+            <p:nvPr/>
+          </p:nvCxnSpPr>
+          <p:spPr>
+            <a:xfrm flipV="1">
+              <a:off x="4515693" y="4469279"/>
+              <a:ext cx="3554830" cy="602079"/>
+            </a:xfrm>
+            <a:prstGeom prst="bentConnector3">
+              <a:avLst>
+                <a:gd name="adj1" fmla="val 50000"/>
+              </a:avLst>
+            </a:prstGeom>
+          </p:spPr>
+          <p:style>
+            <a:lnRef idx="2">
+              <a:schemeClr val="dk1"/>
+            </a:lnRef>
+            <a:fillRef idx="0">
+              <a:schemeClr val="dk1"/>
+            </a:fillRef>
+            <a:effectRef idx="1">
+              <a:schemeClr val="dk1"/>
+            </a:effectRef>
+            <a:fontRef idx="minor">
+              <a:schemeClr val="tx1"/>
+            </a:fontRef>
+          </p:style>
+        </p:cxnSp>
+        <p:cxnSp>
+          <p:nvCxnSpPr>
+            <p:cNvPr id="37" name="Connector: Elbow 36">
+              <a:extLst>
+                <a:ext uri="{FF2B5EF4-FFF2-40B4-BE49-F238E27FC236}">
+                  <a16:creationId xmlns:a16="http://schemas.microsoft.com/office/drawing/2014/main" id="{D4D5FC4F-4380-DDB7-5F92-36107409BD1F}"/>
+                </a:ext>
+              </a:extLst>
+            </p:cNvPr>
+            <p:cNvCxnSpPr>
+              <a:cxnSpLocks/>
+              <a:stCxn id="17" idx="6"/>
+              <a:endCxn id="26" idx="2"/>
+            </p:cNvCxnSpPr>
+            <p:nvPr/>
+          </p:nvCxnSpPr>
+          <p:spPr>
+            <a:xfrm>
+              <a:off x="4515693" y="5071358"/>
+              <a:ext cx="3584056" cy="569299"/>
+            </a:xfrm>
+            <a:prstGeom prst="bentConnector3">
+              <a:avLst>
+                <a:gd name="adj1" fmla="val 50000"/>
+              </a:avLst>
+            </a:prstGeom>
+          </p:spPr>
+          <p:style>
+            <a:lnRef idx="2">
+              <a:schemeClr val="dk1"/>
+            </a:lnRef>
+            <a:fillRef idx="0">
+              <a:schemeClr val="dk1"/>
+            </a:fillRef>
+            <a:effectRef idx="1">
+              <a:schemeClr val="dk1"/>
+            </a:effectRef>
+            <a:fontRef idx="minor">
+              <a:schemeClr val="tx1"/>
+            </a:fontRef>
+          </p:style>
+        </p:cxnSp>
+        <p:sp>
+          <p:nvSpPr>
+            <p:cNvPr id="38" name="TextBox 37">
+              <a:extLst>
+                <a:ext uri="{FF2B5EF4-FFF2-40B4-BE49-F238E27FC236}">
+                  <a16:creationId xmlns:a16="http://schemas.microsoft.com/office/drawing/2014/main" id="{973669C4-B9E5-07FB-A505-02A23F032EDB}"/>
+                </a:ext>
+              </a:extLst>
+            </p:cNvPr>
+            <p:cNvSpPr txBox="1"/>
+            <p:nvPr/>
+          </p:nvSpPr>
+          <p:spPr>
+            <a:xfrm>
+              <a:off x="10306600" y="3744091"/>
+              <a:ext cx="1486554" cy="345050"/>
+            </a:xfrm>
+            <a:prstGeom prst="plaque">
+              <a:avLst/>
+            </a:prstGeom>
+            <a:solidFill>
+              <a:srgbClr val="586D3D"/>
+            </a:solidFill>
+            <a:ln>
+              <a:solidFill>
+                <a:schemeClr val="tx1"/>
+              </a:solidFill>
+            </a:ln>
+          </p:spPr>
+          <p:txBody>
+            <a:bodyPr wrap="square" rtlCol="0">
+              <a:spAutoFit/>
+            </a:bodyPr>
+            <a:lstStyle/>
+            <a:p>
+              <a:pPr algn="ctr"/>
+              <a:endParaRPr lang="en-US" sz="500" b="1" dirty="0">
+                <a:cs typeface="Times New Roman" panose="02020603050405020304" pitchFamily="18" charset="0"/>
+              </a:endParaRPr>
+            </a:p>
+          </p:txBody>
+        </p:sp>
+        <p:sp>
+          <p:nvSpPr>
+            <p:cNvPr id="39" name="TextBox 38">
+              <a:extLst>
+                <a:ext uri="{FF2B5EF4-FFF2-40B4-BE49-F238E27FC236}">
+                  <a16:creationId xmlns:a16="http://schemas.microsoft.com/office/drawing/2014/main" id="{FCE48FEB-EF6B-C23A-2CFF-46820CA22BF2}"/>
+                </a:ext>
+              </a:extLst>
+            </p:cNvPr>
+            <p:cNvSpPr txBox="1"/>
+            <p:nvPr/>
+          </p:nvSpPr>
+          <p:spPr>
+            <a:xfrm>
+              <a:off x="10306600" y="4056057"/>
+              <a:ext cx="1486554" cy="345050"/>
+            </a:xfrm>
+            <a:prstGeom prst="plaque">
+              <a:avLst/>
+            </a:prstGeom>
+            <a:solidFill>
+              <a:srgbClr val="DACC3E"/>
+            </a:solidFill>
+            <a:ln>
+              <a:solidFill>
+                <a:schemeClr val="tx1"/>
+              </a:solidFill>
+            </a:ln>
+          </p:spPr>
+          <p:txBody>
+            <a:bodyPr wrap="square" rtlCol="0">
+              <a:spAutoFit/>
+            </a:bodyPr>
+            <a:lstStyle/>
+            <a:p>
+              <a:pPr algn="ctr"/>
+              <a:endParaRPr lang="en-US" sz="500" b="1" dirty="0">
+                <a:cs typeface="Times New Roman" panose="02020603050405020304" pitchFamily="18" charset="0"/>
+              </a:endParaRPr>
+            </a:p>
+          </p:txBody>
+        </p:sp>
+        <p:sp>
+          <p:nvSpPr>
+            <p:cNvPr id="40" name="TextBox 39">
+              <a:extLst>
+                <a:ext uri="{FF2B5EF4-FFF2-40B4-BE49-F238E27FC236}">
+                  <a16:creationId xmlns:a16="http://schemas.microsoft.com/office/drawing/2014/main" id="{87468DCB-4CE1-DA18-935B-06405138ED31}"/>
+                </a:ext>
+              </a:extLst>
+            </p:cNvPr>
+            <p:cNvSpPr txBox="1"/>
+            <p:nvPr/>
+          </p:nvSpPr>
+          <p:spPr>
+            <a:xfrm>
+              <a:off x="10306600" y="5687314"/>
+              <a:ext cx="1486554" cy="345050"/>
+            </a:xfrm>
+            <a:prstGeom prst="plaque">
+              <a:avLst/>
+            </a:prstGeom>
+            <a:solidFill>
+              <a:srgbClr val="DACC3E"/>
+            </a:solidFill>
+            <a:ln>
+              <a:solidFill>
+                <a:schemeClr val="tx1"/>
+              </a:solidFill>
+            </a:ln>
+          </p:spPr>
+          <p:txBody>
+            <a:bodyPr wrap="square" rtlCol="0">
+              <a:spAutoFit/>
+            </a:bodyPr>
+            <a:lstStyle/>
+            <a:p>
+              <a:pPr algn="ctr"/>
+              <a:endParaRPr lang="en-US" sz="500" b="1" dirty="0">
+                <a:cs typeface="Times New Roman" panose="02020603050405020304" pitchFamily="18" charset="0"/>
+              </a:endParaRPr>
+            </a:p>
+          </p:txBody>
+        </p:sp>
+        <p:sp>
+          <p:nvSpPr>
+            <p:cNvPr id="41" name="TextBox 40">
+              <a:extLst>
+                <a:ext uri="{FF2B5EF4-FFF2-40B4-BE49-F238E27FC236}">
+                  <a16:creationId xmlns:a16="http://schemas.microsoft.com/office/drawing/2014/main" id="{EB7B5116-123B-021D-7FC0-00950BFF8AB4}"/>
+                </a:ext>
+              </a:extLst>
+            </p:cNvPr>
+            <p:cNvSpPr txBox="1"/>
+            <p:nvPr/>
+          </p:nvSpPr>
+          <p:spPr>
+            <a:xfrm>
+              <a:off x="10334098" y="4510987"/>
+              <a:ext cx="1486554" cy="345050"/>
+            </a:xfrm>
+            <a:prstGeom prst="plaque">
+              <a:avLst/>
+            </a:prstGeom>
+            <a:solidFill>
+              <a:srgbClr val="586D3D"/>
+            </a:solidFill>
+            <a:ln>
+              <a:solidFill>
+                <a:schemeClr val="tx1"/>
+              </a:solidFill>
+            </a:ln>
+          </p:spPr>
+          <p:txBody>
+            <a:bodyPr wrap="square" rtlCol="0">
+              <a:spAutoFit/>
+            </a:bodyPr>
+            <a:lstStyle/>
+            <a:p>
+              <a:pPr algn="ctr"/>
+              <a:endParaRPr lang="en-US" sz="500" b="1" dirty="0">
+                <a:cs typeface="Times New Roman" panose="02020603050405020304" pitchFamily="18" charset="0"/>
+              </a:endParaRPr>
+            </a:p>
+          </p:txBody>
+        </p:sp>
+        <p:sp>
+          <p:nvSpPr>
+            <p:cNvPr id="42" name="TextBox 41">
+              <a:extLst>
+                <a:ext uri="{FF2B5EF4-FFF2-40B4-BE49-F238E27FC236}">
+                  <a16:creationId xmlns:a16="http://schemas.microsoft.com/office/drawing/2014/main" id="{F6E73AB4-1E15-B489-1B53-F39A0768A265}"/>
+                </a:ext>
+              </a:extLst>
+            </p:cNvPr>
+            <p:cNvSpPr txBox="1"/>
+            <p:nvPr/>
+          </p:nvSpPr>
+          <p:spPr>
+            <a:xfrm>
+              <a:off x="10334098" y="4816003"/>
+              <a:ext cx="1486554" cy="345050"/>
+            </a:xfrm>
+            <a:prstGeom prst="plaque">
+              <a:avLst/>
+            </a:prstGeom>
+            <a:solidFill>
+              <a:srgbClr val="DACC3E"/>
+            </a:solidFill>
+            <a:ln>
+              <a:solidFill>
+                <a:schemeClr val="tx1"/>
+              </a:solidFill>
+            </a:ln>
+          </p:spPr>
+          <p:txBody>
+            <a:bodyPr wrap="square" rtlCol="0">
+              <a:spAutoFit/>
+            </a:bodyPr>
+            <a:lstStyle/>
+            <a:p>
+              <a:pPr algn="ctr"/>
+              <a:endParaRPr lang="en-US" sz="500" b="1" dirty="0">
+                <a:cs typeface="Times New Roman" panose="02020603050405020304" pitchFamily="18" charset="0"/>
+              </a:endParaRPr>
+            </a:p>
+          </p:txBody>
+        </p:sp>
+        <p:sp>
+          <p:nvSpPr>
+            <p:cNvPr id="43" name="TextBox 42">
+              <a:extLst>
+                <a:ext uri="{FF2B5EF4-FFF2-40B4-BE49-F238E27FC236}">
+                  <a16:creationId xmlns:a16="http://schemas.microsoft.com/office/drawing/2014/main" id="{A3C101C0-D6A7-4C81-0079-75BC6FAF75B1}"/>
+                </a:ext>
+              </a:extLst>
+            </p:cNvPr>
+            <p:cNvSpPr txBox="1"/>
+            <p:nvPr/>
+          </p:nvSpPr>
+          <p:spPr>
+            <a:xfrm>
+              <a:off x="10334098" y="5176842"/>
+              <a:ext cx="1486554" cy="345050"/>
+            </a:xfrm>
+            <a:prstGeom prst="plaque">
+              <a:avLst/>
+            </a:prstGeom>
+            <a:solidFill>
+              <a:srgbClr val="BCA469"/>
+            </a:solidFill>
+            <a:ln>
+              <a:solidFill>
+                <a:schemeClr val="tx1"/>
+              </a:solidFill>
+            </a:ln>
+          </p:spPr>
+          <p:txBody>
+            <a:bodyPr wrap="square" rtlCol="0">
+              <a:spAutoFit/>
+            </a:bodyPr>
+            <a:lstStyle/>
+            <a:p>
+              <a:pPr algn="ctr"/>
+              <a:endParaRPr lang="en-US" sz="500" b="1" dirty="0">
+                <a:cs typeface="Times New Roman" panose="02020603050405020304" pitchFamily="18" charset="0"/>
+              </a:endParaRPr>
+            </a:p>
+          </p:txBody>
+        </p:sp>
+        <p:sp>
+          <p:nvSpPr>
+            <p:cNvPr id="44" name="TextBox 43">
+              <a:extLst>
+                <a:ext uri="{FF2B5EF4-FFF2-40B4-BE49-F238E27FC236}">
+                  <a16:creationId xmlns:a16="http://schemas.microsoft.com/office/drawing/2014/main" id="{D7A1521A-099F-3FB7-FB0D-4ACB2AF265FD}"/>
+                </a:ext>
+              </a:extLst>
+            </p:cNvPr>
+            <p:cNvSpPr txBox="1"/>
+            <p:nvPr/>
+          </p:nvSpPr>
+          <p:spPr>
+            <a:xfrm>
+              <a:off x="7151220" y="3442773"/>
+              <a:ext cx="1486554" cy="345050"/>
+            </a:xfrm>
+            <a:prstGeom prst="plaque">
+              <a:avLst/>
+            </a:prstGeom>
+            <a:solidFill>
+              <a:srgbClr val="586D3D"/>
+            </a:solidFill>
+            <a:ln>
+              <a:solidFill>
+                <a:schemeClr val="tx1"/>
+              </a:solidFill>
+            </a:ln>
+          </p:spPr>
+          <p:txBody>
+            <a:bodyPr wrap="square" rtlCol="0">
+              <a:spAutoFit/>
+            </a:bodyPr>
+            <a:lstStyle/>
+            <a:p>
+              <a:pPr algn="ctr"/>
+              <a:endParaRPr lang="en-US" sz="500" b="1" dirty="0">
+                <a:cs typeface="Times New Roman" panose="02020603050405020304" pitchFamily="18" charset="0"/>
+              </a:endParaRPr>
+            </a:p>
+          </p:txBody>
+        </p:sp>
+        <p:sp>
+          <p:nvSpPr>
+            <p:cNvPr id="45" name="TextBox 44">
+              <a:extLst>
+                <a:ext uri="{FF2B5EF4-FFF2-40B4-BE49-F238E27FC236}">
+                  <a16:creationId xmlns:a16="http://schemas.microsoft.com/office/drawing/2014/main" id="{0E19A3FC-2697-2E33-746A-9D0E0271EEEF}"/>
+                </a:ext>
+              </a:extLst>
+            </p:cNvPr>
+            <p:cNvSpPr txBox="1"/>
+            <p:nvPr/>
+          </p:nvSpPr>
+          <p:spPr>
+            <a:xfrm>
+              <a:off x="6968668" y="6195161"/>
+              <a:ext cx="1486554" cy="345050"/>
+            </a:xfrm>
+            <a:prstGeom prst="plaque">
+              <a:avLst/>
+            </a:prstGeom>
+            <a:solidFill>
+              <a:srgbClr val="DACC3E"/>
+            </a:solidFill>
+            <a:ln>
+              <a:solidFill>
+                <a:schemeClr val="tx1"/>
+              </a:solidFill>
+            </a:ln>
+          </p:spPr>
+          <p:txBody>
+            <a:bodyPr wrap="square" rtlCol="0">
+              <a:spAutoFit/>
+            </a:bodyPr>
+            <a:lstStyle/>
+            <a:p>
+              <a:pPr algn="ctr"/>
+              <a:endParaRPr lang="en-US" sz="500" b="1" dirty="0">
+                <a:cs typeface="Times New Roman" panose="02020603050405020304" pitchFamily="18" charset="0"/>
+              </a:endParaRPr>
+            </a:p>
+          </p:txBody>
+        </p:sp>
+        <p:cxnSp>
+          <p:nvCxnSpPr>
+            <p:cNvPr id="46" name="Connector: Elbow 45">
+              <a:extLst>
+                <a:ext uri="{FF2B5EF4-FFF2-40B4-BE49-F238E27FC236}">
+                  <a16:creationId xmlns:a16="http://schemas.microsoft.com/office/drawing/2014/main" id="{3F506219-C864-C25D-C495-62746E63A34C}"/>
+                </a:ext>
+              </a:extLst>
+            </p:cNvPr>
+            <p:cNvCxnSpPr/>
+            <p:nvPr/>
+          </p:nvCxnSpPr>
+          <p:spPr>
+            <a:xfrm>
+              <a:off x="6576346" y="6026644"/>
+              <a:ext cx="392322" cy="337794"/>
             </a:xfrm>
             <a:prstGeom prst="bentConnector3">
               <a:avLst/>
@@ -6429,325 +6119,20 @@
         </p:cxnSp>
         <p:cxnSp>
           <p:nvCxnSpPr>
-            <p:cNvPr id="7" name="Connector: Elbow 6">
+            <p:cNvPr id="47" name="Connector: Elbow 46">
               <a:extLst>
                 <a:ext uri="{FF2B5EF4-FFF2-40B4-BE49-F238E27FC236}">
-                  <a16:creationId xmlns:a16="http://schemas.microsoft.com/office/drawing/2014/main" id="{50827EB1-FDFF-D84E-8F5B-1DFA8C949BDC}"/>
+                  <a16:creationId xmlns:a16="http://schemas.microsoft.com/office/drawing/2014/main" id="{479964FF-5144-B44A-E7DB-12CE08400F63}"/>
                 </a:ext>
               </a:extLst>
             </p:cNvPr>
-            <p:cNvCxnSpPr>
-              <a:cxnSpLocks/>
-              <a:stCxn id="21" idx="6"/>
-              <a:endCxn id="44" idx="1"/>
-            </p:cNvCxnSpPr>
-            <p:nvPr/>
-          </p:nvCxnSpPr>
-          <p:spPr>
-            <a:xfrm>
-              <a:off x="6511931" y="2331238"/>
-              <a:ext cx="264202" cy="33978"/>
-            </a:xfrm>
-            <a:prstGeom prst="bentConnector3">
-              <a:avLst/>
-            </a:prstGeom>
-            <a:ln>
-              <a:tailEnd type="triangle"/>
-            </a:ln>
-          </p:spPr>
-          <p:style>
-            <a:lnRef idx="2">
-              <a:schemeClr val="dk1"/>
-            </a:lnRef>
-            <a:fillRef idx="0">
-              <a:schemeClr val="dk1"/>
-            </a:fillRef>
-            <a:effectRef idx="1">
-              <a:schemeClr val="dk1"/>
-            </a:effectRef>
-            <a:fontRef idx="minor">
-              <a:schemeClr val="tx1"/>
-            </a:fontRef>
-          </p:style>
-        </p:cxnSp>
-        <p:cxnSp>
-          <p:nvCxnSpPr>
-            <p:cNvPr id="8" name="Connector: Elbow 7">
-              <a:extLst>
-                <a:ext uri="{FF2B5EF4-FFF2-40B4-BE49-F238E27FC236}">
-                  <a16:creationId xmlns:a16="http://schemas.microsoft.com/office/drawing/2014/main" id="{7404018E-26C4-CAA5-31C5-B936D7AF2FC8}"/>
-                </a:ext>
-              </a:extLst>
-            </p:cNvPr>
-            <p:cNvCxnSpPr>
-              <a:cxnSpLocks/>
-              <a:stCxn id="22" idx="6"/>
-              <a:endCxn id="44" idx="1"/>
-            </p:cNvCxnSpPr>
+            <p:cNvCxnSpPr/>
             <p:nvPr/>
           </p:nvCxnSpPr>
           <p:spPr>
             <a:xfrm flipV="1">
-              <a:off x="6511931" y="2365216"/>
-              <a:ext cx="264202" cy="439955"/>
-            </a:xfrm>
-            <a:prstGeom prst="bentConnector3">
-              <a:avLst/>
-            </a:prstGeom>
-            <a:ln>
-              <a:tailEnd type="triangle"/>
-            </a:ln>
-          </p:spPr>
-          <p:style>
-            <a:lnRef idx="2">
-              <a:schemeClr val="dk1"/>
-            </a:lnRef>
-            <a:fillRef idx="0">
-              <a:schemeClr val="dk1"/>
-            </a:fillRef>
-            <a:effectRef idx="1">
-              <a:schemeClr val="dk1"/>
-            </a:effectRef>
-            <a:fontRef idx="minor">
-              <a:schemeClr val="tx1"/>
-            </a:fontRef>
-          </p:style>
-        </p:cxnSp>
-        <p:cxnSp>
-          <p:nvCxnSpPr>
-            <p:cNvPr id="9" name="Connector: Elbow 8">
-              <a:extLst>
-                <a:ext uri="{FF2B5EF4-FFF2-40B4-BE49-F238E27FC236}">
-                  <a16:creationId xmlns:a16="http://schemas.microsoft.com/office/drawing/2014/main" id="{4E504F46-0E55-DEB4-0D37-40FD63C73D24}"/>
-                </a:ext>
-              </a:extLst>
-            </p:cNvPr>
-            <p:cNvCxnSpPr>
-              <a:cxnSpLocks/>
-              <a:stCxn id="26" idx="6"/>
-              <a:endCxn id="40" idx="1"/>
-            </p:cNvCxnSpPr>
-            <p:nvPr/>
-          </p:nvCxnSpPr>
-          <p:spPr>
-            <a:xfrm>
-              <a:off x="8704150" y="3900198"/>
-              <a:ext cx="319837" cy="170391"/>
-            </a:xfrm>
-            <a:prstGeom prst="bentConnector3">
-              <a:avLst/>
-            </a:prstGeom>
-            <a:ln>
-              <a:tailEnd type="triangle"/>
-            </a:ln>
-          </p:spPr>
-          <p:style>
-            <a:lnRef idx="2">
-              <a:schemeClr val="dk1"/>
-            </a:lnRef>
-            <a:fillRef idx="0">
-              <a:schemeClr val="dk1"/>
-            </a:fillRef>
-            <a:effectRef idx="1">
-              <a:schemeClr val="dk1"/>
-            </a:effectRef>
-            <a:fontRef idx="minor">
-              <a:schemeClr val="tx1"/>
-            </a:fontRef>
-          </p:style>
-        </p:cxnSp>
-        <p:cxnSp>
-          <p:nvCxnSpPr>
-            <p:cNvPr id="10" name="Connector: Elbow 9">
-              <a:extLst>
-                <a:ext uri="{FF2B5EF4-FFF2-40B4-BE49-F238E27FC236}">
-                  <a16:creationId xmlns:a16="http://schemas.microsoft.com/office/drawing/2014/main" id="{C9EAB490-B3AC-0815-2504-CC3622F50228}"/>
-                </a:ext>
-              </a:extLst>
-            </p:cNvPr>
-            <p:cNvCxnSpPr>
-              <a:cxnSpLocks/>
-              <a:stCxn id="27" idx="6"/>
-              <a:endCxn id="38" idx="1"/>
-            </p:cNvCxnSpPr>
-            <p:nvPr/>
-          </p:nvCxnSpPr>
-          <p:spPr>
-            <a:xfrm flipV="1">
-              <a:off x="8713408" y="2559942"/>
-              <a:ext cx="310579" cy="429636"/>
-            </a:xfrm>
-            <a:prstGeom prst="bentConnector3">
-              <a:avLst/>
-            </a:prstGeom>
-            <a:ln>
-              <a:tailEnd type="triangle"/>
-            </a:ln>
-          </p:spPr>
-          <p:style>
-            <a:lnRef idx="2">
-              <a:schemeClr val="dk1"/>
-            </a:lnRef>
-            <a:fillRef idx="0">
-              <a:schemeClr val="dk1"/>
-            </a:fillRef>
-            <a:effectRef idx="1">
-              <a:schemeClr val="dk1"/>
-            </a:effectRef>
-            <a:fontRef idx="minor">
-              <a:schemeClr val="tx1"/>
-            </a:fontRef>
-          </p:style>
-        </p:cxnSp>
-        <p:cxnSp>
-          <p:nvCxnSpPr>
-            <p:cNvPr id="11" name="Connector: Elbow 10">
-              <a:extLst>
-                <a:ext uri="{FF2B5EF4-FFF2-40B4-BE49-F238E27FC236}">
-                  <a16:creationId xmlns:a16="http://schemas.microsoft.com/office/drawing/2014/main" id="{C5E90FC1-B18A-FB86-CAE9-CCA0D160AD07}"/>
-                </a:ext>
-              </a:extLst>
-            </p:cNvPr>
-            <p:cNvCxnSpPr>
-              <a:cxnSpLocks/>
-              <a:stCxn id="27" idx="6"/>
-              <a:endCxn id="39" idx="1"/>
-            </p:cNvCxnSpPr>
-            <p:nvPr/>
-          </p:nvCxnSpPr>
-          <p:spPr>
-            <a:xfrm flipV="1">
-              <a:off x="8713408" y="2802462"/>
-              <a:ext cx="310579" cy="187116"/>
-            </a:xfrm>
-            <a:prstGeom prst="bentConnector3">
-              <a:avLst/>
-            </a:prstGeom>
-            <a:ln>
-              <a:tailEnd type="triangle"/>
-            </a:ln>
-          </p:spPr>
-          <p:style>
-            <a:lnRef idx="2">
-              <a:schemeClr val="dk1"/>
-            </a:lnRef>
-            <a:fillRef idx="0">
-              <a:schemeClr val="dk1"/>
-            </a:fillRef>
-            <a:effectRef idx="1">
-              <a:schemeClr val="dk1"/>
-            </a:effectRef>
-            <a:fontRef idx="minor">
-              <a:schemeClr val="tx1"/>
-            </a:fontRef>
-          </p:style>
-        </p:cxnSp>
-        <p:cxnSp>
-          <p:nvCxnSpPr>
-            <p:cNvPr id="12" name="Connector: Elbow 11">
-              <a:extLst>
-                <a:ext uri="{FF2B5EF4-FFF2-40B4-BE49-F238E27FC236}">
-                  <a16:creationId xmlns:a16="http://schemas.microsoft.com/office/drawing/2014/main" id="{A14C61C0-3080-3928-F032-CB5DD7C780E4}"/>
-                </a:ext>
-              </a:extLst>
-            </p:cNvPr>
-            <p:cNvCxnSpPr>
-              <a:cxnSpLocks/>
-              <a:stCxn id="19" idx="6"/>
-              <a:endCxn id="41" idx="1"/>
-            </p:cNvCxnSpPr>
-            <p:nvPr/>
-          </p:nvCxnSpPr>
-          <p:spPr>
-            <a:xfrm flipV="1">
-              <a:off x="8704150" y="3156121"/>
-              <a:ext cx="338355" cy="288961"/>
-            </a:xfrm>
-            <a:prstGeom prst="bentConnector3">
-              <a:avLst/>
-            </a:prstGeom>
-            <a:ln>
-              <a:tailEnd type="triangle"/>
-            </a:ln>
-          </p:spPr>
-          <p:style>
-            <a:lnRef idx="2">
-              <a:schemeClr val="dk1"/>
-            </a:lnRef>
-            <a:fillRef idx="0">
-              <a:schemeClr val="dk1"/>
-            </a:fillRef>
-            <a:effectRef idx="1">
-              <a:schemeClr val="dk1"/>
-            </a:effectRef>
-            <a:fontRef idx="minor">
-              <a:schemeClr val="tx1"/>
-            </a:fontRef>
-          </p:style>
-        </p:cxnSp>
-        <p:cxnSp>
-          <p:nvCxnSpPr>
-            <p:cNvPr id="13" name="Connector: Elbow 12">
-              <a:extLst>
-                <a:ext uri="{FF2B5EF4-FFF2-40B4-BE49-F238E27FC236}">
-                  <a16:creationId xmlns:a16="http://schemas.microsoft.com/office/drawing/2014/main" id="{168DADA8-D901-95D9-6F5D-05CA572909E1}"/>
-                </a:ext>
-              </a:extLst>
-            </p:cNvPr>
-            <p:cNvCxnSpPr>
-              <a:cxnSpLocks/>
-              <a:stCxn id="19" idx="6"/>
-              <a:endCxn id="42" idx="1"/>
-            </p:cNvCxnSpPr>
-            <p:nvPr/>
-          </p:nvCxnSpPr>
-          <p:spPr>
-            <a:xfrm flipV="1">
-              <a:off x="8704150" y="3393238"/>
-              <a:ext cx="338355" cy="51844"/>
-            </a:xfrm>
-            <a:prstGeom prst="bentConnector3">
-              <a:avLst/>
-            </a:prstGeom>
-            <a:ln>
-              <a:tailEnd type="triangle"/>
-            </a:ln>
-          </p:spPr>
-          <p:style>
-            <a:lnRef idx="2">
-              <a:schemeClr val="dk1"/>
-            </a:lnRef>
-            <a:fillRef idx="0">
-              <a:schemeClr val="dk1"/>
-            </a:fillRef>
-            <a:effectRef idx="1">
-              <a:schemeClr val="dk1"/>
-            </a:effectRef>
-            <a:fontRef idx="minor">
-              <a:schemeClr val="tx1"/>
-            </a:fontRef>
-          </p:style>
-        </p:cxnSp>
-        <p:cxnSp>
-          <p:nvCxnSpPr>
-            <p:cNvPr id="14" name="Connector: Elbow 13">
-              <a:extLst>
-                <a:ext uri="{FF2B5EF4-FFF2-40B4-BE49-F238E27FC236}">
-                  <a16:creationId xmlns:a16="http://schemas.microsoft.com/office/drawing/2014/main" id="{A849BC2B-D21A-7761-E0CA-9A1AB219A9CC}"/>
-                </a:ext>
-              </a:extLst>
-            </p:cNvPr>
-            <p:cNvCxnSpPr>
-              <a:cxnSpLocks/>
-              <a:stCxn id="19" idx="6"/>
-              <a:endCxn id="43" idx="1"/>
-            </p:cNvCxnSpPr>
-            <p:nvPr/>
-          </p:nvCxnSpPr>
-          <p:spPr>
-            <a:xfrm>
-              <a:off x="8704150" y="3445082"/>
-              <a:ext cx="338355" cy="228669"/>
+              <a:off x="6576346" y="6364438"/>
+              <a:ext cx="392322" cy="277972"/>
             </a:xfrm>
             <a:prstGeom prst="bentConnector3">
               <a:avLst/>
@@ -6772,6 +6157,393 @@
           </p:style>
         </p:cxnSp>
       </p:grpSp>
+      <p:cxnSp>
+        <p:nvCxnSpPr>
+          <p:cNvPr id="6" name="Connector: Elbow 5">
+            <a:extLst>
+              <a:ext uri="{FF2B5EF4-FFF2-40B4-BE49-F238E27FC236}">
+                <a16:creationId xmlns:a16="http://schemas.microsoft.com/office/drawing/2014/main" id="{25680596-8994-531E-F5D2-05682215E671}"/>
+              </a:ext>
+            </a:extLst>
+          </p:cNvPr>
+          <p:cNvCxnSpPr>
+            <a:cxnSpLocks/>
+            <a:stCxn id="20" idx="6"/>
+            <a:endCxn id="44" idx="1"/>
+          </p:cNvCxnSpPr>
+          <p:nvPr/>
+        </p:nvCxnSpPr>
+        <p:spPr>
+          <a:xfrm>
+            <a:off x="3768956" y="1272370"/>
+            <a:ext cx="338618" cy="384210"/>
+          </a:xfrm>
+          <a:prstGeom prst="bentConnector3">
+            <a:avLst/>
+          </a:prstGeom>
+          <a:ln>
+            <a:tailEnd type="triangle"/>
+          </a:ln>
+        </p:spPr>
+        <p:style>
+          <a:lnRef idx="2">
+            <a:schemeClr val="dk1"/>
+          </a:lnRef>
+          <a:fillRef idx="0">
+            <a:schemeClr val="dk1"/>
+          </a:fillRef>
+          <a:effectRef idx="1">
+            <a:schemeClr val="dk1"/>
+          </a:effectRef>
+          <a:fontRef idx="minor">
+            <a:schemeClr val="tx1"/>
+          </a:fontRef>
+        </p:style>
+      </p:cxnSp>
+      <p:cxnSp>
+        <p:nvCxnSpPr>
+          <p:cNvPr id="7" name="Connector: Elbow 6">
+            <a:extLst>
+              <a:ext uri="{FF2B5EF4-FFF2-40B4-BE49-F238E27FC236}">
+                <a16:creationId xmlns:a16="http://schemas.microsoft.com/office/drawing/2014/main" id="{50827EB1-FDFF-D84E-8F5B-1DFA8C949BDC}"/>
+              </a:ext>
+            </a:extLst>
+          </p:cNvPr>
+          <p:cNvCxnSpPr>
+            <a:cxnSpLocks/>
+            <a:stCxn id="21" idx="6"/>
+            <a:endCxn id="44" idx="1"/>
+          </p:cNvCxnSpPr>
+          <p:nvPr/>
+        </p:nvCxnSpPr>
+        <p:spPr>
+          <a:xfrm flipV="1">
+            <a:off x="3768956" y="1656580"/>
+            <a:ext cx="338618" cy="4543"/>
+          </a:xfrm>
+          <a:prstGeom prst="bentConnector3">
+            <a:avLst/>
+          </a:prstGeom>
+          <a:ln>
+            <a:tailEnd type="triangle"/>
+          </a:ln>
+        </p:spPr>
+        <p:style>
+          <a:lnRef idx="2">
+            <a:schemeClr val="dk1"/>
+          </a:lnRef>
+          <a:fillRef idx="0">
+            <a:schemeClr val="dk1"/>
+          </a:fillRef>
+          <a:effectRef idx="1">
+            <a:schemeClr val="dk1"/>
+          </a:effectRef>
+          <a:fontRef idx="minor">
+            <a:schemeClr val="tx1"/>
+          </a:fontRef>
+        </p:style>
+      </p:cxnSp>
+      <p:cxnSp>
+        <p:nvCxnSpPr>
+          <p:cNvPr id="8" name="Connector: Elbow 7">
+            <a:extLst>
+              <a:ext uri="{FF2B5EF4-FFF2-40B4-BE49-F238E27FC236}">
+                <a16:creationId xmlns:a16="http://schemas.microsoft.com/office/drawing/2014/main" id="{7404018E-26C4-CAA5-31C5-B936D7AF2FC8}"/>
+              </a:ext>
+            </a:extLst>
+          </p:cNvPr>
+          <p:cNvCxnSpPr>
+            <a:cxnSpLocks/>
+            <a:stCxn id="22" idx="6"/>
+            <a:endCxn id="44" idx="1"/>
+          </p:cNvCxnSpPr>
+          <p:nvPr/>
+        </p:nvCxnSpPr>
+        <p:spPr>
+          <a:xfrm flipV="1">
+            <a:off x="3768956" y="1656580"/>
+            <a:ext cx="338618" cy="393295"/>
+          </a:xfrm>
+          <a:prstGeom prst="bentConnector3">
+            <a:avLst/>
+          </a:prstGeom>
+          <a:ln>
+            <a:tailEnd type="triangle"/>
+          </a:ln>
+        </p:spPr>
+        <p:style>
+          <a:lnRef idx="2">
+            <a:schemeClr val="dk1"/>
+          </a:lnRef>
+          <a:fillRef idx="0">
+            <a:schemeClr val="dk1"/>
+          </a:fillRef>
+          <a:effectRef idx="1">
+            <a:schemeClr val="dk1"/>
+          </a:effectRef>
+          <a:fontRef idx="minor">
+            <a:schemeClr val="tx1"/>
+          </a:fontRef>
+        </p:style>
+      </p:cxnSp>
+      <p:cxnSp>
+        <p:nvCxnSpPr>
+          <p:cNvPr id="9" name="Connector: Elbow 8">
+            <a:extLst>
+              <a:ext uri="{FF2B5EF4-FFF2-40B4-BE49-F238E27FC236}">
+                <a16:creationId xmlns:a16="http://schemas.microsoft.com/office/drawing/2014/main" id="{4E504F46-0E55-DEB4-0D37-40FD63C73D24}"/>
+              </a:ext>
+            </a:extLst>
+          </p:cNvPr>
+          <p:cNvCxnSpPr>
+            <a:cxnSpLocks/>
+            <a:stCxn id="26" idx="6"/>
+            <a:endCxn id="40" idx="1"/>
+          </p:cNvCxnSpPr>
+          <p:nvPr/>
+        </p:nvCxnSpPr>
+        <p:spPr>
+          <a:xfrm>
+            <a:off x="5686430" y="2948091"/>
+            <a:ext cx="279752" cy="139766"/>
+          </a:xfrm>
+          <a:prstGeom prst="bentConnector3">
+            <a:avLst/>
+          </a:prstGeom>
+          <a:ln>
+            <a:tailEnd type="triangle"/>
+          </a:ln>
+        </p:spPr>
+        <p:style>
+          <a:lnRef idx="2">
+            <a:schemeClr val="dk1"/>
+          </a:lnRef>
+          <a:fillRef idx="0">
+            <a:schemeClr val="dk1"/>
+          </a:fillRef>
+          <a:effectRef idx="1">
+            <a:schemeClr val="dk1"/>
+          </a:effectRef>
+          <a:fontRef idx="minor">
+            <a:schemeClr val="tx1"/>
+          </a:fontRef>
+        </p:style>
+      </p:cxnSp>
+      <p:cxnSp>
+        <p:nvCxnSpPr>
+          <p:cNvPr id="10" name="Connector: Elbow 9">
+            <a:extLst>
+              <a:ext uri="{FF2B5EF4-FFF2-40B4-BE49-F238E27FC236}">
+                <a16:creationId xmlns:a16="http://schemas.microsoft.com/office/drawing/2014/main" id="{C9EAB490-B3AC-0815-2504-CC3622F50228}"/>
+              </a:ext>
+            </a:extLst>
+          </p:cNvPr>
+          <p:cNvCxnSpPr>
+            <a:cxnSpLocks/>
+            <a:stCxn id="27" idx="6"/>
+            <a:endCxn id="38" idx="1"/>
+          </p:cNvCxnSpPr>
+          <p:nvPr/>
+        </p:nvCxnSpPr>
+        <p:spPr>
+          <a:xfrm flipV="1">
+            <a:off x="5694527" y="1848721"/>
+            <a:ext cx="271655" cy="352417"/>
+          </a:xfrm>
+          <a:prstGeom prst="bentConnector3">
+            <a:avLst/>
+          </a:prstGeom>
+          <a:ln>
+            <a:tailEnd type="triangle"/>
+          </a:ln>
+        </p:spPr>
+        <p:style>
+          <a:lnRef idx="2">
+            <a:schemeClr val="dk1"/>
+          </a:lnRef>
+          <a:fillRef idx="0">
+            <a:schemeClr val="dk1"/>
+          </a:fillRef>
+          <a:effectRef idx="1">
+            <a:schemeClr val="dk1"/>
+          </a:effectRef>
+          <a:fontRef idx="minor">
+            <a:schemeClr val="tx1"/>
+          </a:fontRef>
+        </p:style>
+      </p:cxnSp>
+      <p:cxnSp>
+        <p:nvCxnSpPr>
+          <p:cNvPr id="11" name="Connector: Elbow 10">
+            <a:extLst>
+              <a:ext uri="{FF2B5EF4-FFF2-40B4-BE49-F238E27FC236}">
+                <a16:creationId xmlns:a16="http://schemas.microsoft.com/office/drawing/2014/main" id="{C5E90FC1-B18A-FB86-CAE9-CCA0D160AD07}"/>
+              </a:ext>
+            </a:extLst>
+          </p:cNvPr>
+          <p:cNvCxnSpPr>
+            <a:cxnSpLocks/>
+            <a:stCxn id="27" idx="6"/>
+            <a:endCxn id="39" idx="1"/>
+          </p:cNvCxnSpPr>
+          <p:nvPr/>
+        </p:nvCxnSpPr>
+        <p:spPr>
+          <a:xfrm flipV="1">
+            <a:off x="5694527" y="2047653"/>
+            <a:ext cx="271655" cy="153485"/>
+          </a:xfrm>
+          <a:prstGeom prst="bentConnector3">
+            <a:avLst/>
+          </a:prstGeom>
+          <a:ln>
+            <a:tailEnd type="triangle"/>
+          </a:ln>
+        </p:spPr>
+        <p:style>
+          <a:lnRef idx="2">
+            <a:schemeClr val="dk1"/>
+          </a:lnRef>
+          <a:fillRef idx="0">
+            <a:schemeClr val="dk1"/>
+          </a:fillRef>
+          <a:effectRef idx="1">
+            <a:schemeClr val="dk1"/>
+          </a:effectRef>
+          <a:fontRef idx="minor">
+            <a:schemeClr val="tx1"/>
+          </a:fontRef>
+        </p:style>
+      </p:cxnSp>
+      <p:cxnSp>
+        <p:nvCxnSpPr>
+          <p:cNvPr id="12" name="Connector: Elbow 11">
+            <a:extLst>
+              <a:ext uri="{FF2B5EF4-FFF2-40B4-BE49-F238E27FC236}">
+                <a16:creationId xmlns:a16="http://schemas.microsoft.com/office/drawing/2014/main" id="{A14C61C0-3080-3928-F032-CB5DD7C780E4}"/>
+              </a:ext>
+            </a:extLst>
+          </p:cNvPr>
+          <p:cNvCxnSpPr>
+            <a:cxnSpLocks/>
+            <a:stCxn id="19" idx="6"/>
+            <a:endCxn id="41" idx="1"/>
+          </p:cNvCxnSpPr>
+          <p:nvPr/>
+        </p:nvCxnSpPr>
+        <p:spPr>
+          <a:xfrm flipV="1">
+            <a:off x="5686430" y="2337748"/>
+            <a:ext cx="295949" cy="237026"/>
+          </a:xfrm>
+          <a:prstGeom prst="bentConnector3">
+            <a:avLst/>
+          </a:prstGeom>
+          <a:ln>
+            <a:tailEnd type="triangle"/>
+          </a:ln>
+        </p:spPr>
+        <p:style>
+          <a:lnRef idx="2">
+            <a:schemeClr val="dk1"/>
+          </a:lnRef>
+          <a:fillRef idx="0">
+            <a:schemeClr val="dk1"/>
+          </a:fillRef>
+          <a:effectRef idx="1">
+            <a:schemeClr val="dk1"/>
+          </a:effectRef>
+          <a:fontRef idx="minor">
+            <a:schemeClr val="tx1"/>
+          </a:fontRef>
+        </p:style>
+      </p:cxnSp>
+      <p:cxnSp>
+        <p:nvCxnSpPr>
+          <p:cNvPr id="13" name="Connector: Elbow 12">
+            <a:extLst>
+              <a:ext uri="{FF2B5EF4-FFF2-40B4-BE49-F238E27FC236}">
+                <a16:creationId xmlns:a16="http://schemas.microsoft.com/office/drawing/2014/main" id="{168DADA8-D901-95D9-6F5D-05CA572909E1}"/>
+              </a:ext>
+            </a:extLst>
+          </p:cNvPr>
+          <p:cNvCxnSpPr>
+            <a:cxnSpLocks/>
+            <a:stCxn id="19" idx="6"/>
+            <a:endCxn id="42" idx="1"/>
+          </p:cNvCxnSpPr>
+          <p:nvPr/>
+        </p:nvCxnSpPr>
+        <p:spPr>
+          <a:xfrm flipV="1">
+            <a:off x="5686430" y="2532248"/>
+            <a:ext cx="295949" cy="42526"/>
+          </a:xfrm>
+          <a:prstGeom prst="bentConnector3">
+            <a:avLst/>
+          </a:prstGeom>
+          <a:ln>
+            <a:tailEnd type="triangle"/>
+          </a:ln>
+        </p:spPr>
+        <p:style>
+          <a:lnRef idx="2">
+            <a:schemeClr val="dk1"/>
+          </a:lnRef>
+          <a:fillRef idx="0">
+            <a:schemeClr val="dk1"/>
+          </a:fillRef>
+          <a:effectRef idx="1">
+            <a:schemeClr val="dk1"/>
+          </a:effectRef>
+          <a:fontRef idx="minor">
+            <a:schemeClr val="tx1"/>
+          </a:fontRef>
+        </p:style>
+      </p:cxnSp>
+      <p:cxnSp>
+        <p:nvCxnSpPr>
+          <p:cNvPr id="14" name="Connector: Elbow 13">
+            <a:extLst>
+              <a:ext uri="{FF2B5EF4-FFF2-40B4-BE49-F238E27FC236}">
+                <a16:creationId xmlns:a16="http://schemas.microsoft.com/office/drawing/2014/main" id="{A849BC2B-D21A-7761-E0CA-9A1AB219A9CC}"/>
+              </a:ext>
+            </a:extLst>
+          </p:cNvPr>
+          <p:cNvCxnSpPr>
+            <a:cxnSpLocks/>
+            <a:stCxn id="19" idx="6"/>
+            <a:endCxn id="43" idx="1"/>
+          </p:cNvCxnSpPr>
+          <p:nvPr/>
+        </p:nvCxnSpPr>
+        <p:spPr>
+          <a:xfrm>
+            <a:off x="5686430" y="2574774"/>
+            <a:ext cx="295949" cy="187570"/>
+          </a:xfrm>
+          <a:prstGeom prst="bentConnector3">
+            <a:avLst/>
+          </a:prstGeom>
+          <a:ln>
+            <a:tailEnd type="triangle"/>
+          </a:ln>
+        </p:spPr>
+        <p:style>
+          <a:lnRef idx="2">
+            <a:schemeClr val="dk1"/>
+          </a:lnRef>
+          <a:fillRef idx="0">
+            <a:schemeClr val="dk1"/>
+          </a:fillRef>
+          <a:effectRef idx="1">
+            <a:schemeClr val="dk1"/>
+          </a:effectRef>
+          <a:fontRef idx="minor">
+            <a:schemeClr val="tx1"/>
+          </a:fontRef>
+        </p:style>
+      </p:cxnSp>
       <p:sp>
         <p:nvSpPr>
           <p:cNvPr id="48" name="TextBox 47">
@@ -6809,12 +6581,913 @@
           </a:p>
         </p:txBody>
       </p:sp>
+      <p:sp>
+        <p:nvSpPr>
+          <p:cNvPr id="78" name="TextBox 77">
+            <a:extLst>
+              <a:ext uri="{FF2B5EF4-FFF2-40B4-BE49-F238E27FC236}">
+                <a16:creationId xmlns:a16="http://schemas.microsoft.com/office/drawing/2014/main" id="{919776F6-5BBC-3724-53E6-FCBAFC266874}"/>
+              </a:ext>
+            </a:extLst>
+          </p:cNvPr>
+          <p:cNvSpPr txBox="1"/>
+          <p:nvPr/>
+        </p:nvSpPr>
+        <p:spPr>
+          <a:xfrm>
+            <a:off x="88495" y="902719"/>
+            <a:ext cx="610368" cy="369332"/>
+          </a:xfrm>
+          <a:prstGeom prst="rect">
+            <a:avLst/>
+          </a:prstGeom>
+          <a:noFill/>
+        </p:spPr>
+        <p:txBody>
+          <a:bodyPr wrap="square" rtlCol="0">
+            <a:spAutoFit/>
+          </a:bodyPr>
+          <a:lstStyle/>
+          <a:p>
+            <a:r>
+              <a:rPr lang="en-US" dirty="0"/>
+              <a:t>(A)</a:t>
+            </a:r>
+          </a:p>
+        </p:txBody>
+      </p:sp>
+      <p:sp>
+        <p:nvSpPr>
+          <p:cNvPr id="79" name="TextBox 78">
+            <a:extLst>
+              <a:ext uri="{FF2B5EF4-FFF2-40B4-BE49-F238E27FC236}">
+                <a16:creationId xmlns:a16="http://schemas.microsoft.com/office/drawing/2014/main" id="{6C57D60C-9129-0FEE-F0E6-7B3A5CD29B39}"/>
+              </a:ext>
+            </a:extLst>
+          </p:cNvPr>
+          <p:cNvSpPr txBox="1"/>
+          <p:nvPr/>
+        </p:nvSpPr>
+        <p:spPr>
+          <a:xfrm>
+            <a:off x="88495" y="4388776"/>
+            <a:ext cx="610368" cy="369332"/>
+          </a:xfrm>
+          <a:prstGeom prst="rect">
+            <a:avLst/>
+          </a:prstGeom>
+          <a:noFill/>
+        </p:spPr>
+        <p:txBody>
+          <a:bodyPr wrap="square" rtlCol="0">
+            <a:spAutoFit/>
+          </a:bodyPr>
+          <a:lstStyle/>
+          <a:p>
+            <a:r>
+              <a:rPr lang="en-US" dirty="0"/>
+              <a:t>(B)</a:t>
+            </a:r>
+          </a:p>
+        </p:txBody>
+      </p:sp>
+      <p:sp>
+        <p:nvSpPr>
+          <p:cNvPr id="54" name="TextBox 53">
+            <a:extLst>
+              <a:ext uri="{FF2B5EF4-FFF2-40B4-BE49-F238E27FC236}">
+                <a16:creationId xmlns:a16="http://schemas.microsoft.com/office/drawing/2014/main" id="{5A0159D7-1F38-FB63-1850-1E81F360E7E0}"/>
+              </a:ext>
+            </a:extLst>
+          </p:cNvPr>
+          <p:cNvSpPr txBox="1"/>
+          <p:nvPr/>
+        </p:nvSpPr>
+        <p:spPr>
+          <a:xfrm>
+            <a:off x="1341840" y="1609686"/>
+            <a:ext cx="1393678" cy="246221"/>
+          </a:xfrm>
+          <a:prstGeom prst="rect">
+            <a:avLst/>
+          </a:prstGeom>
+          <a:noFill/>
+        </p:spPr>
+        <p:txBody>
+          <a:bodyPr wrap="square" rtlCol="0">
+            <a:spAutoFit/>
+          </a:bodyPr>
+          <a:lstStyle/>
+          <a:p>
+            <a:pPr algn="ctr"/>
+            <a:r>
+              <a:rPr lang="en-US" sz="1000" b="1" dirty="0"/>
+              <a:t>Archaeplastida</a:t>
+            </a:r>
+          </a:p>
+        </p:txBody>
+      </p:sp>
+      <p:sp>
+        <p:nvSpPr>
+          <p:cNvPr id="55" name="TextBox 54">
+            <a:extLst>
+              <a:ext uri="{FF2B5EF4-FFF2-40B4-BE49-F238E27FC236}">
+                <a16:creationId xmlns:a16="http://schemas.microsoft.com/office/drawing/2014/main" id="{C93E895F-04D2-E0D7-24BF-BC36520E3CE5}"/>
+              </a:ext>
+            </a:extLst>
+          </p:cNvPr>
+          <p:cNvSpPr txBox="1"/>
+          <p:nvPr/>
+        </p:nvSpPr>
+        <p:spPr>
+          <a:xfrm>
+            <a:off x="1312268" y="2461910"/>
+            <a:ext cx="1393678" cy="246221"/>
+          </a:xfrm>
+          <a:prstGeom prst="rect">
+            <a:avLst/>
+          </a:prstGeom>
+          <a:noFill/>
+        </p:spPr>
+        <p:txBody>
+          <a:bodyPr wrap="square" rtlCol="0">
+            <a:spAutoFit/>
+          </a:bodyPr>
+          <a:lstStyle/>
+          <a:p>
+            <a:pPr algn="ctr"/>
+            <a:r>
+              <a:rPr lang="en-US" sz="1000" b="1" dirty="0"/>
+              <a:t>SAR</a:t>
+            </a:r>
+          </a:p>
+        </p:txBody>
+      </p:sp>
+      <p:sp>
+        <p:nvSpPr>
+          <p:cNvPr id="56" name="TextBox 55">
+            <a:extLst>
+              <a:ext uri="{FF2B5EF4-FFF2-40B4-BE49-F238E27FC236}">
+                <a16:creationId xmlns:a16="http://schemas.microsoft.com/office/drawing/2014/main" id="{0B9CF0F7-AB42-3AEB-57B0-A6B509349ADD}"/>
+              </a:ext>
+            </a:extLst>
+          </p:cNvPr>
+          <p:cNvSpPr txBox="1"/>
+          <p:nvPr/>
+        </p:nvSpPr>
+        <p:spPr>
+          <a:xfrm>
+            <a:off x="1312268" y="3318844"/>
+            <a:ext cx="1393678" cy="246221"/>
+          </a:xfrm>
+          <a:prstGeom prst="rect">
+            <a:avLst/>
+          </a:prstGeom>
+          <a:noFill/>
+        </p:spPr>
+        <p:txBody>
+          <a:bodyPr wrap="square" rtlCol="0">
+            <a:spAutoFit/>
+          </a:bodyPr>
+          <a:lstStyle/>
+          <a:p>
+            <a:pPr algn="ctr"/>
+            <a:r>
+              <a:rPr lang="en-US" sz="1000" b="1" dirty="0"/>
+              <a:t>Excavates</a:t>
+            </a:r>
+          </a:p>
+        </p:txBody>
+      </p:sp>
+      <p:sp>
+        <p:nvSpPr>
+          <p:cNvPr id="57" name="TextBox 56">
+            <a:extLst>
+              <a:ext uri="{FF2B5EF4-FFF2-40B4-BE49-F238E27FC236}">
+                <a16:creationId xmlns:a16="http://schemas.microsoft.com/office/drawing/2014/main" id="{712D587E-2477-97EC-DD72-0AE6B60DD4B5}"/>
+              </a:ext>
+            </a:extLst>
+          </p:cNvPr>
+          <p:cNvSpPr txBox="1"/>
+          <p:nvPr/>
+        </p:nvSpPr>
+        <p:spPr>
+          <a:xfrm>
+            <a:off x="-308119" y="2456272"/>
+            <a:ext cx="1393678" cy="246221"/>
+          </a:xfrm>
+          <a:prstGeom prst="rect">
+            <a:avLst/>
+          </a:prstGeom>
+          <a:noFill/>
+        </p:spPr>
+        <p:txBody>
+          <a:bodyPr wrap="square" rtlCol="0">
+            <a:spAutoFit/>
+          </a:bodyPr>
+          <a:lstStyle/>
+          <a:p>
+            <a:pPr algn="ctr"/>
+            <a:r>
+              <a:rPr lang="en-US" sz="1000" b="1" dirty="0"/>
+              <a:t>LECA</a:t>
+            </a:r>
+          </a:p>
+        </p:txBody>
+      </p:sp>
+      <p:sp>
+        <p:nvSpPr>
+          <p:cNvPr id="60" name="TextBox 59">
+            <a:extLst>
+              <a:ext uri="{FF2B5EF4-FFF2-40B4-BE49-F238E27FC236}">
+                <a16:creationId xmlns:a16="http://schemas.microsoft.com/office/drawing/2014/main" id="{BA15EFB5-82DB-812C-4441-4B35311C951A}"/>
+              </a:ext>
+            </a:extLst>
+          </p:cNvPr>
+          <p:cNvSpPr txBox="1"/>
+          <p:nvPr/>
+        </p:nvSpPr>
+        <p:spPr>
+          <a:xfrm>
+            <a:off x="2615999" y="3459590"/>
+            <a:ext cx="1393678" cy="246221"/>
+          </a:xfrm>
+          <a:prstGeom prst="rect">
+            <a:avLst/>
+          </a:prstGeom>
+          <a:noFill/>
+        </p:spPr>
+        <p:txBody>
+          <a:bodyPr wrap="square" rtlCol="0">
+            <a:spAutoFit/>
+          </a:bodyPr>
+          <a:lstStyle/>
+          <a:p>
+            <a:pPr algn="ctr"/>
+            <a:r>
+              <a:rPr lang="en-US" sz="1000" b="1" dirty="0" err="1"/>
+              <a:t>Metamonada</a:t>
+            </a:r>
+            <a:endParaRPr lang="en-US" sz="1000" b="1" dirty="0"/>
+          </a:p>
+        </p:txBody>
+      </p:sp>
+      <p:sp>
+        <p:nvSpPr>
+          <p:cNvPr id="62" name="TextBox 61">
+            <a:extLst>
+              <a:ext uri="{FF2B5EF4-FFF2-40B4-BE49-F238E27FC236}">
+                <a16:creationId xmlns:a16="http://schemas.microsoft.com/office/drawing/2014/main" id="{342A2496-E158-D73B-7A54-74EA2A7AC709}"/>
+              </a:ext>
+            </a:extLst>
+          </p:cNvPr>
+          <p:cNvSpPr txBox="1"/>
+          <p:nvPr/>
+        </p:nvSpPr>
+        <p:spPr>
+          <a:xfrm>
+            <a:off x="2633128" y="3068903"/>
+            <a:ext cx="1393678" cy="246221"/>
+          </a:xfrm>
+          <a:prstGeom prst="rect">
+            <a:avLst/>
+          </a:prstGeom>
+          <a:noFill/>
+        </p:spPr>
+        <p:txBody>
+          <a:bodyPr wrap="square" rtlCol="0">
+            <a:spAutoFit/>
+          </a:bodyPr>
+          <a:lstStyle/>
+          <a:p>
+            <a:pPr algn="ctr"/>
+            <a:r>
+              <a:rPr lang="en-US" sz="1000" b="1" dirty="0" err="1"/>
+              <a:t>Discoba</a:t>
+            </a:r>
+            <a:endParaRPr lang="en-US" sz="1000" b="1" dirty="0"/>
+          </a:p>
+        </p:txBody>
+      </p:sp>
+      <p:sp>
+        <p:nvSpPr>
+          <p:cNvPr id="63" name="TextBox 62">
+            <a:extLst>
+              <a:ext uri="{FF2B5EF4-FFF2-40B4-BE49-F238E27FC236}">
+                <a16:creationId xmlns:a16="http://schemas.microsoft.com/office/drawing/2014/main" id="{EA6B6C5E-A678-35A9-6570-B04141886993}"/>
+              </a:ext>
+            </a:extLst>
+          </p:cNvPr>
+          <p:cNvSpPr txBox="1"/>
+          <p:nvPr/>
+        </p:nvSpPr>
+        <p:spPr>
+          <a:xfrm>
+            <a:off x="3740316" y="3277862"/>
+            <a:ext cx="1393678" cy="246221"/>
+          </a:xfrm>
+          <a:prstGeom prst="rect">
+            <a:avLst/>
+          </a:prstGeom>
+          <a:noFill/>
+        </p:spPr>
+        <p:txBody>
+          <a:bodyPr wrap="square" rtlCol="0">
+            <a:spAutoFit/>
+          </a:bodyPr>
+          <a:lstStyle/>
+          <a:p>
+            <a:pPr algn="ctr"/>
+            <a:r>
+              <a:rPr lang="en-US" sz="1000" b="1" dirty="0"/>
+              <a:t>TORC 1&amp;2</a:t>
+            </a:r>
+          </a:p>
+        </p:txBody>
+      </p:sp>
+      <p:sp>
+        <p:nvSpPr>
+          <p:cNvPr id="65" name="TextBox 64">
+            <a:extLst>
+              <a:ext uri="{FF2B5EF4-FFF2-40B4-BE49-F238E27FC236}">
+                <a16:creationId xmlns:a16="http://schemas.microsoft.com/office/drawing/2014/main" id="{32A02B50-BDAC-B0CD-7101-31E29CDD9A55}"/>
+              </a:ext>
+            </a:extLst>
+          </p:cNvPr>
+          <p:cNvSpPr txBox="1"/>
+          <p:nvPr/>
+        </p:nvSpPr>
+        <p:spPr>
+          <a:xfrm>
+            <a:off x="2641225" y="1931485"/>
+            <a:ext cx="1393678" cy="246221"/>
+          </a:xfrm>
+          <a:prstGeom prst="rect">
+            <a:avLst/>
+          </a:prstGeom>
+          <a:noFill/>
+        </p:spPr>
+        <p:txBody>
+          <a:bodyPr wrap="square" rtlCol="0">
+            <a:spAutoFit/>
+          </a:bodyPr>
+          <a:lstStyle/>
+          <a:p>
+            <a:pPr algn="ctr"/>
+            <a:r>
+              <a:rPr lang="en-US" sz="1000" b="1" dirty="0" err="1"/>
+              <a:t>Streptophyta</a:t>
+            </a:r>
+            <a:endParaRPr lang="en-US" sz="1000" b="1" dirty="0"/>
+          </a:p>
+        </p:txBody>
+      </p:sp>
+      <p:sp>
+        <p:nvSpPr>
+          <p:cNvPr id="66" name="TextBox 65">
+            <a:extLst>
+              <a:ext uri="{FF2B5EF4-FFF2-40B4-BE49-F238E27FC236}">
+                <a16:creationId xmlns:a16="http://schemas.microsoft.com/office/drawing/2014/main" id="{922C863F-C866-E132-D587-87C0BBCADD26}"/>
+              </a:ext>
+            </a:extLst>
+          </p:cNvPr>
+          <p:cNvSpPr txBox="1"/>
+          <p:nvPr/>
+        </p:nvSpPr>
+        <p:spPr>
+          <a:xfrm>
+            <a:off x="2651810" y="1540827"/>
+            <a:ext cx="1393678" cy="246221"/>
+          </a:xfrm>
+          <a:prstGeom prst="rect">
+            <a:avLst/>
+          </a:prstGeom>
+          <a:noFill/>
+        </p:spPr>
+        <p:txBody>
+          <a:bodyPr wrap="square" rtlCol="0">
+            <a:spAutoFit/>
+          </a:bodyPr>
+          <a:lstStyle/>
+          <a:p>
+            <a:pPr algn="ctr"/>
+            <a:r>
+              <a:rPr lang="en-US" sz="1000" b="1" dirty="0"/>
+              <a:t>Chlorophyta</a:t>
+            </a:r>
+          </a:p>
+        </p:txBody>
+      </p:sp>
+      <p:sp>
+        <p:nvSpPr>
+          <p:cNvPr id="67" name="TextBox 66">
+            <a:extLst>
+              <a:ext uri="{FF2B5EF4-FFF2-40B4-BE49-F238E27FC236}">
+                <a16:creationId xmlns:a16="http://schemas.microsoft.com/office/drawing/2014/main" id="{CABAB677-6D44-4820-708F-DF32F83B6DED}"/>
+              </a:ext>
+            </a:extLst>
+          </p:cNvPr>
+          <p:cNvSpPr txBox="1"/>
+          <p:nvPr/>
+        </p:nvSpPr>
+        <p:spPr>
+          <a:xfrm>
+            <a:off x="2625366" y="1154361"/>
+            <a:ext cx="1393678" cy="246221"/>
+          </a:xfrm>
+          <a:prstGeom prst="rect">
+            <a:avLst/>
+          </a:prstGeom>
+          <a:noFill/>
+        </p:spPr>
+        <p:txBody>
+          <a:bodyPr wrap="square" rtlCol="0">
+            <a:spAutoFit/>
+          </a:bodyPr>
+          <a:lstStyle/>
+          <a:p>
+            <a:pPr algn="ctr"/>
+            <a:r>
+              <a:rPr lang="en-US" sz="1000" b="1" dirty="0"/>
+              <a:t>Rhodophyta</a:t>
+            </a:r>
+          </a:p>
+        </p:txBody>
+      </p:sp>
+      <p:sp>
+        <p:nvSpPr>
+          <p:cNvPr id="68" name="TextBox 67">
+            <a:extLst>
+              <a:ext uri="{FF2B5EF4-FFF2-40B4-BE49-F238E27FC236}">
+                <a16:creationId xmlns:a16="http://schemas.microsoft.com/office/drawing/2014/main" id="{3C5AD2AA-EA6C-45A2-F18E-413501295D9A}"/>
+              </a:ext>
+            </a:extLst>
+          </p:cNvPr>
+          <p:cNvSpPr txBox="1"/>
+          <p:nvPr/>
+        </p:nvSpPr>
+        <p:spPr>
+          <a:xfrm>
+            <a:off x="4493470" y="2073183"/>
+            <a:ext cx="1393678" cy="246221"/>
+          </a:xfrm>
+          <a:prstGeom prst="rect">
+            <a:avLst/>
+          </a:prstGeom>
+          <a:noFill/>
+        </p:spPr>
+        <p:txBody>
+          <a:bodyPr wrap="square" rtlCol="0">
+            <a:spAutoFit/>
+          </a:bodyPr>
+          <a:lstStyle/>
+          <a:p>
+            <a:pPr algn="ctr"/>
+            <a:r>
+              <a:rPr lang="en-US" sz="1000" b="1" dirty="0" err="1"/>
+              <a:t>Stramenopiles</a:t>
+            </a:r>
+            <a:endParaRPr lang="en-US" sz="1000" b="1" dirty="0"/>
+          </a:p>
+        </p:txBody>
+      </p:sp>
+      <p:sp>
+        <p:nvSpPr>
+          <p:cNvPr id="69" name="TextBox 68">
+            <a:extLst>
+              <a:ext uri="{FF2B5EF4-FFF2-40B4-BE49-F238E27FC236}">
+                <a16:creationId xmlns:a16="http://schemas.microsoft.com/office/drawing/2014/main" id="{821B2C0B-6AA2-B162-1313-AFF6A7A5B348}"/>
+              </a:ext>
+            </a:extLst>
+          </p:cNvPr>
+          <p:cNvSpPr txBox="1"/>
+          <p:nvPr/>
+        </p:nvSpPr>
+        <p:spPr>
+          <a:xfrm>
+            <a:off x="4479518" y="2450046"/>
+            <a:ext cx="1393678" cy="246221"/>
+          </a:xfrm>
+          <a:prstGeom prst="rect">
+            <a:avLst/>
+          </a:prstGeom>
+          <a:noFill/>
+        </p:spPr>
+        <p:txBody>
+          <a:bodyPr wrap="square" rtlCol="0">
+            <a:spAutoFit/>
+          </a:bodyPr>
+          <a:lstStyle/>
+          <a:p>
+            <a:pPr algn="ctr"/>
+            <a:r>
+              <a:rPr lang="en-US" sz="1000" b="1" dirty="0" err="1"/>
+              <a:t>Alveolata</a:t>
+            </a:r>
+            <a:endParaRPr lang="en-US" sz="1000" b="1" dirty="0"/>
+          </a:p>
+        </p:txBody>
+      </p:sp>
+      <p:sp>
+        <p:nvSpPr>
+          <p:cNvPr id="70" name="TextBox 69">
+            <a:extLst>
+              <a:ext uri="{FF2B5EF4-FFF2-40B4-BE49-F238E27FC236}">
+                <a16:creationId xmlns:a16="http://schemas.microsoft.com/office/drawing/2014/main" id="{95038A66-0AF7-2CAB-A0B2-D73B73ED3A4C}"/>
+              </a:ext>
+            </a:extLst>
+          </p:cNvPr>
+          <p:cNvSpPr txBox="1"/>
+          <p:nvPr/>
+        </p:nvSpPr>
+        <p:spPr>
+          <a:xfrm>
+            <a:off x="4470910" y="2822236"/>
+            <a:ext cx="1393678" cy="246221"/>
+          </a:xfrm>
+          <a:prstGeom prst="rect">
+            <a:avLst/>
+          </a:prstGeom>
+          <a:noFill/>
+        </p:spPr>
+        <p:txBody>
+          <a:bodyPr wrap="square" rtlCol="0">
+            <a:spAutoFit/>
+          </a:bodyPr>
+          <a:lstStyle/>
+          <a:p>
+            <a:pPr algn="ctr"/>
+            <a:r>
+              <a:rPr lang="en-US" sz="1000" b="1" dirty="0" err="1"/>
+              <a:t>Rhizaria</a:t>
+            </a:r>
+            <a:endParaRPr lang="en-US" sz="1000" b="1" dirty="0"/>
+          </a:p>
+        </p:txBody>
+      </p:sp>
+      <p:sp>
+        <p:nvSpPr>
+          <p:cNvPr id="71" name="TextBox 70">
+            <a:extLst>
+              <a:ext uri="{FF2B5EF4-FFF2-40B4-BE49-F238E27FC236}">
+                <a16:creationId xmlns:a16="http://schemas.microsoft.com/office/drawing/2014/main" id="{76D1DF88-7C72-C462-1D5A-B8A7BAD7F85F}"/>
+              </a:ext>
+            </a:extLst>
+          </p:cNvPr>
+          <p:cNvSpPr txBox="1"/>
+          <p:nvPr/>
+        </p:nvSpPr>
+        <p:spPr>
+          <a:xfrm>
+            <a:off x="5694527" y="2969585"/>
+            <a:ext cx="1393678" cy="246221"/>
+          </a:xfrm>
+          <a:prstGeom prst="rect">
+            <a:avLst/>
+          </a:prstGeom>
+          <a:noFill/>
+        </p:spPr>
+        <p:txBody>
+          <a:bodyPr wrap="square" rtlCol="0">
+            <a:spAutoFit/>
+          </a:bodyPr>
+          <a:lstStyle/>
+          <a:p>
+            <a:pPr algn="ctr"/>
+            <a:r>
+              <a:rPr lang="en-US" sz="1000" b="1" dirty="0"/>
+              <a:t>TORC 1&amp;2</a:t>
+            </a:r>
+          </a:p>
+        </p:txBody>
+      </p:sp>
+      <p:sp>
+        <p:nvSpPr>
+          <p:cNvPr id="72" name="TextBox 71">
+            <a:extLst>
+              <a:ext uri="{FF2B5EF4-FFF2-40B4-BE49-F238E27FC236}">
+                <a16:creationId xmlns:a16="http://schemas.microsoft.com/office/drawing/2014/main" id="{B7F5D281-BD16-3C98-0637-F26EBB773FCA}"/>
+              </a:ext>
+            </a:extLst>
+          </p:cNvPr>
+          <p:cNvSpPr txBox="1"/>
+          <p:nvPr/>
+        </p:nvSpPr>
+        <p:spPr>
+          <a:xfrm>
+            <a:off x="5707154" y="2417745"/>
+            <a:ext cx="1393678" cy="246221"/>
+          </a:xfrm>
+          <a:prstGeom prst="rect">
+            <a:avLst/>
+          </a:prstGeom>
+          <a:noFill/>
+        </p:spPr>
+        <p:txBody>
+          <a:bodyPr wrap="square" rtlCol="0">
+            <a:spAutoFit/>
+          </a:bodyPr>
+          <a:lstStyle/>
+          <a:p>
+            <a:pPr algn="ctr"/>
+            <a:r>
+              <a:rPr lang="en-US" sz="1000" b="1" dirty="0"/>
+              <a:t>TORC 1&amp;2</a:t>
+            </a:r>
+          </a:p>
+        </p:txBody>
+      </p:sp>
+      <p:sp>
+        <p:nvSpPr>
+          <p:cNvPr id="73" name="TextBox 72">
+            <a:extLst>
+              <a:ext uri="{FF2B5EF4-FFF2-40B4-BE49-F238E27FC236}">
+                <a16:creationId xmlns:a16="http://schemas.microsoft.com/office/drawing/2014/main" id="{2FE7F955-1661-6FA3-A30C-0D7A12D76560}"/>
+              </a:ext>
+            </a:extLst>
+          </p:cNvPr>
+          <p:cNvSpPr txBox="1"/>
+          <p:nvPr/>
+        </p:nvSpPr>
+        <p:spPr>
+          <a:xfrm>
+            <a:off x="5707154" y="1926092"/>
+            <a:ext cx="1393678" cy="246221"/>
+          </a:xfrm>
+          <a:prstGeom prst="rect">
+            <a:avLst/>
+          </a:prstGeom>
+          <a:noFill/>
+        </p:spPr>
+        <p:txBody>
+          <a:bodyPr wrap="square" rtlCol="0">
+            <a:spAutoFit/>
+          </a:bodyPr>
+          <a:lstStyle/>
+          <a:p>
+            <a:pPr algn="ctr"/>
+            <a:r>
+              <a:rPr lang="en-US" sz="1000" b="1" dirty="0"/>
+              <a:t>TORC 1&amp;2</a:t>
+            </a:r>
+          </a:p>
+        </p:txBody>
+      </p:sp>
+      <p:sp>
+        <p:nvSpPr>
+          <p:cNvPr id="74" name="TextBox 73">
+            <a:extLst>
+              <a:ext uri="{FF2B5EF4-FFF2-40B4-BE49-F238E27FC236}">
+                <a16:creationId xmlns:a16="http://schemas.microsoft.com/office/drawing/2014/main" id="{1726734D-7D43-84AD-0E33-D993D62E4979}"/>
+              </a:ext>
+            </a:extLst>
+          </p:cNvPr>
+          <p:cNvSpPr txBox="1"/>
+          <p:nvPr/>
+        </p:nvSpPr>
+        <p:spPr>
+          <a:xfrm>
+            <a:off x="5622453" y="2194465"/>
+            <a:ext cx="1393678" cy="246221"/>
+          </a:xfrm>
+          <a:prstGeom prst="rect">
+            <a:avLst/>
+          </a:prstGeom>
+          <a:noFill/>
+        </p:spPr>
+        <p:txBody>
+          <a:bodyPr wrap="square" rtlCol="0">
+            <a:spAutoFit/>
+          </a:bodyPr>
+          <a:lstStyle/>
+          <a:p>
+            <a:pPr algn="ctr"/>
+            <a:r>
+              <a:rPr lang="en-US" sz="1000" b="1" dirty="0"/>
+              <a:t>TORC 1</a:t>
+            </a:r>
+          </a:p>
+        </p:txBody>
+      </p:sp>
+      <p:sp>
+        <p:nvSpPr>
+          <p:cNvPr id="75" name="TextBox 74">
+            <a:extLst>
+              <a:ext uri="{FF2B5EF4-FFF2-40B4-BE49-F238E27FC236}">
+                <a16:creationId xmlns:a16="http://schemas.microsoft.com/office/drawing/2014/main" id="{0AFBF4C9-46E4-A7D2-43C6-D64633A1B258}"/>
+              </a:ext>
+            </a:extLst>
+          </p:cNvPr>
+          <p:cNvSpPr txBox="1"/>
+          <p:nvPr/>
+        </p:nvSpPr>
+        <p:spPr>
+          <a:xfrm>
+            <a:off x="5622453" y="1724557"/>
+            <a:ext cx="1393678" cy="246221"/>
+          </a:xfrm>
+          <a:prstGeom prst="rect">
+            <a:avLst/>
+          </a:prstGeom>
+          <a:noFill/>
+        </p:spPr>
+        <p:txBody>
+          <a:bodyPr wrap="square" rtlCol="0">
+            <a:spAutoFit/>
+          </a:bodyPr>
+          <a:lstStyle/>
+          <a:p>
+            <a:pPr algn="ctr"/>
+            <a:r>
+              <a:rPr lang="en-US" sz="1000" b="1" dirty="0"/>
+              <a:t>TORC 1</a:t>
+            </a:r>
+          </a:p>
+        </p:txBody>
+      </p:sp>
+      <p:sp>
+        <p:nvSpPr>
+          <p:cNvPr id="76" name="TextBox 75">
+            <a:extLst>
+              <a:ext uri="{FF2B5EF4-FFF2-40B4-BE49-F238E27FC236}">
+                <a16:creationId xmlns:a16="http://schemas.microsoft.com/office/drawing/2014/main" id="{C34611BC-5A56-A21F-219C-36BAA446431D}"/>
+              </a:ext>
+            </a:extLst>
+          </p:cNvPr>
+          <p:cNvSpPr txBox="1"/>
+          <p:nvPr/>
+        </p:nvSpPr>
+        <p:spPr>
+          <a:xfrm>
+            <a:off x="5629069" y="2635645"/>
+            <a:ext cx="1393678" cy="246221"/>
+          </a:xfrm>
+          <a:prstGeom prst="rect">
+            <a:avLst/>
+          </a:prstGeom>
+          <a:noFill/>
+        </p:spPr>
+        <p:txBody>
+          <a:bodyPr wrap="square" rtlCol="0">
+            <a:spAutoFit/>
+          </a:bodyPr>
+          <a:lstStyle/>
+          <a:p>
+            <a:pPr algn="ctr"/>
+            <a:r>
+              <a:rPr lang="en-US" sz="1000" b="1" dirty="0"/>
+              <a:t>TORC 2</a:t>
+            </a:r>
+          </a:p>
+        </p:txBody>
+      </p:sp>
+      <p:sp>
+        <p:nvSpPr>
+          <p:cNvPr id="77" name="TextBox 76">
+            <a:extLst>
+              <a:ext uri="{FF2B5EF4-FFF2-40B4-BE49-F238E27FC236}">
+                <a16:creationId xmlns:a16="http://schemas.microsoft.com/office/drawing/2014/main" id="{700CE2E4-2F6F-1BE1-589E-96D795A566E7}"/>
+              </a:ext>
+            </a:extLst>
+          </p:cNvPr>
+          <p:cNvSpPr txBox="1"/>
+          <p:nvPr/>
+        </p:nvSpPr>
+        <p:spPr>
+          <a:xfrm>
+            <a:off x="3739838" y="1531442"/>
+            <a:ext cx="1393678" cy="246221"/>
+          </a:xfrm>
+          <a:prstGeom prst="rect">
+            <a:avLst/>
+          </a:prstGeom>
+          <a:noFill/>
+        </p:spPr>
+        <p:txBody>
+          <a:bodyPr wrap="square" rtlCol="0">
+            <a:spAutoFit/>
+          </a:bodyPr>
+          <a:lstStyle/>
+          <a:p>
+            <a:pPr algn="ctr"/>
+            <a:r>
+              <a:rPr lang="en-US" sz="1000" b="1" dirty="0"/>
+              <a:t>TORC 1</a:t>
+            </a:r>
+          </a:p>
+        </p:txBody>
+      </p:sp>
+      <p:sp>
+        <p:nvSpPr>
+          <p:cNvPr id="97" name="TextBox 96">
+            <a:extLst>
+              <a:ext uri="{FF2B5EF4-FFF2-40B4-BE49-F238E27FC236}">
+                <a16:creationId xmlns:a16="http://schemas.microsoft.com/office/drawing/2014/main" id="{8171A8BF-F791-4343-6E09-1A47797B039D}"/>
+              </a:ext>
+            </a:extLst>
+          </p:cNvPr>
+          <p:cNvSpPr txBox="1"/>
+          <p:nvPr/>
+        </p:nvSpPr>
+        <p:spPr>
+          <a:xfrm>
+            <a:off x="4131971" y="4388776"/>
+            <a:ext cx="610368" cy="369332"/>
+          </a:xfrm>
+          <a:prstGeom prst="rect">
+            <a:avLst/>
+          </a:prstGeom>
+          <a:noFill/>
+        </p:spPr>
+        <p:txBody>
+          <a:bodyPr wrap="square" rtlCol="0">
+            <a:spAutoFit/>
+          </a:bodyPr>
+          <a:lstStyle/>
+          <a:p>
+            <a:r>
+              <a:rPr lang="en-US" dirty="0"/>
+              <a:t>(C)</a:t>
+            </a:r>
+          </a:p>
+        </p:txBody>
+      </p:sp>
+      <p:sp>
+        <p:nvSpPr>
+          <p:cNvPr id="100" name="TextBox 99">
+            <a:extLst>
+              <a:ext uri="{FF2B5EF4-FFF2-40B4-BE49-F238E27FC236}">
+                <a16:creationId xmlns:a16="http://schemas.microsoft.com/office/drawing/2014/main" id="{AA6B357A-B936-7391-AE65-3A80755C3E23}"/>
+              </a:ext>
+            </a:extLst>
+          </p:cNvPr>
+          <p:cNvSpPr txBox="1"/>
+          <p:nvPr/>
+        </p:nvSpPr>
+        <p:spPr>
+          <a:xfrm>
+            <a:off x="88495" y="7867819"/>
+            <a:ext cx="610368" cy="369332"/>
+          </a:xfrm>
+          <a:prstGeom prst="rect">
+            <a:avLst/>
+          </a:prstGeom>
+          <a:noFill/>
+        </p:spPr>
+        <p:txBody>
+          <a:bodyPr wrap="square" rtlCol="0">
+            <a:spAutoFit/>
+          </a:bodyPr>
+          <a:lstStyle/>
+          <a:p>
+            <a:r>
+              <a:rPr lang="en-US" dirty="0"/>
+              <a:t>(D)</a:t>
+            </a:r>
+          </a:p>
+        </p:txBody>
+      </p:sp>
+      <p:sp>
+        <p:nvSpPr>
+          <p:cNvPr id="105" name="TextBox 104">
+            <a:extLst>
+              <a:ext uri="{FF2B5EF4-FFF2-40B4-BE49-F238E27FC236}">
+                <a16:creationId xmlns:a16="http://schemas.microsoft.com/office/drawing/2014/main" id="{1D1C0366-B660-D6B4-3DC2-604B3742F48F}"/>
+              </a:ext>
+            </a:extLst>
+          </p:cNvPr>
+          <p:cNvSpPr txBox="1"/>
+          <p:nvPr/>
+        </p:nvSpPr>
+        <p:spPr>
+          <a:xfrm>
+            <a:off x="4131971" y="7867819"/>
+            <a:ext cx="610368" cy="369332"/>
+          </a:xfrm>
+          <a:prstGeom prst="rect">
+            <a:avLst/>
+          </a:prstGeom>
+          <a:noFill/>
+        </p:spPr>
+        <p:txBody>
+          <a:bodyPr wrap="square" rtlCol="0">
+            <a:spAutoFit/>
+          </a:bodyPr>
+          <a:lstStyle/>
+          <a:p>
+            <a:r>
+              <a:rPr lang="en-US" dirty="0"/>
+              <a:t>(E)</a:t>
+            </a:r>
+          </a:p>
+        </p:txBody>
+      </p:sp>
       <p:pic>
         <p:nvPicPr>
-          <p:cNvPr id="50" name="Graphic 49">
+          <p:cNvPr id="162" name="Graphic 161">
             <a:extLst>
               <a:ext uri="{FF2B5EF4-FFF2-40B4-BE49-F238E27FC236}">
-                <a16:creationId xmlns:a16="http://schemas.microsoft.com/office/drawing/2014/main" id="{702E5F04-6DCB-9BB6-7A3E-277CB6CB7B92}"/>
+                <a16:creationId xmlns:a16="http://schemas.microsoft.com/office/drawing/2014/main" id="{D55D8DAE-E31F-B46E-460B-AB9B6B50E1AF}"/>
               </a:ext>
             </a:extLst>
           </p:cNvPr>
@@ -6837,7 +7510,7 @@
         </p:blipFill>
         <p:spPr>
           <a:xfrm>
-            <a:off x="3598375" y="7554999"/>
+            <a:off x="0" y="8237151"/>
             <a:ext cx="3048000" cy="2286000"/>
           </a:xfrm>
           <a:prstGeom prst="rect">
@@ -6845,12 +7518,156 @@
           </a:prstGeom>
         </p:spPr>
       </p:pic>
+      <p:sp>
+        <p:nvSpPr>
+          <p:cNvPr id="165" name="TextBox 164">
+            <a:extLst>
+              <a:ext uri="{FF2B5EF4-FFF2-40B4-BE49-F238E27FC236}">
+                <a16:creationId xmlns:a16="http://schemas.microsoft.com/office/drawing/2014/main" id="{1DF1029F-F280-14CE-9E6E-CE1FEB49DCA1}"/>
+              </a:ext>
+            </a:extLst>
+          </p:cNvPr>
+          <p:cNvSpPr txBox="1"/>
+          <p:nvPr/>
+        </p:nvSpPr>
+        <p:spPr>
+          <a:xfrm>
+            <a:off x="4635994" y="6890219"/>
+            <a:ext cx="1393678" cy="307777"/>
+          </a:xfrm>
+          <a:prstGeom prst="rect">
+            <a:avLst/>
+          </a:prstGeom>
+          <a:noFill/>
+        </p:spPr>
+        <p:txBody>
+          <a:bodyPr wrap="square" rtlCol="0">
+            <a:spAutoFit/>
+          </a:bodyPr>
+          <a:lstStyle/>
+          <a:p>
+            <a:pPr algn="ctr"/>
+            <a:r>
+              <a:rPr lang="en-US" sz="1400" b="1" dirty="0"/>
+              <a:t>TORC 1&amp;2</a:t>
+            </a:r>
+          </a:p>
+        </p:txBody>
+      </p:sp>
+      <p:sp>
+        <p:nvSpPr>
+          <p:cNvPr id="166" name="TextBox 165">
+            <a:extLst>
+              <a:ext uri="{FF2B5EF4-FFF2-40B4-BE49-F238E27FC236}">
+                <a16:creationId xmlns:a16="http://schemas.microsoft.com/office/drawing/2014/main" id="{2DA01361-0BB0-AF6A-97CE-69DBD0B34D3C}"/>
+              </a:ext>
+            </a:extLst>
+          </p:cNvPr>
+          <p:cNvSpPr txBox="1"/>
+          <p:nvPr/>
+        </p:nvSpPr>
+        <p:spPr>
+          <a:xfrm>
+            <a:off x="856118" y="6890219"/>
+            <a:ext cx="1393678" cy="307777"/>
+          </a:xfrm>
+          <a:prstGeom prst="rect">
+            <a:avLst/>
+          </a:prstGeom>
+          <a:noFill/>
+        </p:spPr>
+        <p:txBody>
+          <a:bodyPr wrap="square" rtlCol="0">
+            <a:spAutoFit/>
+          </a:bodyPr>
+          <a:lstStyle/>
+          <a:p>
+            <a:pPr algn="ctr"/>
+            <a:r>
+              <a:rPr lang="en-US" sz="1400" b="1" dirty="0"/>
+              <a:t>TORC 1</a:t>
+            </a:r>
+          </a:p>
+        </p:txBody>
+      </p:sp>
+      <p:sp>
+        <p:nvSpPr>
+          <p:cNvPr id="167" name="TextBox 166">
+            <a:extLst>
+              <a:ext uri="{FF2B5EF4-FFF2-40B4-BE49-F238E27FC236}">
+                <a16:creationId xmlns:a16="http://schemas.microsoft.com/office/drawing/2014/main" id="{AB324615-61D6-BEDF-281B-BC73A638A004}"/>
+              </a:ext>
+            </a:extLst>
+          </p:cNvPr>
+          <p:cNvSpPr txBox="1"/>
+          <p:nvPr/>
+        </p:nvSpPr>
+        <p:spPr>
+          <a:xfrm>
+            <a:off x="861613" y="10369262"/>
+            <a:ext cx="1393678" cy="307777"/>
+          </a:xfrm>
+          <a:prstGeom prst="rect">
+            <a:avLst/>
+          </a:prstGeom>
+          <a:noFill/>
+        </p:spPr>
+        <p:txBody>
+          <a:bodyPr wrap="square" rtlCol="0">
+            <a:spAutoFit/>
+          </a:bodyPr>
+          <a:lstStyle/>
+          <a:p>
+            <a:pPr algn="ctr"/>
+            <a:r>
+              <a:rPr lang="en-US" sz="1400" b="1" dirty="0"/>
+              <a:t>TORC 2</a:t>
+            </a:r>
+          </a:p>
+        </p:txBody>
+      </p:sp>
+      <p:sp>
+        <p:nvSpPr>
+          <p:cNvPr id="168" name="TextBox 167">
+            <a:extLst>
+              <a:ext uri="{FF2B5EF4-FFF2-40B4-BE49-F238E27FC236}">
+                <a16:creationId xmlns:a16="http://schemas.microsoft.com/office/drawing/2014/main" id="{B1E43E0E-B00B-6598-4448-F4A23B317D44}"/>
+              </a:ext>
+            </a:extLst>
+          </p:cNvPr>
+          <p:cNvSpPr txBox="1"/>
+          <p:nvPr/>
+        </p:nvSpPr>
+        <p:spPr>
+          <a:xfrm>
+            <a:off x="4635994" y="10369262"/>
+            <a:ext cx="1393678" cy="307777"/>
+          </a:xfrm>
+          <a:prstGeom prst="rect">
+            <a:avLst/>
+          </a:prstGeom>
+          <a:noFill/>
+        </p:spPr>
+        <p:txBody>
+          <a:bodyPr wrap="square" rtlCol="0">
+            <a:spAutoFit/>
+          </a:bodyPr>
+          <a:lstStyle/>
+          <a:p>
+            <a:pPr algn="ctr"/>
+            <a:r>
+              <a:rPr lang="en-US" sz="1400" b="1" dirty="0"/>
+              <a:t>Missing TORC</a:t>
+            </a:r>
+          </a:p>
+        </p:txBody>
+      </p:sp>
       <p:pic>
         <p:nvPicPr>
-          <p:cNvPr id="51" name="Graphic 50">
+          <p:cNvPr id="170" name="Graphic 169">
             <a:extLst>
               <a:ext uri="{FF2B5EF4-FFF2-40B4-BE49-F238E27FC236}">
-                <a16:creationId xmlns:a16="http://schemas.microsoft.com/office/drawing/2014/main" id="{29EEF29F-B237-E2CB-B814-C64838D4DFE2}"/>
+                <a16:creationId xmlns:a16="http://schemas.microsoft.com/office/drawing/2014/main" id="{7EBFFCE0-9B4A-BC9F-16EA-E967048B9CB9}"/>
               </a:ext>
             </a:extLst>
           </p:cNvPr>
@@ -6873,7 +7690,7 @@
         </p:blipFill>
         <p:spPr>
           <a:xfrm>
-            <a:off x="3598375" y="4910812"/>
+            <a:off x="88495" y="4669204"/>
             <a:ext cx="3048000" cy="2286000"/>
           </a:xfrm>
           <a:prstGeom prst="rect">
@@ -6883,82 +7700,10 @@
       </p:pic>
       <p:pic>
         <p:nvPicPr>
-          <p:cNvPr id="58" name="Graphic 57">
+          <p:cNvPr id="172" name="Graphic 171">
             <a:extLst>
               <a:ext uri="{FF2B5EF4-FFF2-40B4-BE49-F238E27FC236}">
-                <a16:creationId xmlns:a16="http://schemas.microsoft.com/office/drawing/2014/main" id="{34B7C881-9AD9-ECBE-2DC6-5B4B9CA43DA3}"/>
-              </a:ext>
-            </a:extLst>
-          </p:cNvPr>
-          <p:cNvPicPr>
-            <a:picLocks noChangeAspect="1"/>
-          </p:cNvPicPr>
-          <p:nvPr/>
-        </p:nvPicPr>
-        <p:blipFill>
-          <a:blip r:embed="rId2">
-            <a:extLst>
-              <a:ext uri="{96DAC541-7B7A-43D3-8B79-37D633B846F1}">
-                <asvg:svgBlip xmlns:asvg="http://schemas.microsoft.com/office/drawing/2016/SVG/main" r:embed="rId3"/>
-              </a:ext>
-            </a:extLst>
-          </a:blip>
-          <a:stretch>
-            <a:fillRect/>
-          </a:stretch>
-        </p:blipFill>
-        <p:spPr>
-          <a:xfrm>
-            <a:off x="3620463" y="7558182"/>
-            <a:ext cx="3048000" cy="2286000"/>
-          </a:xfrm>
-          <a:prstGeom prst="rect">
-            <a:avLst/>
-          </a:prstGeom>
-        </p:spPr>
-      </p:pic>
-      <p:pic>
-        <p:nvPicPr>
-          <p:cNvPr id="59" name="Graphic 58">
-            <a:extLst>
-              <a:ext uri="{FF2B5EF4-FFF2-40B4-BE49-F238E27FC236}">
-                <a16:creationId xmlns:a16="http://schemas.microsoft.com/office/drawing/2014/main" id="{2F7870F3-725D-D9B8-E762-B25A86849395}"/>
-              </a:ext>
-            </a:extLst>
-          </p:cNvPr>
-          <p:cNvPicPr>
-            <a:picLocks noChangeAspect="1"/>
-          </p:cNvPicPr>
-          <p:nvPr/>
-        </p:nvPicPr>
-        <p:blipFill>
-          <a:blip r:embed="rId4">
-            <a:extLst>
-              <a:ext uri="{96DAC541-7B7A-43D3-8B79-37D633B846F1}">
-                <asvg:svgBlip xmlns:asvg="http://schemas.microsoft.com/office/drawing/2016/SVG/main" r:embed="rId5"/>
-              </a:ext>
-            </a:extLst>
-          </a:blip>
-          <a:stretch>
-            <a:fillRect/>
-          </a:stretch>
-        </p:blipFill>
-        <p:spPr>
-          <a:xfrm>
-            <a:off x="3620463" y="4913995"/>
-            <a:ext cx="3048000" cy="2286000"/>
-          </a:xfrm>
-          <a:prstGeom prst="rect">
-            <a:avLst/>
-          </a:prstGeom>
-        </p:spPr>
-      </p:pic>
-      <p:pic>
-        <p:nvPicPr>
-          <p:cNvPr id="61" name="Graphic 60">
-            <a:extLst>
-              <a:ext uri="{FF2B5EF4-FFF2-40B4-BE49-F238E27FC236}">
-                <a16:creationId xmlns:a16="http://schemas.microsoft.com/office/drawing/2014/main" id="{E22388DF-ED79-9B28-CF0D-11905DD946EC}"/>
+                <a16:creationId xmlns:a16="http://schemas.microsoft.com/office/drawing/2014/main" id="{FB0F877A-7D7E-CBB4-E3A6-4A9F7037EF8B}"/>
               </a:ext>
             </a:extLst>
           </p:cNvPr>
@@ -6981,7 +7726,7 @@
         </p:blipFill>
         <p:spPr>
           <a:xfrm>
-            <a:off x="89047" y="4917178"/>
+            <a:off x="3810000" y="4670527"/>
             <a:ext cx="3048000" cy="2286000"/>
           </a:xfrm>
           <a:prstGeom prst="rect">
@@ -6991,10 +7736,10 @@
       </p:pic>
       <p:pic>
         <p:nvPicPr>
-          <p:cNvPr id="64" name="Graphic 63">
+          <p:cNvPr id="174" name="Graphic 173">
             <a:extLst>
               <a:ext uri="{FF2B5EF4-FFF2-40B4-BE49-F238E27FC236}">
-                <a16:creationId xmlns:a16="http://schemas.microsoft.com/office/drawing/2014/main" id="{D24C8F19-44CA-D278-56C4-C8FD6F97449D}"/>
+                <a16:creationId xmlns:a16="http://schemas.microsoft.com/office/drawing/2014/main" id="{8702EE81-6CE8-0D23-09EA-8DBC57272F05}"/>
               </a:ext>
             </a:extLst>
           </p:cNvPr>
@@ -7017,7 +7762,7 @@
         </p:blipFill>
         <p:spPr>
           <a:xfrm>
-            <a:off x="311527" y="7546914"/>
+            <a:off x="3808833" y="8160206"/>
             <a:ext cx="3048000" cy="2286000"/>
           </a:xfrm>
           <a:prstGeom prst="rect">
@@ -7025,76 +7770,6 @@
           </a:prstGeom>
         </p:spPr>
       </p:pic>
-      <p:sp>
-        <p:nvSpPr>
-          <p:cNvPr id="78" name="TextBox 77">
-            <a:extLst>
-              <a:ext uri="{FF2B5EF4-FFF2-40B4-BE49-F238E27FC236}">
-                <a16:creationId xmlns:a16="http://schemas.microsoft.com/office/drawing/2014/main" id="{919776F6-5BBC-3724-53E6-FCBAFC266874}"/>
-              </a:ext>
-            </a:extLst>
-          </p:cNvPr>
-          <p:cNvSpPr txBox="1"/>
-          <p:nvPr/>
-        </p:nvSpPr>
-        <p:spPr>
-          <a:xfrm>
-            <a:off x="88495" y="902719"/>
-            <a:ext cx="610368" cy="369332"/>
-          </a:xfrm>
-          <a:prstGeom prst="rect">
-            <a:avLst/>
-          </a:prstGeom>
-          <a:noFill/>
-        </p:spPr>
-        <p:txBody>
-          <a:bodyPr wrap="square" rtlCol="0">
-            <a:spAutoFit/>
-          </a:bodyPr>
-          <a:lstStyle/>
-          <a:p>
-            <a:r>
-              <a:rPr lang="en-US" dirty="0"/>
-              <a:t>(A)</a:t>
-            </a:r>
-          </a:p>
-        </p:txBody>
-      </p:sp>
-      <p:sp>
-        <p:nvSpPr>
-          <p:cNvPr id="79" name="TextBox 78">
-            <a:extLst>
-              <a:ext uri="{FF2B5EF4-FFF2-40B4-BE49-F238E27FC236}">
-                <a16:creationId xmlns:a16="http://schemas.microsoft.com/office/drawing/2014/main" id="{6C57D60C-9129-0FEE-F0E6-7B3A5CD29B39}"/>
-              </a:ext>
-            </a:extLst>
-          </p:cNvPr>
-          <p:cNvSpPr txBox="1"/>
-          <p:nvPr/>
-        </p:nvSpPr>
-        <p:spPr>
-          <a:xfrm>
-            <a:off x="88495" y="4388776"/>
-            <a:ext cx="610368" cy="369332"/>
-          </a:xfrm>
-          <a:prstGeom prst="rect">
-            <a:avLst/>
-          </a:prstGeom>
-          <a:noFill/>
-        </p:spPr>
-        <p:txBody>
-          <a:bodyPr wrap="square" rtlCol="0">
-            <a:spAutoFit/>
-          </a:bodyPr>
-          <a:lstStyle/>
-          <a:p>
-            <a:r>
-              <a:rPr lang="en-US" dirty="0"/>
-              <a:t>(B)</a:t>
-            </a:r>
-          </a:p>
-        </p:txBody>
-      </p:sp>
     </p:spTree>
     <p:extLst>
       <p:ext uri="{BB962C8B-B14F-4D97-AF65-F5344CB8AC3E}">

--- a/Images/Figures_To_Review/Portrait_Final_Figures.pptx
+++ b/Images/Figures_To_Review/Portrait_Final_Figures.pptx
@@ -247,7 +247,7 @@
           <a:p>
             <a:fld id="{9F63612E-C667-4B87-BE21-CEDCDFE9BED7}" type="datetimeFigureOut">
               <a:rPr lang="en-US" smtClean="0"/>
-              <a:t>7/29/2025</a:t>
+              <a:t>7/31/2025</a:t>
             </a:fld>
             <a:endParaRPr lang="en-US"/>
           </a:p>
@@ -417,7 +417,7 @@
           <a:p>
             <a:fld id="{9F63612E-C667-4B87-BE21-CEDCDFE9BED7}" type="datetimeFigureOut">
               <a:rPr lang="en-US" smtClean="0"/>
-              <a:t>7/29/2025</a:t>
+              <a:t>7/31/2025</a:t>
             </a:fld>
             <a:endParaRPr lang="en-US"/>
           </a:p>
@@ -597,7 +597,7 @@
           <a:p>
             <a:fld id="{9F63612E-C667-4B87-BE21-CEDCDFE9BED7}" type="datetimeFigureOut">
               <a:rPr lang="en-US" smtClean="0"/>
-              <a:t>7/29/2025</a:t>
+              <a:t>7/31/2025</a:t>
             </a:fld>
             <a:endParaRPr lang="en-US"/>
           </a:p>
@@ -767,7 +767,7 @@
           <a:p>
             <a:fld id="{9F63612E-C667-4B87-BE21-CEDCDFE9BED7}" type="datetimeFigureOut">
               <a:rPr lang="en-US" smtClean="0"/>
-              <a:t>7/29/2025</a:t>
+              <a:t>7/31/2025</a:t>
             </a:fld>
             <a:endParaRPr lang="en-US"/>
           </a:p>
@@ -1013,7 +1013,7 @@
           <a:p>
             <a:fld id="{9F63612E-C667-4B87-BE21-CEDCDFE9BED7}" type="datetimeFigureOut">
               <a:rPr lang="en-US" smtClean="0"/>
-              <a:t>7/29/2025</a:t>
+              <a:t>7/31/2025</a:t>
             </a:fld>
             <a:endParaRPr lang="en-US"/>
           </a:p>
@@ -1245,7 +1245,7 @@
           <a:p>
             <a:fld id="{9F63612E-C667-4B87-BE21-CEDCDFE9BED7}" type="datetimeFigureOut">
               <a:rPr lang="en-US" smtClean="0"/>
-              <a:t>7/29/2025</a:t>
+              <a:t>7/31/2025</a:t>
             </a:fld>
             <a:endParaRPr lang="en-US"/>
           </a:p>
@@ -1612,7 +1612,7 @@
           <a:p>
             <a:fld id="{9F63612E-C667-4B87-BE21-CEDCDFE9BED7}" type="datetimeFigureOut">
               <a:rPr lang="en-US" smtClean="0"/>
-              <a:t>7/29/2025</a:t>
+              <a:t>7/31/2025</a:t>
             </a:fld>
             <a:endParaRPr lang="en-US"/>
           </a:p>
@@ -1730,7 +1730,7 @@
           <a:p>
             <a:fld id="{9F63612E-C667-4B87-BE21-CEDCDFE9BED7}" type="datetimeFigureOut">
               <a:rPr lang="en-US" smtClean="0"/>
-              <a:t>7/29/2025</a:t>
+              <a:t>7/31/2025</a:t>
             </a:fld>
             <a:endParaRPr lang="en-US"/>
           </a:p>
@@ -1825,7 +1825,7 @@
           <a:p>
             <a:fld id="{9F63612E-C667-4B87-BE21-CEDCDFE9BED7}" type="datetimeFigureOut">
               <a:rPr lang="en-US" smtClean="0"/>
-              <a:t>7/29/2025</a:t>
+              <a:t>7/31/2025</a:t>
             </a:fld>
             <a:endParaRPr lang="en-US"/>
           </a:p>
@@ -2102,7 +2102,7 @@
           <a:p>
             <a:fld id="{9F63612E-C667-4B87-BE21-CEDCDFE9BED7}" type="datetimeFigureOut">
               <a:rPr lang="en-US" smtClean="0"/>
-              <a:t>7/29/2025</a:t>
+              <a:t>7/31/2025</a:t>
             </a:fld>
             <a:endParaRPr lang="en-US"/>
           </a:p>
@@ -2359,7 +2359,7 @@
           <a:p>
             <a:fld id="{9F63612E-C667-4B87-BE21-CEDCDFE9BED7}" type="datetimeFigureOut">
               <a:rPr lang="en-US" smtClean="0"/>
-              <a:t>7/29/2025</a:t>
+              <a:t>7/31/2025</a:t>
             </a:fld>
             <a:endParaRPr lang="en-US"/>
           </a:p>
@@ -2572,7 +2572,7 @@
           <a:p>
             <a:fld id="{9F63612E-C667-4B87-BE21-CEDCDFE9BED7}" type="datetimeFigureOut">
               <a:rPr lang="en-US" smtClean="0"/>
-              <a:t>7/29/2025</a:t>
+              <a:t>7/31/2025</a:t>
             </a:fld>
             <a:endParaRPr lang="en-US"/>
           </a:p>
@@ -3016,43 +3016,6 @@
       </p:sp>
       <p:pic>
         <p:nvPicPr>
-          <p:cNvPr id="21" name="Picture 20" descr="A diagram of different types of animals&#10;&#10;AI-generated content may be incorrect.">
-            <a:extLst>
-              <a:ext uri="{FF2B5EF4-FFF2-40B4-BE49-F238E27FC236}">
-                <a16:creationId xmlns:a16="http://schemas.microsoft.com/office/drawing/2014/main" id="{C36C0284-D447-F9FB-E694-7C47F8F10136}"/>
-              </a:ext>
-            </a:extLst>
-          </p:cNvPr>
-          <p:cNvPicPr>
-            <a:picLocks noChangeAspect="1"/>
-          </p:cNvPicPr>
-          <p:nvPr/>
-        </p:nvPicPr>
-        <p:blipFill>
-          <a:blip r:embed="rId2">
-            <a:extLst>
-              <a:ext uri="{28A0092B-C50C-407E-A947-70E740481C1C}">
-                <a14:useLocalDpi xmlns:a14="http://schemas.microsoft.com/office/drawing/2010/main" val="0"/>
-              </a:ext>
-            </a:extLst>
-          </a:blip>
-          <a:srcRect t="8271" b="37055"/>
-          <a:stretch>
-            <a:fillRect/>
-          </a:stretch>
-        </p:blipFill>
-        <p:spPr>
-          <a:xfrm>
-            <a:off x="0" y="4382497"/>
-            <a:ext cx="6673684" cy="2693481"/>
-          </a:xfrm>
-          <a:prstGeom prst="rect">
-            <a:avLst/>
-          </a:prstGeom>
-        </p:spPr>
-      </p:pic>
-      <p:pic>
-        <p:nvPicPr>
           <p:cNvPr id="22" name="Picture 21" descr="A diagram of different colored circles&#10;&#10;AI-generated content may be incorrect.">
             <a:extLst>
               <a:ext uri="{FF2B5EF4-FFF2-40B4-BE49-F238E27FC236}">
@@ -3066,7 +3029,7 @@
           <p:nvPr/>
         </p:nvPicPr>
         <p:blipFill>
-          <a:blip r:embed="rId3">
+          <a:blip r:embed="rId2">
             <a:extLst>
               <a:ext uri="{28A0092B-C50C-407E-A947-70E740481C1C}">
                 <a14:useLocalDpi xmlns:a14="http://schemas.microsoft.com/office/drawing/2010/main" val="0"/>
@@ -4610,6 +4573,43 @@
           </a:p>
         </p:txBody>
       </p:sp>
+      <p:pic>
+        <p:nvPicPr>
+          <p:cNvPr id="3" name="Picture 2" descr="A diagram of a structure&#10;&#10;AI-generated content may be incorrect.">
+            <a:extLst>
+              <a:ext uri="{FF2B5EF4-FFF2-40B4-BE49-F238E27FC236}">
+                <a16:creationId xmlns:a16="http://schemas.microsoft.com/office/drawing/2014/main" id="{678AC567-0CB6-326E-26CE-0EE5AAB29AE4}"/>
+              </a:ext>
+            </a:extLst>
+          </p:cNvPr>
+          <p:cNvPicPr>
+            <a:picLocks noChangeAspect="1"/>
+          </p:cNvPicPr>
+          <p:nvPr/>
+        </p:nvPicPr>
+        <p:blipFill>
+          <a:blip r:embed="rId3">
+            <a:extLst>
+              <a:ext uri="{28A0092B-C50C-407E-A947-70E740481C1C}">
+                <a14:useLocalDpi xmlns:a14="http://schemas.microsoft.com/office/drawing/2010/main" val="0"/>
+              </a:ext>
+            </a:extLst>
+          </a:blip>
+          <a:srcRect t="10309" b="37325"/>
+          <a:stretch>
+            <a:fillRect/>
+          </a:stretch>
+        </p:blipFill>
+        <p:spPr>
+          <a:xfrm>
+            <a:off x="0" y="4617962"/>
+            <a:ext cx="6858000" cy="2693481"/>
+          </a:xfrm>
+          <a:prstGeom prst="rect">
+            <a:avLst/>
+          </a:prstGeom>
+        </p:spPr>
+      </p:pic>
     </p:spTree>
     <p:extLst>
       <p:ext uri="{BB962C8B-B14F-4D97-AF65-F5344CB8AC3E}">
@@ -7626,48 +7626,12 @@
           </a:p>
         </p:txBody>
       </p:sp>
-      <p:sp>
-        <p:nvSpPr>
-          <p:cNvPr id="168" name="TextBox 167">
+      <p:pic>
+        <p:nvPicPr>
+          <p:cNvPr id="172" name="Graphic 171">
             <a:extLst>
               <a:ext uri="{FF2B5EF4-FFF2-40B4-BE49-F238E27FC236}">
-                <a16:creationId xmlns:a16="http://schemas.microsoft.com/office/drawing/2014/main" id="{B1E43E0E-B00B-6598-4448-F4A23B317D44}"/>
-              </a:ext>
-            </a:extLst>
-          </p:cNvPr>
-          <p:cNvSpPr txBox="1"/>
-          <p:nvPr/>
-        </p:nvSpPr>
-        <p:spPr>
-          <a:xfrm>
-            <a:off x="4635994" y="10369262"/>
-            <a:ext cx="1393678" cy="307777"/>
-          </a:xfrm>
-          <a:prstGeom prst="rect">
-            <a:avLst/>
-          </a:prstGeom>
-          <a:noFill/>
-        </p:spPr>
-        <p:txBody>
-          <a:bodyPr wrap="square" rtlCol="0">
-            <a:spAutoFit/>
-          </a:bodyPr>
-          <a:lstStyle/>
-          <a:p>
-            <a:pPr algn="ctr"/>
-            <a:r>
-              <a:rPr lang="en-US" sz="1400" b="1" dirty="0"/>
-              <a:t>Missing TORC</a:t>
-            </a:r>
-          </a:p>
-        </p:txBody>
-      </p:sp>
-      <p:pic>
-        <p:nvPicPr>
-          <p:cNvPr id="170" name="Graphic 169">
-            <a:extLst>
-              <a:ext uri="{FF2B5EF4-FFF2-40B4-BE49-F238E27FC236}">
-                <a16:creationId xmlns:a16="http://schemas.microsoft.com/office/drawing/2014/main" id="{7EBFFCE0-9B4A-BC9F-16EA-E967048B9CB9}"/>
+                <a16:creationId xmlns:a16="http://schemas.microsoft.com/office/drawing/2014/main" id="{FB0F877A-7D7E-CBB4-E3A6-4A9F7037EF8B}"/>
               </a:ext>
             </a:extLst>
           </p:cNvPr>
@@ -7690,7 +7654,7 @@
         </p:blipFill>
         <p:spPr>
           <a:xfrm>
-            <a:off x="88495" y="4669204"/>
+            <a:off x="3810000" y="4670527"/>
             <a:ext cx="3048000" cy="2286000"/>
           </a:xfrm>
           <a:prstGeom prst="rect">
@@ -7700,10 +7664,10 @@
       </p:pic>
       <p:pic>
         <p:nvPicPr>
-          <p:cNvPr id="172" name="Graphic 171">
+          <p:cNvPr id="3" name="Graphic 2">
             <a:extLst>
               <a:ext uri="{FF2B5EF4-FFF2-40B4-BE49-F238E27FC236}">
-                <a16:creationId xmlns:a16="http://schemas.microsoft.com/office/drawing/2014/main" id="{FB0F877A-7D7E-CBB4-E3A6-4A9F7037EF8B}"/>
+                <a16:creationId xmlns:a16="http://schemas.microsoft.com/office/drawing/2014/main" id="{F9C93836-2A2B-7554-A2E5-477FBA821387}"/>
               </a:ext>
             </a:extLst>
           </p:cNvPr>
@@ -7726,7 +7690,7 @@
         </p:blipFill>
         <p:spPr>
           <a:xfrm>
-            <a:off x="3810000" y="4670527"/>
+            <a:off x="88495" y="4670527"/>
             <a:ext cx="3048000" cy="2286000"/>
           </a:xfrm>
           <a:prstGeom prst="rect">
@@ -7736,10 +7700,10 @@
       </p:pic>
       <p:pic>
         <p:nvPicPr>
-          <p:cNvPr id="174" name="Graphic 173">
+          <p:cNvPr id="49" name="Graphic 48">
             <a:extLst>
               <a:ext uri="{FF2B5EF4-FFF2-40B4-BE49-F238E27FC236}">
-                <a16:creationId xmlns:a16="http://schemas.microsoft.com/office/drawing/2014/main" id="{8702EE81-6CE8-0D23-09EA-8DBC57272F05}"/>
+                <a16:creationId xmlns:a16="http://schemas.microsoft.com/office/drawing/2014/main" id="{50C25EAF-9D79-6F2A-076C-A0C5CA4464EF}"/>
               </a:ext>
             </a:extLst>
           </p:cNvPr>
@@ -7762,7 +7726,7 @@
         </p:blipFill>
         <p:spPr>
           <a:xfrm>
-            <a:off x="3808833" y="8160206"/>
+            <a:off x="3793804" y="8237151"/>
             <a:ext cx="3048000" cy="2286000"/>
           </a:xfrm>
           <a:prstGeom prst="rect">
@@ -7770,6 +7734,42 @@
           </a:prstGeom>
         </p:spPr>
       </p:pic>
+      <p:sp>
+        <p:nvSpPr>
+          <p:cNvPr id="168" name="TextBox 167">
+            <a:extLst>
+              <a:ext uri="{FF2B5EF4-FFF2-40B4-BE49-F238E27FC236}">
+                <a16:creationId xmlns:a16="http://schemas.microsoft.com/office/drawing/2014/main" id="{B1E43E0E-B00B-6598-4448-F4A23B317D44}"/>
+              </a:ext>
+            </a:extLst>
+          </p:cNvPr>
+          <p:cNvSpPr txBox="1"/>
+          <p:nvPr/>
+        </p:nvSpPr>
+        <p:spPr>
+          <a:xfrm>
+            <a:off x="4649069" y="10369261"/>
+            <a:ext cx="1393678" cy="307777"/>
+          </a:xfrm>
+          <a:prstGeom prst="rect">
+            <a:avLst/>
+          </a:prstGeom>
+          <a:noFill/>
+        </p:spPr>
+        <p:txBody>
+          <a:bodyPr wrap="square" rtlCol="0">
+            <a:spAutoFit/>
+          </a:bodyPr>
+          <a:lstStyle/>
+          <a:p>
+            <a:pPr algn="ctr"/>
+            <a:r>
+              <a:rPr lang="en-US" sz="1400" b="1" dirty="0"/>
+              <a:t>Missing TORC</a:t>
+            </a:r>
+          </a:p>
+        </p:txBody>
+      </p:sp>
     </p:spTree>
     <p:extLst>
       <p:ext uri="{BB962C8B-B14F-4D97-AF65-F5344CB8AC3E}">

--- a/Images/Figures_To_Review/Portrait_Final_Figures.pptx
+++ b/Images/Figures_To_Review/Portrait_Final_Figures.pptx
@@ -7,9 +7,6 @@
   <p:sldIdLst>
     <p:sldId id="256" r:id="rId2"/>
     <p:sldId id="257" r:id="rId3"/>
-    <p:sldId id="258" r:id="rId4"/>
-    <p:sldId id="259" r:id="rId5"/>
-    <p:sldId id="260" r:id="rId6"/>
   </p:sldIdLst>
   <p:sldSz cx="6858000" cy="12192000"/>
   <p:notesSz cx="6858000" cy="9144000"/>
@@ -247,7 +244,7 @@
           <a:p>
             <a:fld id="{9F63612E-C667-4B87-BE21-CEDCDFE9BED7}" type="datetimeFigureOut">
               <a:rPr lang="en-US" smtClean="0"/>
-              <a:t>7/31/2025</a:t>
+              <a:t>8/6/2025</a:t>
             </a:fld>
             <a:endParaRPr lang="en-US"/>
           </a:p>
@@ -417,7 +414,7 @@
           <a:p>
             <a:fld id="{9F63612E-C667-4B87-BE21-CEDCDFE9BED7}" type="datetimeFigureOut">
               <a:rPr lang="en-US" smtClean="0"/>
-              <a:t>7/31/2025</a:t>
+              <a:t>8/6/2025</a:t>
             </a:fld>
             <a:endParaRPr lang="en-US"/>
           </a:p>
@@ -597,7 +594,7 @@
           <a:p>
             <a:fld id="{9F63612E-C667-4B87-BE21-CEDCDFE9BED7}" type="datetimeFigureOut">
               <a:rPr lang="en-US" smtClean="0"/>
-              <a:t>7/31/2025</a:t>
+              <a:t>8/6/2025</a:t>
             </a:fld>
             <a:endParaRPr lang="en-US"/>
           </a:p>
@@ -767,7 +764,7 @@
           <a:p>
             <a:fld id="{9F63612E-C667-4B87-BE21-CEDCDFE9BED7}" type="datetimeFigureOut">
               <a:rPr lang="en-US" smtClean="0"/>
-              <a:t>7/31/2025</a:t>
+              <a:t>8/6/2025</a:t>
             </a:fld>
             <a:endParaRPr lang="en-US"/>
           </a:p>
@@ -1013,7 +1010,7 @@
           <a:p>
             <a:fld id="{9F63612E-C667-4B87-BE21-CEDCDFE9BED7}" type="datetimeFigureOut">
               <a:rPr lang="en-US" smtClean="0"/>
-              <a:t>7/31/2025</a:t>
+              <a:t>8/6/2025</a:t>
             </a:fld>
             <a:endParaRPr lang="en-US"/>
           </a:p>
@@ -1245,7 +1242,7 @@
           <a:p>
             <a:fld id="{9F63612E-C667-4B87-BE21-CEDCDFE9BED7}" type="datetimeFigureOut">
               <a:rPr lang="en-US" smtClean="0"/>
-              <a:t>7/31/2025</a:t>
+              <a:t>8/6/2025</a:t>
             </a:fld>
             <a:endParaRPr lang="en-US"/>
           </a:p>
@@ -1612,7 +1609,7 @@
           <a:p>
             <a:fld id="{9F63612E-C667-4B87-BE21-CEDCDFE9BED7}" type="datetimeFigureOut">
               <a:rPr lang="en-US" smtClean="0"/>
-              <a:t>7/31/2025</a:t>
+              <a:t>8/6/2025</a:t>
             </a:fld>
             <a:endParaRPr lang="en-US"/>
           </a:p>
@@ -1730,7 +1727,7 @@
           <a:p>
             <a:fld id="{9F63612E-C667-4B87-BE21-CEDCDFE9BED7}" type="datetimeFigureOut">
               <a:rPr lang="en-US" smtClean="0"/>
-              <a:t>7/31/2025</a:t>
+              <a:t>8/6/2025</a:t>
             </a:fld>
             <a:endParaRPr lang="en-US"/>
           </a:p>
@@ -1825,7 +1822,7 @@
           <a:p>
             <a:fld id="{9F63612E-C667-4B87-BE21-CEDCDFE9BED7}" type="datetimeFigureOut">
               <a:rPr lang="en-US" smtClean="0"/>
-              <a:t>7/31/2025</a:t>
+              <a:t>8/6/2025</a:t>
             </a:fld>
             <a:endParaRPr lang="en-US"/>
           </a:p>
@@ -2102,7 +2099,7 @@
           <a:p>
             <a:fld id="{9F63612E-C667-4B87-BE21-CEDCDFE9BED7}" type="datetimeFigureOut">
               <a:rPr lang="en-US" smtClean="0"/>
-              <a:t>7/31/2025</a:t>
+              <a:t>8/6/2025</a:t>
             </a:fld>
             <a:endParaRPr lang="en-US"/>
           </a:p>
@@ -2359,7 +2356,7 @@
           <a:p>
             <a:fld id="{9F63612E-C667-4B87-BE21-CEDCDFE9BED7}" type="datetimeFigureOut">
               <a:rPr lang="en-US" smtClean="0"/>
-              <a:t>7/31/2025</a:t>
+              <a:t>8/6/2025</a:t>
             </a:fld>
             <a:endParaRPr lang="en-US"/>
           </a:p>
@@ -2572,7 +2569,7 @@
           <a:p>
             <a:fld id="{9F63612E-C667-4B87-BE21-CEDCDFE9BED7}" type="datetimeFigureOut">
               <a:rPr lang="en-US" smtClean="0"/>
-              <a:t>7/31/2025</a:t>
+              <a:t>8/6/2025</a:t>
             </a:fld>
             <a:endParaRPr lang="en-US"/>
           </a:p>
@@ -3014,42 +3011,6 @@
           </a:p>
         </p:txBody>
       </p:sp>
-      <p:pic>
-        <p:nvPicPr>
-          <p:cNvPr id="22" name="Picture 21" descr="A diagram of different colored circles&#10;&#10;AI-generated content may be incorrect.">
-            <a:extLst>
-              <a:ext uri="{FF2B5EF4-FFF2-40B4-BE49-F238E27FC236}">
-                <a16:creationId xmlns:a16="http://schemas.microsoft.com/office/drawing/2014/main" id="{C894D78F-6181-D6F0-DAB5-22E6C92ADC15}"/>
-              </a:ext>
-            </a:extLst>
-          </p:cNvPr>
-          <p:cNvPicPr>
-            <a:picLocks noChangeAspect="1"/>
-          </p:cNvPicPr>
-          <p:nvPr/>
-        </p:nvPicPr>
-        <p:blipFill>
-          <a:blip r:embed="rId2">
-            <a:extLst>
-              <a:ext uri="{28A0092B-C50C-407E-A947-70E740481C1C}">
-                <a14:useLocalDpi xmlns:a14="http://schemas.microsoft.com/office/drawing/2010/main" val="0"/>
-              </a:ext>
-            </a:extLst>
-          </a:blip>
-          <a:stretch>
-            <a:fillRect/>
-          </a:stretch>
-        </p:blipFill>
-        <p:spPr>
-          <a:xfrm>
-            <a:off x="816314" y="1301072"/>
-            <a:ext cx="5041056" cy="2835594"/>
-          </a:xfrm>
-          <a:prstGeom prst="rect">
-            <a:avLst/>
-          </a:prstGeom>
-        </p:spPr>
-      </p:pic>
       <p:grpSp>
         <p:nvGrpSpPr>
           <p:cNvPr id="23" name="Group 22">
@@ -4588,7 +4549,7 @@
           <p:nvPr/>
         </p:nvPicPr>
         <p:blipFill>
-          <a:blip r:embed="rId3">
+          <a:blip r:embed="rId2">
             <a:extLst>
               <a:ext uri="{28A0092B-C50C-407E-A947-70E740481C1C}">
                 <a14:useLocalDpi xmlns:a14="http://schemas.microsoft.com/office/drawing/2010/main" val="0"/>
@@ -4604,6 +4565,42 @@
           <a:xfrm>
             <a:off x="0" y="4617962"/>
             <a:ext cx="6858000" cy="2693481"/>
+          </a:xfrm>
+          <a:prstGeom prst="rect">
+            <a:avLst/>
+          </a:prstGeom>
+        </p:spPr>
+      </p:pic>
+      <p:pic>
+        <p:nvPicPr>
+          <p:cNvPr id="7" name="Graphic 6">
+            <a:extLst>
+              <a:ext uri="{FF2B5EF4-FFF2-40B4-BE49-F238E27FC236}">
+                <a16:creationId xmlns:a16="http://schemas.microsoft.com/office/drawing/2014/main" id="{89002CF0-94BA-AA39-3056-A4424DEA367C}"/>
+              </a:ext>
+            </a:extLst>
+          </p:cNvPr>
+          <p:cNvPicPr>
+            <a:picLocks noChangeAspect="1"/>
+          </p:cNvPicPr>
+          <p:nvPr/>
+        </p:nvPicPr>
+        <p:blipFill>
+          <a:blip r:embed="rId3">
+            <a:extLst>
+              <a:ext uri="{96DAC541-7B7A-43D3-8B79-37D633B846F1}">
+                <asvg:svgBlip xmlns:asvg="http://schemas.microsoft.com/office/drawing/2016/SVG/main" r:embed="rId4"/>
+              </a:ext>
+            </a:extLst>
+          </a:blip>
+          <a:stretch>
+            <a:fillRect/>
+          </a:stretch>
+        </p:blipFill>
+        <p:spPr>
+          <a:xfrm>
+            <a:off x="909828" y="1580758"/>
+            <a:ext cx="5038344" cy="2834069"/>
           </a:xfrm>
           <a:prstGeom prst="rect">
             <a:avLst/>
@@ -5763,7 +5760,9 @@
               <a:avLst/>
             </a:prstGeom>
             <a:solidFill>
-              <a:srgbClr val="586D3D"/>
+              <a:srgbClr val="586D3D">
+                <a:alpha val="74902"/>
+              </a:srgbClr>
             </a:solidFill>
             <a:ln>
               <a:solidFill>
@@ -5889,7 +5888,9 @@
               <a:avLst/>
             </a:prstGeom>
             <a:solidFill>
-              <a:srgbClr val="586D3D"/>
+              <a:srgbClr val="586D3D">
+                <a:alpha val="74902"/>
+              </a:srgbClr>
             </a:solidFill>
             <a:ln>
               <a:solidFill>
@@ -5973,7 +5974,7 @@
               <a:avLst/>
             </a:prstGeom>
             <a:solidFill>
-              <a:srgbClr val="BCA469"/>
+              <a:srgbClr val="DACC3E"/>
             </a:solidFill>
             <a:ln>
               <a:solidFill>
@@ -6015,7 +6016,9 @@
               <a:avLst/>
             </a:prstGeom>
             <a:solidFill>
-              <a:srgbClr val="586D3D"/>
+              <a:srgbClr val="586D3D">
+                <a:alpha val="74902"/>
+              </a:srgbClr>
             </a:solidFill>
             <a:ln>
               <a:solidFill>
@@ -6883,7 +6886,7 @@
         </p:nvSpPr>
         <p:spPr>
           <a:xfrm>
-            <a:off x="3740316" y="3277862"/>
+            <a:off x="3725260" y="3290694"/>
             <a:ext cx="1393678" cy="246221"/>
           </a:xfrm>
           <a:prstGeom prst="rect">
@@ -7175,7 +7178,7 @@
         </p:nvSpPr>
         <p:spPr>
           <a:xfrm>
-            <a:off x="5707154" y="2417745"/>
+            <a:off x="5694527" y="2414802"/>
             <a:ext cx="1393678" cy="246221"/>
           </a:xfrm>
           <a:prstGeom prst="rect">
@@ -7247,7 +7250,7 @@
         </p:nvSpPr>
         <p:spPr>
           <a:xfrm>
-            <a:off x="5622453" y="2194465"/>
+            <a:off x="5622453" y="2205748"/>
             <a:ext cx="1393678" cy="246221"/>
           </a:xfrm>
           <a:prstGeom prst="rect">
@@ -7283,7 +7286,7 @@
         </p:nvSpPr>
         <p:spPr>
           <a:xfrm>
-            <a:off x="5622453" y="1724557"/>
+            <a:off x="5622453" y="1730858"/>
             <a:ext cx="1393678" cy="246221"/>
           </a:xfrm>
           <a:prstGeom prst="rect">
@@ -7319,7 +7322,7 @@
         </p:nvSpPr>
         <p:spPr>
           <a:xfrm>
-            <a:off x="5629069" y="2635645"/>
+            <a:off x="5622453" y="2639886"/>
             <a:ext cx="1393678" cy="246221"/>
           </a:xfrm>
           <a:prstGeom prst="rect">
@@ -7355,7 +7358,7 @@
         </p:nvSpPr>
         <p:spPr>
           <a:xfrm>
-            <a:off x="3739838" y="1531442"/>
+            <a:off x="3740316" y="1525310"/>
             <a:ext cx="1393678" cy="246221"/>
           </a:xfrm>
           <a:prstGeom prst="rect">
@@ -7774,246 +7777,6 @@
     <p:extLst>
       <p:ext uri="{BB962C8B-B14F-4D97-AF65-F5344CB8AC3E}">
         <p14:creationId xmlns:p14="http://schemas.microsoft.com/office/powerpoint/2010/main" val="2938990586"/>
-      </p:ext>
-    </p:extLst>
-  </p:cSld>
-  <p:clrMapOvr>
-    <a:masterClrMapping/>
-  </p:clrMapOvr>
-</p:sld>
-</file>
-
-<file path=ppt/slides/slide3.xml><?xml version="1.0" encoding="utf-8"?>
-<p:sld xmlns:a="http://schemas.openxmlformats.org/drawingml/2006/main" xmlns:r="http://schemas.openxmlformats.org/officeDocument/2006/relationships" xmlns:p="http://schemas.openxmlformats.org/presentationml/2006/main">
-  <p:cSld>
-    <p:spTree>
-      <p:nvGrpSpPr>
-        <p:cNvPr id="1" name=""/>
-        <p:cNvGrpSpPr/>
-        <p:nvPr/>
-      </p:nvGrpSpPr>
-      <p:grpSpPr>
-        <a:xfrm>
-          <a:off x="0" y="0"/>
-          <a:ext cx="0" cy="0"/>
-          <a:chOff x="0" y="0"/>
-          <a:chExt cx="0" cy="0"/>
-        </a:xfrm>
-      </p:grpSpPr>
-      <p:sp>
-        <p:nvSpPr>
-          <p:cNvPr id="2" name="Title 1">
-            <a:extLst>
-              <a:ext uri="{FF2B5EF4-FFF2-40B4-BE49-F238E27FC236}">
-                <a16:creationId xmlns:a16="http://schemas.microsoft.com/office/drawing/2014/main" id="{5F78BF20-16B8-ACBD-D57A-D93C3DB3A628}"/>
-              </a:ext>
-            </a:extLst>
-          </p:cNvPr>
-          <p:cNvSpPr>
-            <a:spLocks noGrp="1"/>
-          </p:cNvSpPr>
-          <p:nvPr>
-            <p:ph type="title"/>
-          </p:nvPr>
-        </p:nvSpPr>
-        <p:spPr/>
-        <p:txBody>
-          <a:bodyPr/>
-          <a:lstStyle/>
-          <a:p>
-            <a:endParaRPr lang="en-US"/>
-          </a:p>
-        </p:txBody>
-      </p:sp>
-      <p:sp>
-        <p:nvSpPr>
-          <p:cNvPr id="3" name="Content Placeholder 2">
-            <a:extLst>
-              <a:ext uri="{FF2B5EF4-FFF2-40B4-BE49-F238E27FC236}">
-                <a16:creationId xmlns:a16="http://schemas.microsoft.com/office/drawing/2014/main" id="{FD1FDCDE-DEE7-DAE8-0029-3EE3C9B8DACE}"/>
-              </a:ext>
-            </a:extLst>
-          </p:cNvPr>
-          <p:cNvSpPr>
-            <a:spLocks noGrp="1"/>
-          </p:cNvSpPr>
-          <p:nvPr>
-            <p:ph idx="1"/>
-          </p:nvPr>
-        </p:nvSpPr>
-        <p:spPr/>
-        <p:txBody>
-          <a:bodyPr/>
-          <a:lstStyle/>
-          <a:p>
-            <a:endParaRPr lang="en-US"/>
-          </a:p>
-        </p:txBody>
-      </p:sp>
-    </p:spTree>
-    <p:extLst>
-      <p:ext uri="{BB962C8B-B14F-4D97-AF65-F5344CB8AC3E}">
-        <p14:creationId xmlns:p14="http://schemas.microsoft.com/office/powerpoint/2010/main" val="1484712581"/>
-      </p:ext>
-    </p:extLst>
-  </p:cSld>
-  <p:clrMapOvr>
-    <a:masterClrMapping/>
-  </p:clrMapOvr>
-</p:sld>
-</file>
-
-<file path=ppt/slides/slide4.xml><?xml version="1.0" encoding="utf-8"?>
-<p:sld xmlns:a="http://schemas.openxmlformats.org/drawingml/2006/main" xmlns:r="http://schemas.openxmlformats.org/officeDocument/2006/relationships" xmlns:p="http://schemas.openxmlformats.org/presentationml/2006/main">
-  <p:cSld>
-    <p:spTree>
-      <p:nvGrpSpPr>
-        <p:cNvPr id="1" name=""/>
-        <p:cNvGrpSpPr/>
-        <p:nvPr/>
-      </p:nvGrpSpPr>
-      <p:grpSpPr>
-        <a:xfrm>
-          <a:off x="0" y="0"/>
-          <a:ext cx="0" cy="0"/>
-          <a:chOff x="0" y="0"/>
-          <a:chExt cx="0" cy="0"/>
-        </a:xfrm>
-      </p:grpSpPr>
-      <p:sp>
-        <p:nvSpPr>
-          <p:cNvPr id="2" name="Title 1">
-            <a:extLst>
-              <a:ext uri="{FF2B5EF4-FFF2-40B4-BE49-F238E27FC236}">
-                <a16:creationId xmlns:a16="http://schemas.microsoft.com/office/drawing/2014/main" id="{4C6815DB-3907-46F3-E238-4083866DDA19}"/>
-              </a:ext>
-            </a:extLst>
-          </p:cNvPr>
-          <p:cNvSpPr>
-            <a:spLocks noGrp="1"/>
-          </p:cNvSpPr>
-          <p:nvPr>
-            <p:ph type="title"/>
-          </p:nvPr>
-        </p:nvSpPr>
-        <p:spPr/>
-        <p:txBody>
-          <a:bodyPr/>
-          <a:lstStyle/>
-          <a:p>
-            <a:endParaRPr lang="en-US"/>
-          </a:p>
-        </p:txBody>
-      </p:sp>
-      <p:sp>
-        <p:nvSpPr>
-          <p:cNvPr id="3" name="Content Placeholder 2">
-            <a:extLst>
-              <a:ext uri="{FF2B5EF4-FFF2-40B4-BE49-F238E27FC236}">
-                <a16:creationId xmlns:a16="http://schemas.microsoft.com/office/drawing/2014/main" id="{2B1B1539-9BC4-1D9F-49F5-FC6276232655}"/>
-              </a:ext>
-            </a:extLst>
-          </p:cNvPr>
-          <p:cNvSpPr>
-            <a:spLocks noGrp="1"/>
-          </p:cNvSpPr>
-          <p:nvPr>
-            <p:ph idx="1"/>
-          </p:nvPr>
-        </p:nvSpPr>
-        <p:spPr/>
-        <p:txBody>
-          <a:bodyPr/>
-          <a:lstStyle/>
-          <a:p>
-            <a:endParaRPr lang="en-US"/>
-          </a:p>
-        </p:txBody>
-      </p:sp>
-    </p:spTree>
-    <p:extLst>
-      <p:ext uri="{BB962C8B-B14F-4D97-AF65-F5344CB8AC3E}">
-        <p14:creationId xmlns:p14="http://schemas.microsoft.com/office/powerpoint/2010/main" val="1464668911"/>
-      </p:ext>
-    </p:extLst>
-  </p:cSld>
-  <p:clrMapOvr>
-    <a:masterClrMapping/>
-  </p:clrMapOvr>
-</p:sld>
-</file>
-
-<file path=ppt/slides/slide5.xml><?xml version="1.0" encoding="utf-8"?>
-<p:sld xmlns:a="http://schemas.openxmlformats.org/drawingml/2006/main" xmlns:r="http://schemas.openxmlformats.org/officeDocument/2006/relationships" xmlns:p="http://schemas.openxmlformats.org/presentationml/2006/main">
-  <p:cSld>
-    <p:spTree>
-      <p:nvGrpSpPr>
-        <p:cNvPr id="1" name=""/>
-        <p:cNvGrpSpPr/>
-        <p:nvPr/>
-      </p:nvGrpSpPr>
-      <p:grpSpPr>
-        <a:xfrm>
-          <a:off x="0" y="0"/>
-          <a:ext cx="0" cy="0"/>
-          <a:chOff x="0" y="0"/>
-          <a:chExt cx="0" cy="0"/>
-        </a:xfrm>
-      </p:grpSpPr>
-      <p:sp>
-        <p:nvSpPr>
-          <p:cNvPr id="2" name="Title 1">
-            <a:extLst>
-              <a:ext uri="{FF2B5EF4-FFF2-40B4-BE49-F238E27FC236}">
-                <a16:creationId xmlns:a16="http://schemas.microsoft.com/office/drawing/2014/main" id="{EDA0B40D-48F4-158A-F8BC-4473868DD68A}"/>
-              </a:ext>
-            </a:extLst>
-          </p:cNvPr>
-          <p:cNvSpPr>
-            <a:spLocks noGrp="1"/>
-          </p:cNvSpPr>
-          <p:nvPr>
-            <p:ph type="title"/>
-          </p:nvPr>
-        </p:nvSpPr>
-        <p:spPr/>
-        <p:txBody>
-          <a:bodyPr/>
-          <a:lstStyle/>
-          <a:p>
-            <a:endParaRPr lang="en-US"/>
-          </a:p>
-        </p:txBody>
-      </p:sp>
-      <p:sp>
-        <p:nvSpPr>
-          <p:cNvPr id="3" name="Content Placeholder 2">
-            <a:extLst>
-              <a:ext uri="{FF2B5EF4-FFF2-40B4-BE49-F238E27FC236}">
-                <a16:creationId xmlns:a16="http://schemas.microsoft.com/office/drawing/2014/main" id="{4EE1976F-6814-AC0E-768F-1728F82556EA}"/>
-              </a:ext>
-            </a:extLst>
-          </p:cNvPr>
-          <p:cNvSpPr>
-            <a:spLocks noGrp="1"/>
-          </p:cNvSpPr>
-          <p:nvPr>
-            <p:ph idx="1"/>
-          </p:nvPr>
-        </p:nvSpPr>
-        <p:spPr/>
-        <p:txBody>
-          <a:bodyPr/>
-          <a:lstStyle/>
-          <a:p>
-            <a:endParaRPr lang="en-US"/>
-          </a:p>
-        </p:txBody>
-      </p:sp>
-    </p:spTree>
-    <p:extLst>
-      <p:ext uri="{BB962C8B-B14F-4D97-AF65-F5344CB8AC3E}">
-        <p14:creationId xmlns:p14="http://schemas.microsoft.com/office/powerpoint/2010/main" val="2292154165"/>
       </p:ext>
     </p:extLst>
   </p:cSld>
